--- a/MLSec_Bello_S_Project.pptx
+++ b/MLSec_Bello_S_Project.pptx
@@ -4478,7 +4478,7 @@
           <p:nvPr>
             <p:extLst>
               <p:ext uri="{D42A27DB-BD31-4B8C-83A1-F6EECF244321}">
-                <p14:modId xmlns:p14="http://schemas.microsoft.com/office/powerpoint/2010/main" val="3079167343"/>
+                <p14:modId xmlns:p14="http://schemas.microsoft.com/office/powerpoint/2010/main" val="2263588755"/>
               </p:ext>
             </p:extLst>
           </p:nvPr>
@@ -4571,7 +4571,16 @@
                     <a:bodyPr/>
                     <a:lstStyle/>
                     <a:p>
-                      <a:endParaRPr lang="en-GB" sz="2400" noProof="0" dirty="0"/>
+                      <a:r>
+                        <a:rPr lang="en-GB" sz="2000" noProof="0" dirty="0">
+                          <a:hlinkClick r:id="rId2"/>
+                        </a:rPr>
+                        <a:t>https://github.com/s-bello10/MLSec_Bello_S</a:t>
+                      </a:r>
+                      <a:r>
+                        <a:rPr lang="en-GB" sz="2000" noProof="0" dirty="0"/>
+                        <a:t> </a:t>
+                      </a:r>
                     </a:p>
                   </a:txBody>
                   <a:tcPr/>

--- a/MLSec_Bello_S_Project.pptx
+++ b/MLSec_Bello_S_Project.pptx
@@ -5,21 +5,22 @@
     <p:sldMasterId id="2147483648" r:id="rId1"/>
   </p:sldMasterIdLst>
   <p:notesMasterIdLst>
-    <p:notesMasterId r:id="rId14"/>
+    <p:notesMasterId r:id="rId15"/>
   </p:notesMasterIdLst>
   <p:sldIdLst>
     <p:sldId id="256" r:id="rId2"/>
     <p:sldId id="259" r:id="rId3"/>
     <p:sldId id="283" r:id="rId4"/>
     <p:sldId id="284" r:id="rId5"/>
-    <p:sldId id="285" r:id="rId6"/>
-    <p:sldId id="286" r:id="rId7"/>
-    <p:sldId id="288" r:id="rId8"/>
-    <p:sldId id="289" r:id="rId9"/>
-    <p:sldId id="287" r:id="rId10"/>
-    <p:sldId id="290" r:id="rId11"/>
-    <p:sldId id="291" r:id="rId12"/>
-    <p:sldId id="282" r:id="rId13"/>
+    <p:sldId id="292" r:id="rId6"/>
+    <p:sldId id="285" r:id="rId7"/>
+    <p:sldId id="286" r:id="rId8"/>
+    <p:sldId id="288" r:id="rId9"/>
+    <p:sldId id="289" r:id="rId10"/>
+    <p:sldId id="287" r:id="rId11"/>
+    <p:sldId id="290" r:id="rId12"/>
+    <p:sldId id="291" r:id="rId13"/>
+    <p:sldId id="282" r:id="rId14"/>
   </p:sldIdLst>
   <p:sldSz cx="12192000" cy="6858000"/>
   <p:notesSz cx="6858000" cy="9144000"/>
@@ -131,6 +132,7 @@
             <p14:sldId id="259"/>
             <p14:sldId id="283"/>
             <p14:sldId id="284"/>
+            <p14:sldId id="292"/>
             <p14:sldId id="285"/>
             <p14:sldId id="286"/>
             <p14:sldId id="288"/>
@@ -157,13 +159,577 @@
 <file path=ppt/revisionInfo.xml><?xml version="1.0" encoding="utf-8"?>
 <p1510:revInfo xmlns:a="http://schemas.openxmlformats.org/drawingml/2006/main" xmlns:r="http://schemas.openxmlformats.org/officeDocument/2006/relationships" xmlns:p1510="http://schemas.microsoft.com/office/powerpoint/2015/10/main">
   <p1510:revLst>
-    <p1510:client id="{CD0F08C7-B6DA-4219-A4D1-7FDDB3DE6333}" v="217" dt="2026-01-10T16:01:12.193"/>
+    <p1510:client id="{A3C9033D-3390-4FEA-9EED-04A395F70DA5}" v="5" dt="2026-01-20T09:23:44.826"/>
   </p1510:revLst>
 </p1510:revInfo>
 </file>
 
 <file path=ppt/changesInfos/changesInfo1.xml><?xml version="1.0" encoding="utf-8"?>
 <pc:chgInfo xmlns:a="http://schemas.openxmlformats.org/drawingml/2006/main" xmlns:r="http://schemas.openxmlformats.org/officeDocument/2006/relationships" xmlns:ac="http://schemas.microsoft.com/office/drawing/2013/main/command" xmlns:pc="http://schemas.microsoft.com/office/powerpoint/2013/main/command">
+  <pc:docChgLst>
+    <pc:chgData name="Bello Stefania" userId="f5dd46c2-920a-46f1-ae6b-ee187c9b79ba" providerId="ADAL" clId="{F6B2E0C0-47D0-46F0-AB44-22D57AE39CE5}"/>
+    <pc:docChg chg="undo custSel addSld modSld modSection">
+      <pc:chgData name="Bello Stefania" userId="f5dd46c2-920a-46f1-ae6b-ee187c9b79ba" providerId="ADAL" clId="{F6B2E0C0-47D0-46F0-AB44-22D57AE39CE5}" dt="2026-01-20T10:35:07.955" v="168" actId="14734"/>
+      <pc:docMkLst>
+        <pc:docMk/>
+      </pc:docMkLst>
+      <pc:sldChg chg="modSp mod">
+        <pc:chgData name="Bello Stefania" userId="f5dd46c2-920a-46f1-ae6b-ee187c9b79ba" providerId="ADAL" clId="{F6B2E0C0-47D0-46F0-AB44-22D57AE39CE5}" dt="2026-01-20T10:35:07.955" v="168" actId="14734"/>
+        <pc:sldMkLst>
+          <pc:docMk/>
+          <pc:sldMk cId="947462479" sldId="256"/>
+        </pc:sldMkLst>
+        <pc:spChg chg="mod">
+          <ac:chgData name="Bello Stefania" userId="f5dd46c2-920a-46f1-ae6b-ee187c9b79ba" providerId="ADAL" clId="{F6B2E0C0-47D0-46F0-AB44-22D57AE39CE5}" dt="2026-01-20T10:34:57.170" v="166" actId="20577"/>
+          <ac:spMkLst>
+            <pc:docMk/>
+            <pc:sldMk cId="947462479" sldId="256"/>
+            <ac:spMk id="6" creationId="{CA6CD3DB-05F7-A0C2-F3F5-F5F2EF055253}"/>
+          </ac:spMkLst>
+        </pc:spChg>
+        <pc:graphicFrameChg chg="modGraphic">
+          <ac:chgData name="Bello Stefania" userId="f5dd46c2-920a-46f1-ae6b-ee187c9b79ba" providerId="ADAL" clId="{F6B2E0C0-47D0-46F0-AB44-22D57AE39CE5}" dt="2026-01-20T10:35:07.955" v="168" actId="14734"/>
+          <ac:graphicFrameMkLst>
+            <pc:docMk/>
+            <pc:sldMk cId="947462479" sldId="256"/>
+            <ac:graphicFrameMk id="5" creationId="{F50B6389-8C2C-6A1A-391A-D52BC220587F}"/>
+          </ac:graphicFrameMkLst>
+        </pc:graphicFrameChg>
+      </pc:sldChg>
+      <pc:sldChg chg="modSp mod">
+        <pc:chgData name="Bello Stefania" userId="f5dd46c2-920a-46f1-ae6b-ee187c9b79ba" providerId="ADAL" clId="{F6B2E0C0-47D0-46F0-AB44-22D57AE39CE5}" dt="2026-01-20T09:15:21.605" v="56" actId="790"/>
+        <pc:sldMkLst>
+          <pc:docMk/>
+          <pc:sldMk cId="495938799" sldId="259"/>
+        </pc:sldMkLst>
+        <pc:spChg chg="mod">
+          <ac:chgData name="Bello Stefania" userId="f5dd46c2-920a-46f1-ae6b-ee187c9b79ba" providerId="ADAL" clId="{F6B2E0C0-47D0-46F0-AB44-22D57AE39CE5}" dt="2026-01-20T09:15:21.605" v="56" actId="790"/>
+          <ac:spMkLst>
+            <pc:docMk/>
+            <pc:sldMk cId="495938799" sldId="259"/>
+            <ac:spMk id="2" creationId="{177D9EE6-9793-B0E3-129E-D637050F6FD0}"/>
+          </ac:spMkLst>
+        </pc:spChg>
+        <pc:spChg chg="mod">
+          <ac:chgData name="Bello Stefania" userId="f5dd46c2-920a-46f1-ae6b-ee187c9b79ba" providerId="ADAL" clId="{F6B2E0C0-47D0-46F0-AB44-22D57AE39CE5}" dt="2026-01-20T09:15:21.605" v="56" actId="790"/>
+          <ac:spMkLst>
+            <pc:docMk/>
+            <pc:sldMk cId="495938799" sldId="259"/>
+            <ac:spMk id="3" creationId="{7D4FA4C0-C7AA-4ADA-8680-0123FC37FD2C}"/>
+          </ac:spMkLst>
+        </pc:spChg>
+        <pc:spChg chg="mod">
+          <ac:chgData name="Bello Stefania" userId="f5dd46c2-920a-46f1-ae6b-ee187c9b79ba" providerId="ADAL" clId="{F6B2E0C0-47D0-46F0-AB44-22D57AE39CE5}" dt="2026-01-20T09:15:21.605" v="56" actId="790"/>
+          <ac:spMkLst>
+            <pc:docMk/>
+            <pc:sldMk cId="495938799" sldId="259"/>
+            <ac:spMk id="7" creationId="{D9AEAF8E-3B54-19ED-C72F-CCB35635C0BB}"/>
+          </ac:spMkLst>
+        </pc:spChg>
+      </pc:sldChg>
+      <pc:sldChg chg="modSp mod">
+        <pc:chgData name="Bello Stefania" userId="f5dd46c2-920a-46f1-ae6b-ee187c9b79ba" providerId="ADAL" clId="{F6B2E0C0-47D0-46F0-AB44-22D57AE39CE5}" dt="2026-01-20T09:15:21.605" v="56" actId="790"/>
+        <pc:sldMkLst>
+          <pc:docMk/>
+          <pc:sldMk cId="3489261916" sldId="282"/>
+        </pc:sldMkLst>
+        <pc:spChg chg="mod">
+          <ac:chgData name="Bello Stefania" userId="f5dd46c2-920a-46f1-ae6b-ee187c9b79ba" providerId="ADAL" clId="{F6B2E0C0-47D0-46F0-AB44-22D57AE39CE5}" dt="2026-01-20T09:15:21.605" v="56" actId="790"/>
+          <ac:spMkLst>
+            <pc:docMk/>
+            <pc:sldMk cId="3489261916" sldId="282"/>
+            <ac:spMk id="9" creationId="{CEB3ADBF-52A1-F9A1-2F2F-0AFEC9E28797}"/>
+          </ac:spMkLst>
+        </pc:spChg>
+        <pc:spChg chg="mod">
+          <ac:chgData name="Bello Stefania" userId="f5dd46c2-920a-46f1-ae6b-ee187c9b79ba" providerId="ADAL" clId="{F6B2E0C0-47D0-46F0-AB44-22D57AE39CE5}" dt="2026-01-20T09:15:21.605" v="56" actId="790"/>
+          <ac:spMkLst>
+            <pc:docMk/>
+            <pc:sldMk cId="3489261916" sldId="282"/>
+            <ac:spMk id="10" creationId="{1B798798-CCDE-09FC-44BB-35745D2F8B67}"/>
+          </ac:spMkLst>
+        </pc:spChg>
+      </pc:sldChg>
+      <pc:sldChg chg="addSp modSp mod">
+        <pc:chgData name="Bello Stefania" userId="f5dd46c2-920a-46f1-ae6b-ee187c9b79ba" providerId="ADAL" clId="{F6B2E0C0-47D0-46F0-AB44-22D57AE39CE5}" dt="2026-01-20T09:38:48.282" v="82" actId="20577"/>
+        <pc:sldMkLst>
+          <pc:docMk/>
+          <pc:sldMk cId="3342666991" sldId="283"/>
+        </pc:sldMkLst>
+        <pc:spChg chg="mod">
+          <ac:chgData name="Bello Stefania" userId="f5dd46c2-920a-46f1-ae6b-ee187c9b79ba" providerId="ADAL" clId="{F6B2E0C0-47D0-46F0-AB44-22D57AE39CE5}" dt="2026-01-20T09:15:21.605" v="56" actId="790"/>
+          <ac:spMkLst>
+            <pc:docMk/>
+            <pc:sldMk cId="3342666991" sldId="283"/>
+            <ac:spMk id="2" creationId="{C66E9E0D-560F-B5D4-398D-6F1BD8E063A6}"/>
+          </ac:spMkLst>
+        </pc:spChg>
+        <pc:spChg chg="add mod">
+          <ac:chgData name="Bello Stefania" userId="f5dd46c2-920a-46f1-ae6b-ee187c9b79ba" providerId="ADAL" clId="{F6B2E0C0-47D0-46F0-AB44-22D57AE39CE5}" dt="2026-01-20T09:38:48.282" v="82" actId="20577"/>
+          <ac:spMkLst>
+            <pc:docMk/>
+            <pc:sldMk cId="3342666991" sldId="283"/>
+            <ac:spMk id="3" creationId="{9E23E6D8-1B0D-7EA7-91C4-A2AB858C46E1}"/>
+          </ac:spMkLst>
+        </pc:spChg>
+        <pc:spChg chg="mod">
+          <ac:chgData name="Bello Stefania" userId="f5dd46c2-920a-46f1-ae6b-ee187c9b79ba" providerId="ADAL" clId="{F6B2E0C0-47D0-46F0-AB44-22D57AE39CE5}" dt="2026-01-20T09:15:21.605" v="56" actId="790"/>
+          <ac:spMkLst>
+            <pc:docMk/>
+            <pc:sldMk cId="3342666991" sldId="283"/>
+            <ac:spMk id="9" creationId="{2E236696-3419-1315-EFDB-022BAA077F17}"/>
+          </ac:spMkLst>
+        </pc:spChg>
+        <pc:graphicFrameChg chg="modGraphic">
+          <ac:chgData name="Bello Stefania" userId="f5dd46c2-920a-46f1-ae6b-ee187c9b79ba" providerId="ADAL" clId="{F6B2E0C0-47D0-46F0-AB44-22D57AE39CE5}" dt="2026-01-20T09:15:21.605" v="56" actId="790"/>
+          <ac:graphicFrameMkLst>
+            <pc:docMk/>
+            <pc:sldMk cId="3342666991" sldId="283"/>
+            <ac:graphicFrameMk id="6" creationId="{3CCB5300-5E5F-B644-8886-29735513DE4E}"/>
+          </ac:graphicFrameMkLst>
+        </pc:graphicFrameChg>
+      </pc:sldChg>
+      <pc:sldChg chg="modSp mod">
+        <pc:chgData name="Bello Stefania" userId="f5dd46c2-920a-46f1-ae6b-ee187c9b79ba" providerId="ADAL" clId="{F6B2E0C0-47D0-46F0-AB44-22D57AE39CE5}" dt="2026-01-20T09:23:54.769" v="79" actId="1076"/>
+        <pc:sldMkLst>
+          <pc:docMk/>
+          <pc:sldMk cId="101964966" sldId="284"/>
+        </pc:sldMkLst>
+        <pc:spChg chg="mod">
+          <ac:chgData name="Bello Stefania" userId="f5dd46c2-920a-46f1-ae6b-ee187c9b79ba" providerId="ADAL" clId="{F6B2E0C0-47D0-46F0-AB44-22D57AE39CE5}" dt="2026-01-20T09:15:21.605" v="56" actId="790"/>
+          <ac:spMkLst>
+            <pc:docMk/>
+            <pc:sldMk cId="101964966" sldId="284"/>
+            <ac:spMk id="2" creationId="{EEE1CB1D-F56A-53E5-8306-8FFD6AC9A25C}"/>
+          </ac:spMkLst>
+        </pc:spChg>
+        <pc:spChg chg="mod">
+          <ac:chgData name="Bello Stefania" userId="f5dd46c2-920a-46f1-ae6b-ee187c9b79ba" providerId="ADAL" clId="{F6B2E0C0-47D0-46F0-AB44-22D57AE39CE5}" dt="2026-01-20T09:23:24.479" v="68"/>
+          <ac:spMkLst>
+            <pc:docMk/>
+            <pc:sldMk cId="101964966" sldId="284"/>
+            <ac:spMk id="3" creationId="{6C44B8A9-5724-9F17-8888-556BEDFFA7E2}"/>
+          </ac:spMkLst>
+        </pc:spChg>
+        <pc:spChg chg="mod">
+          <ac:chgData name="Bello Stefania" userId="f5dd46c2-920a-46f1-ae6b-ee187c9b79ba" providerId="ADAL" clId="{F6B2E0C0-47D0-46F0-AB44-22D57AE39CE5}" dt="2026-01-20T09:23:54.769" v="79" actId="1076"/>
+          <ac:spMkLst>
+            <pc:docMk/>
+            <pc:sldMk cId="101964966" sldId="284"/>
+            <ac:spMk id="6" creationId="{1733D27B-C3A4-74DD-1411-B81EAB59ED1E}"/>
+          </ac:spMkLst>
+        </pc:spChg>
+        <pc:spChg chg="mod">
+          <ac:chgData name="Bello Stefania" userId="f5dd46c2-920a-46f1-ae6b-ee187c9b79ba" providerId="ADAL" clId="{F6B2E0C0-47D0-46F0-AB44-22D57AE39CE5}" dt="2026-01-20T09:23:44.826" v="76"/>
+          <ac:spMkLst>
+            <pc:docMk/>
+            <pc:sldMk cId="101964966" sldId="284"/>
+            <ac:spMk id="7" creationId="{2F023380-376D-F73F-D2CB-8341D044923C}"/>
+          </ac:spMkLst>
+        </pc:spChg>
+        <pc:spChg chg="mod">
+          <ac:chgData name="Bello Stefania" userId="f5dd46c2-920a-46f1-ae6b-ee187c9b79ba" providerId="ADAL" clId="{F6B2E0C0-47D0-46F0-AB44-22D57AE39CE5}" dt="2026-01-20T09:23:46.511" v="78" actId="27636"/>
+          <ac:spMkLst>
+            <pc:docMk/>
+            <pc:sldMk cId="101964966" sldId="284"/>
+            <ac:spMk id="8" creationId="{66C4D500-BD41-6BBC-F870-04890F83459D}"/>
+          </ac:spMkLst>
+        </pc:spChg>
+        <pc:spChg chg="mod">
+          <ac:chgData name="Bello Stefania" userId="f5dd46c2-920a-46f1-ae6b-ee187c9b79ba" providerId="ADAL" clId="{F6B2E0C0-47D0-46F0-AB44-22D57AE39CE5}" dt="2026-01-20T09:23:22.883" v="67" actId="6549"/>
+          <ac:spMkLst>
+            <pc:docMk/>
+            <pc:sldMk cId="101964966" sldId="284"/>
+            <ac:spMk id="9" creationId="{2E29E346-9A34-912B-F081-6620DCA4510B}"/>
+          </ac:spMkLst>
+        </pc:spChg>
+        <pc:spChg chg="mod">
+          <ac:chgData name="Bello Stefania" userId="f5dd46c2-920a-46f1-ae6b-ee187c9b79ba" providerId="ADAL" clId="{F6B2E0C0-47D0-46F0-AB44-22D57AE39CE5}" dt="2026-01-20T09:15:21.605" v="56" actId="790"/>
+          <ac:spMkLst>
+            <pc:docMk/>
+            <pc:sldMk cId="101964966" sldId="284"/>
+            <ac:spMk id="10" creationId="{4D1802E3-2BC7-D31B-C072-A002ABFC1206}"/>
+          </ac:spMkLst>
+        </pc:spChg>
+      </pc:sldChg>
+      <pc:sldChg chg="modSp mod">
+        <pc:chgData name="Bello Stefania" userId="f5dd46c2-920a-46f1-ae6b-ee187c9b79ba" providerId="ADAL" clId="{F6B2E0C0-47D0-46F0-AB44-22D57AE39CE5}" dt="2026-01-20T09:15:21.605" v="56" actId="790"/>
+        <pc:sldMkLst>
+          <pc:docMk/>
+          <pc:sldMk cId="2668069038" sldId="285"/>
+        </pc:sldMkLst>
+        <pc:spChg chg="mod">
+          <ac:chgData name="Bello Stefania" userId="f5dd46c2-920a-46f1-ae6b-ee187c9b79ba" providerId="ADAL" clId="{F6B2E0C0-47D0-46F0-AB44-22D57AE39CE5}" dt="2026-01-20T09:15:21.605" v="56" actId="790"/>
+          <ac:spMkLst>
+            <pc:docMk/>
+            <pc:sldMk cId="2668069038" sldId="285"/>
+            <ac:spMk id="9" creationId="{AFC34C01-C39C-6F6C-6BAF-EFA45CBF70FA}"/>
+          </ac:spMkLst>
+        </pc:spChg>
+        <pc:spChg chg="mod">
+          <ac:chgData name="Bello Stefania" userId="f5dd46c2-920a-46f1-ae6b-ee187c9b79ba" providerId="ADAL" clId="{F6B2E0C0-47D0-46F0-AB44-22D57AE39CE5}" dt="2026-01-20T09:15:21.605" v="56" actId="790"/>
+          <ac:spMkLst>
+            <pc:docMk/>
+            <pc:sldMk cId="2668069038" sldId="285"/>
+            <ac:spMk id="12" creationId="{338EC22F-B600-4217-BCDB-4E795413C5C9}"/>
+          </ac:spMkLst>
+        </pc:spChg>
+        <pc:spChg chg="mod">
+          <ac:chgData name="Bello Stefania" userId="f5dd46c2-920a-46f1-ae6b-ee187c9b79ba" providerId="ADAL" clId="{F6B2E0C0-47D0-46F0-AB44-22D57AE39CE5}" dt="2026-01-20T09:15:21.605" v="56" actId="790"/>
+          <ac:spMkLst>
+            <pc:docMk/>
+            <pc:sldMk cId="2668069038" sldId="285"/>
+            <ac:spMk id="13" creationId="{439525F9-7723-EF2B-014F-2AD48554CF64}"/>
+          </ac:spMkLst>
+        </pc:spChg>
+        <pc:spChg chg="mod">
+          <ac:chgData name="Bello Stefania" userId="f5dd46c2-920a-46f1-ae6b-ee187c9b79ba" providerId="ADAL" clId="{F6B2E0C0-47D0-46F0-AB44-22D57AE39CE5}" dt="2026-01-20T09:15:21.605" v="56" actId="790"/>
+          <ac:spMkLst>
+            <pc:docMk/>
+            <pc:sldMk cId="2668069038" sldId="285"/>
+            <ac:spMk id="14" creationId="{4F427EE6-FBD6-C664-F2FF-59084DBBAACC}"/>
+          </ac:spMkLst>
+        </pc:spChg>
+        <pc:graphicFrameChg chg="modGraphic">
+          <ac:chgData name="Bello Stefania" userId="f5dd46c2-920a-46f1-ae6b-ee187c9b79ba" providerId="ADAL" clId="{F6B2E0C0-47D0-46F0-AB44-22D57AE39CE5}" dt="2026-01-20T09:15:21.605" v="56" actId="790"/>
+          <ac:graphicFrameMkLst>
+            <pc:docMk/>
+            <pc:sldMk cId="2668069038" sldId="285"/>
+            <ac:graphicFrameMk id="11" creationId="{A4884CE7-D55E-5566-F55A-86FA99208BB7}"/>
+          </ac:graphicFrameMkLst>
+        </pc:graphicFrameChg>
+      </pc:sldChg>
+      <pc:sldChg chg="modSp mod">
+        <pc:chgData name="Bello Stefania" userId="f5dd46c2-920a-46f1-ae6b-ee187c9b79ba" providerId="ADAL" clId="{F6B2E0C0-47D0-46F0-AB44-22D57AE39CE5}" dt="2026-01-20T09:15:21.605" v="56" actId="790"/>
+        <pc:sldMkLst>
+          <pc:docMk/>
+          <pc:sldMk cId="1959096362" sldId="286"/>
+        </pc:sldMkLst>
+        <pc:spChg chg="mod">
+          <ac:chgData name="Bello Stefania" userId="f5dd46c2-920a-46f1-ae6b-ee187c9b79ba" providerId="ADAL" clId="{F6B2E0C0-47D0-46F0-AB44-22D57AE39CE5}" dt="2026-01-20T09:15:21.605" v="56" actId="790"/>
+          <ac:spMkLst>
+            <pc:docMk/>
+            <pc:sldMk cId="1959096362" sldId="286"/>
+            <ac:spMk id="2" creationId="{2C47194A-2403-B9C0-2072-99EE78D13B27}"/>
+          </ac:spMkLst>
+        </pc:spChg>
+        <pc:spChg chg="mod">
+          <ac:chgData name="Bello Stefania" userId="f5dd46c2-920a-46f1-ae6b-ee187c9b79ba" providerId="ADAL" clId="{F6B2E0C0-47D0-46F0-AB44-22D57AE39CE5}" dt="2026-01-20T09:15:21.605" v="56" actId="790"/>
+          <ac:spMkLst>
+            <pc:docMk/>
+            <pc:sldMk cId="1959096362" sldId="286"/>
+            <ac:spMk id="14" creationId="{5DD0EC0D-035B-1380-2F71-1BD64F4079F2}"/>
+          </ac:spMkLst>
+        </pc:spChg>
+        <pc:spChg chg="mod">
+          <ac:chgData name="Bello Stefania" userId="f5dd46c2-920a-46f1-ae6b-ee187c9b79ba" providerId="ADAL" clId="{F6B2E0C0-47D0-46F0-AB44-22D57AE39CE5}" dt="2026-01-20T09:15:21.605" v="56" actId="790"/>
+          <ac:spMkLst>
+            <pc:docMk/>
+            <pc:sldMk cId="1959096362" sldId="286"/>
+            <ac:spMk id="15" creationId="{368F528C-6815-FD8D-DC59-E432DBE6503A}"/>
+          </ac:spMkLst>
+        </pc:spChg>
+        <pc:graphicFrameChg chg="modGraphic">
+          <ac:chgData name="Bello Stefania" userId="f5dd46c2-920a-46f1-ae6b-ee187c9b79ba" providerId="ADAL" clId="{F6B2E0C0-47D0-46F0-AB44-22D57AE39CE5}" dt="2026-01-20T09:15:21.605" v="56" actId="790"/>
+          <ac:graphicFrameMkLst>
+            <pc:docMk/>
+            <pc:sldMk cId="1959096362" sldId="286"/>
+            <ac:graphicFrameMk id="11" creationId="{1AE0B6AE-3B27-9424-9F27-820545DD62C3}"/>
+          </ac:graphicFrameMkLst>
+        </pc:graphicFrameChg>
+      </pc:sldChg>
+      <pc:sldChg chg="modSp mod">
+        <pc:chgData name="Bello Stefania" userId="f5dd46c2-920a-46f1-ae6b-ee187c9b79ba" providerId="ADAL" clId="{F6B2E0C0-47D0-46F0-AB44-22D57AE39CE5}" dt="2026-01-20T09:15:21.605" v="56" actId="790"/>
+        <pc:sldMkLst>
+          <pc:docMk/>
+          <pc:sldMk cId="3950709421" sldId="287"/>
+        </pc:sldMkLst>
+        <pc:spChg chg="mod">
+          <ac:chgData name="Bello Stefania" userId="f5dd46c2-920a-46f1-ae6b-ee187c9b79ba" providerId="ADAL" clId="{F6B2E0C0-47D0-46F0-AB44-22D57AE39CE5}" dt="2026-01-20T09:15:21.605" v="56" actId="790"/>
+          <ac:spMkLst>
+            <pc:docMk/>
+            <pc:sldMk cId="3950709421" sldId="287"/>
+            <ac:spMk id="2" creationId="{FDA45214-64A6-A7DB-14A2-5EF6E2FFD78E}"/>
+          </ac:spMkLst>
+        </pc:spChg>
+        <pc:spChg chg="mod">
+          <ac:chgData name="Bello Stefania" userId="f5dd46c2-920a-46f1-ae6b-ee187c9b79ba" providerId="ADAL" clId="{F6B2E0C0-47D0-46F0-AB44-22D57AE39CE5}" dt="2026-01-20T09:15:21.605" v="56" actId="790"/>
+          <ac:spMkLst>
+            <pc:docMk/>
+            <pc:sldMk cId="3950709421" sldId="287"/>
+            <ac:spMk id="7" creationId="{28E2F09F-68D8-8265-A086-706D86BECE82}"/>
+          </ac:spMkLst>
+        </pc:spChg>
+        <pc:spChg chg="mod">
+          <ac:chgData name="Bello Stefania" userId="f5dd46c2-920a-46f1-ae6b-ee187c9b79ba" providerId="ADAL" clId="{F6B2E0C0-47D0-46F0-AB44-22D57AE39CE5}" dt="2026-01-20T09:15:21.605" v="56" actId="790"/>
+          <ac:spMkLst>
+            <pc:docMk/>
+            <pc:sldMk cId="3950709421" sldId="287"/>
+            <ac:spMk id="11" creationId="{4883E34E-59E8-A4CF-06E6-2D626E61B473}"/>
+          </ac:spMkLst>
+        </pc:spChg>
+        <pc:graphicFrameChg chg="modGraphic">
+          <ac:chgData name="Bello Stefania" userId="f5dd46c2-920a-46f1-ae6b-ee187c9b79ba" providerId="ADAL" clId="{F6B2E0C0-47D0-46F0-AB44-22D57AE39CE5}" dt="2026-01-20T09:15:21.605" v="56" actId="790"/>
+          <ac:graphicFrameMkLst>
+            <pc:docMk/>
+            <pc:sldMk cId="3950709421" sldId="287"/>
+            <ac:graphicFrameMk id="6" creationId="{00D737C5-0B2D-3DCA-8827-909763A06FB5}"/>
+          </ac:graphicFrameMkLst>
+        </pc:graphicFrameChg>
+      </pc:sldChg>
+      <pc:sldChg chg="modSp mod">
+        <pc:chgData name="Bello Stefania" userId="f5dd46c2-920a-46f1-ae6b-ee187c9b79ba" providerId="ADAL" clId="{F6B2E0C0-47D0-46F0-AB44-22D57AE39CE5}" dt="2026-01-20T09:15:21.605" v="56" actId="790"/>
+        <pc:sldMkLst>
+          <pc:docMk/>
+          <pc:sldMk cId="3611062803" sldId="288"/>
+        </pc:sldMkLst>
+        <pc:spChg chg="mod">
+          <ac:chgData name="Bello Stefania" userId="f5dd46c2-920a-46f1-ae6b-ee187c9b79ba" providerId="ADAL" clId="{F6B2E0C0-47D0-46F0-AB44-22D57AE39CE5}" dt="2026-01-20T09:15:21.605" v="56" actId="790"/>
+          <ac:spMkLst>
+            <pc:docMk/>
+            <pc:sldMk cId="3611062803" sldId="288"/>
+            <ac:spMk id="2" creationId="{351B946E-9632-4E07-30F5-59FAB6DCD622}"/>
+          </ac:spMkLst>
+        </pc:spChg>
+        <pc:spChg chg="mod">
+          <ac:chgData name="Bello Stefania" userId="f5dd46c2-920a-46f1-ae6b-ee187c9b79ba" providerId="ADAL" clId="{F6B2E0C0-47D0-46F0-AB44-22D57AE39CE5}" dt="2026-01-20T09:15:21.605" v="56" actId="790"/>
+          <ac:spMkLst>
+            <pc:docMk/>
+            <pc:sldMk cId="3611062803" sldId="288"/>
+            <ac:spMk id="4" creationId="{29824680-F765-0DA5-0D86-1B362A193BA2}"/>
+          </ac:spMkLst>
+        </pc:spChg>
+        <pc:spChg chg="mod">
+          <ac:chgData name="Bello Stefania" userId="f5dd46c2-920a-46f1-ae6b-ee187c9b79ba" providerId="ADAL" clId="{F6B2E0C0-47D0-46F0-AB44-22D57AE39CE5}" dt="2026-01-20T09:15:21.605" v="56" actId="790"/>
+          <ac:spMkLst>
+            <pc:docMk/>
+            <pc:sldMk cId="3611062803" sldId="288"/>
+            <ac:spMk id="15" creationId="{9273DBA4-924C-46C6-71BA-FDB08FCA2C85}"/>
+          </ac:spMkLst>
+        </pc:spChg>
+        <pc:graphicFrameChg chg="modGraphic">
+          <ac:chgData name="Bello Stefania" userId="f5dd46c2-920a-46f1-ae6b-ee187c9b79ba" providerId="ADAL" clId="{F6B2E0C0-47D0-46F0-AB44-22D57AE39CE5}" dt="2026-01-20T09:15:21.605" v="56" actId="790"/>
+          <ac:graphicFrameMkLst>
+            <pc:docMk/>
+            <pc:sldMk cId="3611062803" sldId="288"/>
+            <ac:graphicFrameMk id="11" creationId="{AE978858-E6A2-DBAA-6B7B-8E9D60167E2D}"/>
+          </ac:graphicFrameMkLst>
+        </pc:graphicFrameChg>
+      </pc:sldChg>
+      <pc:sldChg chg="modSp mod">
+        <pc:chgData name="Bello Stefania" userId="f5dd46c2-920a-46f1-ae6b-ee187c9b79ba" providerId="ADAL" clId="{F6B2E0C0-47D0-46F0-AB44-22D57AE39CE5}" dt="2026-01-20T09:15:21.605" v="56" actId="790"/>
+        <pc:sldMkLst>
+          <pc:docMk/>
+          <pc:sldMk cId="2818969466" sldId="289"/>
+        </pc:sldMkLst>
+        <pc:spChg chg="mod">
+          <ac:chgData name="Bello Stefania" userId="f5dd46c2-920a-46f1-ae6b-ee187c9b79ba" providerId="ADAL" clId="{F6B2E0C0-47D0-46F0-AB44-22D57AE39CE5}" dt="2026-01-20T09:15:21.605" v="56" actId="790"/>
+          <ac:spMkLst>
+            <pc:docMk/>
+            <pc:sldMk cId="2818969466" sldId="289"/>
+            <ac:spMk id="2" creationId="{AD91FFB7-0D1C-A870-F996-FADBBCA09257}"/>
+          </ac:spMkLst>
+        </pc:spChg>
+        <pc:spChg chg="mod">
+          <ac:chgData name="Bello Stefania" userId="f5dd46c2-920a-46f1-ae6b-ee187c9b79ba" providerId="ADAL" clId="{F6B2E0C0-47D0-46F0-AB44-22D57AE39CE5}" dt="2026-01-20T09:15:21.605" v="56" actId="790"/>
+          <ac:spMkLst>
+            <pc:docMk/>
+            <pc:sldMk cId="2818969466" sldId="289"/>
+            <ac:spMk id="4" creationId="{C80EAA92-8AA7-B16C-A3D1-4A1AC6128E8A}"/>
+          </ac:spMkLst>
+        </pc:spChg>
+        <pc:spChg chg="mod">
+          <ac:chgData name="Bello Stefania" userId="f5dd46c2-920a-46f1-ae6b-ee187c9b79ba" providerId="ADAL" clId="{F6B2E0C0-47D0-46F0-AB44-22D57AE39CE5}" dt="2026-01-20T09:15:21.605" v="56" actId="790"/>
+          <ac:spMkLst>
+            <pc:docMk/>
+            <pc:sldMk cId="2818969466" sldId="289"/>
+            <ac:spMk id="15" creationId="{79EBEB5F-5781-79B2-6485-03D1549297C6}"/>
+          </ac:spMkLst>
+        </pc:spChg>
+        <pc:graphicFrameChg chg="modGraphic">
+          <ac:chgData name="Bello Stefania" userId="f5dd46c2-920a-46f1-ae6b-ee187c9b79ba" providerId="ADAL" clId="{F6B2E0C0-47D0-46F0-AB44-22D57AE39CE5}" dt="2026-01-20T09:15:21.605" v="56" actId="790"/>
+          <ac:graphicFrameMkLst>
+            <pc:docMk/>
+            <pc:sldMk cId="2818969466" sldId="289"/>
+            <ac:graphicFrameMk id="11" creationId="{143A6C52-2AF7-E1A1-0F55-45CB9BF3FDE4}"/>
+          </ac:graphicFrameMkLst>
+        </pc:graphicFrameChg>
+      </pc:sldChg>
+      <pc:sldChg chg="modSp mod">
+        <pc:chgData name="Bello Stefania" userId="f5dd46c2-920a-46f1-ae6b-ee187c9b79ba" providerId="ADAL" clId="{F6B2E0C0-47D0-46F0-AB44-22D57AE39CE5}" dt="2026-01-20T09:15:21.605" v="56" actId="790"/>
+        <pc:sldMkLst>
+          <pc:docMk/>
+          <pc:sldMk cId="566033879" sldId="290"/>
+        </pc:sldMkLst>
+        <pc:spChg chg="mod">
+          <ac:chgData name="Bello Stefania" userId="f5dd46c2-920a-46f1-ae6b-ee187c9b79ba" providerId="ADAL" clId="{F6B2E0C0-47D0-46F0-AB44-22D57AE39CE5}" dt="2026-01-20T09:15:21.605" v="56" actId="790"/>
+          <ac:spMkLst>
+            <pc:docMk/>
+            <pc:sldMk cId="566033879" sldId="290"/>
+            <ac:spMk id="2" creationId="{EE608F59-35F5-F83A-4703-C37C43D5C8AF}"/>
+          </ac:spMkLst>
+        </pc:spChg>
+        <pc:spChg chg="mod">
+          <ac:chgData name="Bello Stefania" userId="f5dd46c2-920a-46f1-ae6b-ee187c9b79ba" providerId="ADAL" clId="{F6B2E0C0-47D0-46F0-AB44-22D57AE39CE5}" dt="2026-01-20T09:15:21.605" v="56" actId="790"/>
+          <ac:spMkLst>
+            <pc:docMk/>
+            <pc:sldMk cId="566033879" sldId="290"/>
+            <ac:spMk id="7" creationId="{DF61CD8F-F6C3-307F-E528-07911631E174}"/>
+          </ac:spMkLst>
+        </pc:spChg>
+        <pc:spChg chg="mod">
+          <ac:chgData name="Bello Stefania" userId="f5dd46c2-920a-46f1-ae6b-ee187c9b79ba" providerId="ADAL" clId="{F6B2E0C0-47D0-46F0-AB44-22D57AE39CE5}" dt="2026-01-20T09:15:21.605" v="56" actId="790"/>
+          <ac:spMkLst>
+            <pc:docMk/>
+            <pc:sldMk cId="566033879" sldId="290"/>
+            <ac:spMk id="11" creationId="{9A50B207-E614-9782-B156-814A316F8516}"/>
+          </ac:spMkLst>
+        </pc:spChg>
+        <pc:graphicFrameChg chg="modGraphic">
+          <ac:chgData name="Bello Stefania" userId="f5dd46c2-920a-46f1-ae6b-ee187c9b79ba" providerId="ADAL" clId="{F6B2E0C0-47D0-46F0-AB44-22D57AE39CE5}" dt="2026-01-20T09:15:21.605" v="56" actId="790"/>
+          <ac:graphicFrameMkLst>
+            <pc:docMk/>
+            <pc:sldMk cId="566033879" sldId="290"/>
+            <ac:graphicFrameMk id="3" creationId="{8E6CE1F0-E3A1-E9E4-B3AC-665DB98C057A}"/>
+          </ac:graphicFrameMkLst>
+        </pc:graphicFrameChg>
+      </pc:sldChg>
+      <pc:sldChg chg="modSp mod">
+        <pc:chgData name="Bello Stefania" userId="f5dd46c2-920a-46f1-ae6b-ee187c9b79ba" providerId="ADAL" clId="{F6B2E0C0-47D0-46F0-AB44-22D57AE39CE5}" dt="2026-01-20T09:15:21.605" v="56" actId="790"/>
+        <pc:sldMkLst>
+          <pc:docMk/>
+          <pc:sldMk cId="1634168650" sldId="291"/>
+        </pc:sldMkLst>
+        <pc:spChg chg="mod">
+          <ac:chgData name="Bello Stefania" userId="f5dd46c2-920a-46f1-ae6b-ee187c9b79ba" providerId="ADAL" clId="{F6B2E0C0-47D0-46F0-AB44-22D57AE39CE5}" dt="2026-01-20T09:15:21.605" v="56" actId="790"/>
+          <ac:spMkLst>
+            <pc:docMk/>
+            <pc:sldMk cId="1634168650" sldId="291"/>
+            <ac:spMk id="2" creationId="{8338A75A-F549-A5F5-F0A3-5AE27EF0ED6F}"/>
+          </ac:spMkLst>
+        </pc:spChg>
+        <pc:spChg chg="mod">
+          <ac:chgData name="Bello Stefania" userId="f5dd46c2-920a-46f1-ae6b-ee187c9b79ba" providerId="ADAL" clId="{F6B2E0C0-47D0-46F0-AB44-22D57AE39CE5}" dt="2026-01-20T09:15:21.605" v="56" actId="790"/>
+          <ac:spMkLst>
+            <pc:docMk/>
+            <pc:sldMk cId="1634168650" sldId="291"/>
+            <ac:spMk id="3" creationId="{5A8EE4F2-469C-AC7A-9287-01D4CAA0BD97}"/>
+          </ac:spMkLst>
+        </pc:spChg>
+        <pc:spChg chg="mod">
+          <ac:chgData name="Bello Stefania" userId="f5dd46c2-920a-46f1-ae6b-ee187c9b79ba" providerId="ADAL" clId="{F6B2E0C0-47D0-46F0-AB44-22D57AE39CE5}" dt="2026-01-20T09:15:21.605" v="56" actId="790"/>
+          <ac:spMkLst>
+            <pc:docMk/>
+            <pc:sldMk cId="1634168650" sldId="291"/>
+            <ac:spMk id="4" creationId="{A29E2186-73A8-4067-D100-55173FFCC42B}"/>
+          </ac:spMkLst>
+        </pc:spChg>
+      </pc:sldChg>
+      <pc:sldChg chg="addSp delSp modSp new mod modClrScheme chgLayout">
+        <pc:chgData name="Bello Stefania" userId="f5dd46c2-920a-46f1-ae6b-ee187c9b79ba" providerId="ADAL" clId="{F6B2E0C0-47D0-46F0-AB44-22D57AE39CE5}" dt="2026-01-20T10:34:44.857" v="160" actId="1076"/>
+        <pc:sldMkLst>
+          <pc:docMk/>
+          <pc:sldMk cId="799350806" sldId="292"/>
+        </pc:sldMkLst>
+        <pc:spChg chg="del">
+          <ac:chgData name="Bello Stefania" userId="f5dd46c2-920a-46f1-ae6b-ee187c9b79ba" providerId="ADAL" clId="{F6B2E0C0-47D0-46F0-AB44-22D57AE39CE5}" dt="2026-01-20T09:47:17.933" v="84" actId="700"/>
+          <ac:spMkLst>
+            <pc:docMk/>
+            <pc:sldMk cId="799350806" sldId="292"/>
+            <ac:spMk id="2" creationId="{38885552-5D5C-F5F1-5574-E55DC32FC4E6}"/>
+          </ac:spMkLst>
+        </pc:spChg>
+        <pc:spChg chg="del">
+          <ac:chgData name="Bello Stefania" userId="f5dd46c2-920a-46f1-ae6b-ee187c9b79ba" providerId="ADAL" clId="{F6B2E0C0-47D0-46F0-AB44-22D57AE39CE5}" dt="2026-01-20T09:47:17.933" v="84" actId="700"/>
+          <ac:spMkLst>
+            <pc:docMk/>
+            <pc:sldMk cId="799350806" sldId="292"/>
+            <ac:spMk id="3" creationId="{4BC66574-06B5-0129-F0CB-87CC99DF1C3D}"/>
+          </ac:spMkLst>
+        </pc:spChg>
+        <pc:spChg chg="del mod ord">
+          <ac:chgData name="Bello Stefania" userId="f5dd46c2-920a-46f1-ae6b-ee187c9b79ba" providerId="ADAL" clId="{F6B2E0C0-47D0-46F0-AB44-22D57AE39CE5}" dt="2026-01-20T09:47:17.933" v="84" actId="700"/>
+          <ac:spMkLst>
+            <pc:docMk/>
+            <pc:sldMk cId="799350806" sldId="292"/>
+            <ac:spMk id="4" creationId="{4229F3D6-D456-912B-BFE5-96A5817BC333}"/>
+          </ac:spMkLst>
+        </pc:spChg>
+        <pc:spChg chg="del">
+          <ac:chgData name="Bello Stefania" userId="f5dd46c2-920a-46f1-ae6b-ee187c9b79ba" providerId="ADAL" clId="{F6B2E0C0-47D0-46F0-AB44-22D57AE39CE5}" dt="2026-01-20T09:47:17.933" v="84" actId="700"/>
+          <ac:spMkLst>
+            <pc:docMk/>
+            <pc:sldMk cId="799350806" sldId="292"/>
+            <ac:spMk id="5" creationId="{51809857-FA57-8AB8-72A0-04BDEE13C3FC}"/>
+          </ac:spMkLst>
+        </pc:spChg>
+        <pc:spChg chg="del mod ord">
+          <ac:chgData name="Bello Stefania" userId="f5dd46c2-920a-46f1-ae6b-ee187c9b79ba" providerId="ADAL" clId="{F6B2E0C0-47D0-46F0-AB44-22D57AE39CE5}" dt="2026-01-20T09:47:17.933" v="84" actId="700"/>
+          <ac:spMkLst>
+            <pc:docMk/>
+            <pc:sldMk cId="799350806" sldId="292"/>
+            <ac:spMk id="6" creationId="{D9D6A80E-F3A0-087E-3F2D-68DFBF1EB075}"/>
+          </ac:spMkLst>
+        </pc:spChg>
+        <pc:spChg chg="mod ord">
+          <ac:chgData name="Bello Stefania" userId="f5dd46c2-920a-46f1-ae6b-ee187c9b79ba" providerId="ADAL" clId="{F6B2E0C0-47D0-46F0-AB44-22D57AE39CE5}" dt="2026-01-20T09:48:30.884" v="91" actId="700"/>
+          <ac:spMkLst>
+            <pc:docMk/>
+            <pc:sldMk cId="799350806" sldId="292"/>
+            <ac:spMk id="7" creationId="{1DBDED23-08B8-2ADA-FE0B-308E43579CDF}"/>
+          </ac:spMkLst>
+        </pc:spChg>
+        <pc:spChg chg="add del mod ord">
+          <ac:chgData name="Bello Stefania" userId="f5dd46c2-920a-46f1-ae6b-ee187c9b79ba" providerId="ADAL" clId="{F6B2E0C0-47D0-46F0-AB44-22D57AE39CE5}" dt="2026-01-20T09:48:27.041" v="90" actId="478"/>
+          <ac:spMkLst>
+            <pc:docMk/>
+            <pc:sldMk cId="799350806" sldId="292"/>
+            <ac:spMk id="8" creationId="{E951CA09-B2A4-8DA7-6D3B-1DDAF165E814}"/>
+          </ac:spMkLst>
+        </pc:spChg>
+        <pc:spChg chg="add del mod ord">
+          <ac:chgData name="Bello Stefania" userId="f5dd46c2-920a-46f1-ae6b-ee187c9b79ba" providerId="ADAL" clId="{F6B2E0C0-47D0-46F0-AB44-22D57AE39CE5}" dt="2026-01-20T09:47:25.642" v="85" actId="22"/>
+          <ac:spMkLst>
+            <pc:docMk/>
+            <pc:sldMk cId="799350806" sldId="292"/>
+            <ac:spMk id="9" creationId="{8D8EB26F-1C06-10B5-B2C6-598C3A3E566B}"/>
+          </ac:spMkLst>
+        </pc:spChg>
+        <pc:spChg chg="add del">
+          <ac:chgData name="Bello Stefania" userId="f5dd46c2-920a-46f1-ae6b-ee187c9b79ba" providerId="ADAL" clId="{F6B2E0C0-47D0-46F0-AB44-22D57AE39CE5}" dt="2026-01-20T09:52:58.340" v="96" actId="22"/>
+          <ac:spMkLst>
+            <pc:docMk/>
+            <pc:sldMk cId="799350806" sldId="292"/>
+            <ac:spMk id="13" creationId="{A3EE8593-2F39-B1BB-2280-ED63DB6EE125}"/>
+          </ac:spMkLst>
+        </pc:spChg>
+        <pc:spChg chg="add mod">
+          <ac:chgData name="Bello Stefania" userId="f5dd46c2-920a-46f1-ae6b-ee187c9b79ba" providerId="ADAL" clId="{F6B2E0C0-47D0-46F0-AB44-22D57AE39CE5}" dt="2026-01-20T10:34:40.649" v="158" actId="1076"/>
+          <ac:spMkLst>
+            <pc:docMk/>
+            <pc:sldMk cId="799350806" sldId="292"/>
+            <ac:spMk id="15" creationId="{6B5B8320-D705-6CF9-247B-1161DB6890B2}"/>
+          </ac:spMkLst>
+        </pc:spChg>
+        <pc:picChg chg="add mod ord">
+          <ac:chgData name="Bello Stefania" userId="f5dd46c2-920a-46f1-ae6b-ee187c9b79ba" providerId="ADAL" clId="{F6B2E0C0-47D0-46F0-AB44-22D57AE39CE5}" dt="2026-01-20T10:34:44.857" v="160" actId="1076"/>
+          <ac:picMkLst>
+            <pc:docMk/>
+            <pc:sldMk cId="799350806" sldId="292"/>
+            <ac:picMk id="11" creationId="{4A6E6233-C015-3DB5-91E1-1186E2E42749}"/>
+          </ac:picMkLst>
+        </pc:picChg>
+        <pc:picChg chg="add mod">
+          <ac:chgData name="Bello Stefania" userId="f5dd46c2-920a-46f1-ae6b-ee187c9b79ba" providerId="ADAL" clId="{F6B2E0C0-47D0-46F0-AB44-22D57AE39CE5}" dt="2026-01-20T10:34:43.292" v="159" actId="1076"/>
+          <ac:picMkLst>
+            <pc:docMk/>
+            <pc:sldMk cId="799350806" sldId="292"/>
+            <ac:picMk id="17" creationId="{B4693325-AC54-B3FC-37CB-93722E5EF624}"/>
+          </ac:picMkLst>
+        </pc:picChg>
+      </pc:sldChg>
+    </pc:docChg>
+  </pc:docChgLst>
   <pc:docChgLst>
     <pc:chgData name="Bello Stefania" userId="f5dd46c2-920a-46f1-ae6b-ee187c9b79ba" providerId="ADAL" clId="{2628D27A-AFAD-4BB5-AE0B-C237C4E93BD3}"/>
     <pc:docChg chg="undo redo custSel addSld delSld modSld delMainMaster modMainMaster modSection">
@@ -1076,7 +1642,7 @@
           <a:p>
             <a:fld id="{02EAEE5A-9F76-49B3-B46E-0D2C3ED3E581}" type="datetimeFigureOut">
               <a:rPr lang="it-IT" smtClean="0"/>
-              <a:t>19/01/2026</a:t>
+              <a:t>20/01/2026</a:t>
             </a:fld>
             <a:endParaRPr lang="it-IT"/>
           </a:p>
@@ -4452,12 +5018,16 @@
               <a:rPr lang="en-GB" noProof="0" dirty="0"/>
             </a:br>
             <a:r>
-              <a:rPr lang="en-GB" sz="4800" noProof="0" dirty="0" err="1"/>
+              <a:rPr lang="en-GB" noProof="0" dirty="0"/>
+              <a:t>[</a:t>
+            </a:r>
+            <a:r>
+              <a:rPr lang="en-GB" sz="4800" noProof="0" dirty="0"/>
               <a:t>Project</a:t>
             </a:r>
             <a:r>
-              <a:rPr lang="en-GB" sz="4800" noProof="0" dirty="0"/>
-              <a:t> 1</a:t>
+              <a:rPr lang="en-GB" sz="4800" dirty="0"/>
+              <a:t> 1]</a:t>
             </a:r>
             <a:endParaRPr lang="en-GB" noProof="0" dirty="0"/>
           </a:p>
@@ -4478,7 +5048,7 @@
           <p:nvPr>
             <p:extLst>
               <p:ext uri="{D42A27DB-BD31-4B8C-83A1-F6EECF244321}">
-                <p14:modId xmlns:p14="http://schemas.microsoft.com/office/powerpoint/2010/main" val="2263588755"/>
+                <p14:modId xmlns:p14="http://schemas.microsoft.com/office/powerpoint/2010/main" val="758980486"/>
               </p:ext>
             </p:extLst>
           </p:nvPr>
@@ -4494,14 +5064,14 @@
                 <a:tableStyleId>{2D5ABB26-0587-4C30-8999-92F81FD0307C}</a:tableStyleId>
               </a:tblPr>
               <a:tblGrid>
-                <a:gridCol w="5524108">
+                <a:gridCol w="4511099">
                   <a:extLst>
                     <a:ext uri="{9D8B030D-6E8A-4147-A177-3AD203B41FA5}">
                       <a16:colId xmlns:a16="http://schemas.microsoft.com/office/drawing/2014/main" val="3491989528"/>
                     </a:ext>
                   </a:extLst>
                 </a:gridCol>
-                <a:gridCol w="5524108">
+                <a:gridCol w="6537117">
                   <a:extLst>
                     <a:ext uri="{9D8B030D-6E8A-4147-A177-3AD203B41FA5}">
                       <a16:colId xmlns:a16="http://schemas.microsoft.com/office/drawing/2014/main" val="3995444402"/>
@@ -4613,13 +5183,7 @@
   <p:cSld>
     <p:spTree>
       <p:nvGrpSpPr>
-        <p:cNvPr id="1" name="">
-          <a:extLst>
-            <a:ext uri="{FF2B5EF4-FFF2-40B4-BE49-F238E27FC236}">
-              <a16:creationId xmlns:a16="http://schemas.microsoft.com/office/drawing/2014/main" id="{D86F98B1-4FCF-C266-E642-129900113FA5}"/>
-            </a:ext>
-          </a:extLst>
-        </p:cNvPr>
+        <p:cNvPr id="1" name=""/>
         <p:cNvGrpSpPr/>
         <p:nvPr/>
       </p:nvGrpSpPr>
@@ -4636,7 +5200,7 @@
           <p:cNvPr id="2" name="Title 1">
             <a:extLst>
               <a:ext uri="{FF2B5EF4-FFF2-40B4-BE49-F238E27FC236}">
-                <a16:creationId xmlns:a16="http://schemas.microsoft.com/office/drawing/2014/main" id="{EE608F59-35F5-F83A-4703-C37C43D5C8AF}"/>
+                <a16:creationId xmlns:a16="http://schemas.microsoft.com/office/drawing/2014/main" id="{FDA45214-64A6-A7DB-14A2-5EF6E2FFD78E}"/>
               </a:ext>
             </a:extLst>
           </p:cNvPr>
@@ -4666,7 +5230,7 @@
             </a:br>
             <a:r>
               <a:rPr lang="en-GB" noProof="0" dirty="0"/>
-              <a:t>ranking stability</a:t>
+              <a:t>ranking</a:t>
             </a:r>
           </a:p>
         </p:txBody>
@@ -4676,7 +5240,7 @@
           <p:cNvPr id="7" name="Slide Number Placeholder 6">
             <a:extLst>
               <a:ext uri="{FF2B5EF4-FFF2-40B4-BE49-F238E27FC236}">
-                <a16:creationId xmlns:a16="http://schemas.microsoft.com/office/drawing/2014/main" id="{DF61CD8F-F6C3-307F-E528-07911631E174}"/>
+                <a16:creationId xmlns:a16="http://schemas.microsoft.com/office/drawing/2014/main" id="{28E2F09F-68D8-8265-A086-706D86BECE82}"/>
               </a:ext>
             </a:extLst>
           </p:cNvPr>
@@ -4708,128 +5272,12 @@
           </a:p>
         </p:txBody>
       </p:sp>
-      <p:pic>
-        <p:nvPicPr>
-          <p:cNvPr id="9" name="Picture 8">
+      <p:graphicFrame>
+        <p:nvGraphicFramePr>
+          <p:cNvPr id="6" name="Table 5">
             <a:extLst>
               <a:ext uri="{FF2B5EF4-FFF2-40B4-BE49-F238E27FC236}">
-                <a16:creationId xmlns:a16="http://schemas.microsoft.com/office/drawing/2014/main" id="{C65C1C82-60CF-B43C-0E3D-4821A575F148}"/>
-              </a:ext>
-            </a:extLst>
-          </p:cNvPr>
-          <p:cNvPicPr>
-            <a:picLocks noChangeAspect="1"/>
-          </p:cNvPicPr>
-          <p:nvPr/>
-        </p:nvPicPr>
-        <p:blipFill>
-          <a:blip r:embed="rId2">
-            <a:extLst>
-              <a:ext uri="{28A0092B-C50C-407E-A947-70E740481C1C}">
-                <a14:useLocalDpi xmlns:a14="http://schemas.microsoft.com/office/drawing/2010/main" val="0"/>
-              </a:ext>
-            </a:extLst>
-          </a:blip>
-          <a:srcRect/>
-          <a:stretch/>
-        </p:blipFill>
-        <p:spPr>
-          <a:xfrm>
-            <a:off x="5948079" y="278908"/>
-            <a:ext cx="5372009" cy="3831306"/>
-          </a:xfrm>
-          <a:prstGeom prst="rect">
-            <a:avLst/>
-          </a:prstGeom>
-        </p:spPr>
-      </p:pic>
-      <p:sp>
-        <p:nvSpPr>
-          <p:cNvPr id="11" name="Content Placeholder 13">
-            <a:extLst>
-              <a:ext uri="{FF2B5EF4-FFF2-40B4-BE49-F238E27FC236}">
-                <a16:creationId xmlns:a16="http://schemas.microsoft.com/office/drawing/2014/main" id="{9A50B207-E614-9782-B156-814A316F8516}"/>
-              </a:ext>
-            </a:extLst>
-          </p:cNvPr>
-          <p:cNvSpPr>
-            <a:spLocks noGrp="1"/>
-          </p:cNvSpPr>
-          <p:nvPr>
-            <p:ph idx="1"/>
-          </p:nvPr>
-        </p:nvSpPr>
-        <p:spPr>
-          <a:xfrm>
-            <a:off x="502234" y="1895474"/>
-            <a:ext cx="4370425" cy="4533055"/>
-          </a:xfrm>
-        </p:spPr>
-        <p:txBody>
-          <a:bodyPr>
-            <a:normAutofit fontScale="92500" lnSpcReduction="20000"/>
-          </a:bodyPr>
-          <a:lstStyle/>
-          <a:p>
-            <a:r>
-              <a:rPr lang="en-GB" noProof="0" dirty="0"/>
-              <a:t>Ranking stability can also be seen as rank variance: as a matter of fact, </a:t>
-            </a:r>
-            <a:r>
-              <a:rPr lang="en-GB" b="1" noProof="0" dirty="0"/>
-              <a:t>Wang2023Better_WRN-28-10</a:t>
-            </a:r>
-            <a:r>
-              <a:rPr lang="en-GB" noProof="0" dirty="0"/>
-              <a:t> and </a:t>
-            </a:r>
-            <a:r>
-              <a:rPr lang="en-GB" b="1" noProof="0" dirty="0"/>
-              <a:t>Cui2023Decoupled_WRN-28-10 </a:t>
-            </a:r>
-            <a:r>
-              <a:rPr lang="en-GB" noProof="0" dirty="0"/>
-              <a:t>low variance hence more stability, with low rank variance and no large rank jumps across ε;</a:t>
-            </a:r>
-          </a:p>
-          <a:p>
-            <a:r>
-              <a:rPr lang="en-GB" b="1" noProof="0" dirty="0"/>
-              <a:t>Rebuffi2021Fixing_R18_ddpm</a:t>
-            </a:r>
-            <a:r>
-              <a:rPr lang="en-GB" noProof="0" dirty="0"/>
-              <a:t>, with passed from 5 to 1, is the least stable model, showing both the highest rank variance and the largest rank jump;</a:t>
-            </a:r>
-          </a:p>
-          <a:p>
-            <a:r>
-              <a:rPr lang="en-GB" b="1" noProof="0" dirty="0"/>
-              <a:t>Sehwag2021Proxy_R18</a:t>
-            </a:r>
-            <a:r>
-              <a:rPr lang="en-GB" noProof="0" dirty="0"/>
-              <a:t> remains consistently in the lower ranks, showing moderate stability.</a:t>
-            </a:r>
-          </a:p>
-          <a:p>
-            <a:r>
-              <a:rPr lang="en-GB" b="1" noProof="0" dirty="0"/>
-              <a:t>Carmon2019Unlabeled</a:t>
-            </a:r>
-            <a:r>
-              <a:rPr lang="en-GB" noProof="0" dirty="0"/>
-              <a:t> exhibits noticeable instability, with a larger rank variance and a two-position drop at higher ε.</a:t>
-            </a:r>
-          </a:p>
-        </p:txBody>
-      </p:sp>
-      <p:graphicFrame>
-        <p:nvGraphicFramePr>
-          <p:cNvPr id="3" name="Table 2">
-            <a:extLst>
-              <a:ext uri="{FF2B5EF4-FFF2-40B4-BE49-F238E27FC236}">
-                <a16:creationId xmlns:a16="http://schemas.microsoft.com/office/drawing/2014/main" id="{8E6CE1F0-E3A1-E9E4-B3AC-665DB98C057A}"/>
+                <a16:creationId xmlns:a16="http://schemas.microsoft.com/office/drawing/2014/main" id="{00D737C5-0B2D-3DCA-8827-909763A06FB5}"/>
               </a:ext>
             </a:extLst>
           </p:cNvPr>
@@ -4839,7 +5287,7 @@
           <p:nvPr>
             <p:extLst>
               <p:ext uri="{D42A27DB-BD31-4B8C-83A1-F6EECF244321}">
-                <p14:modId xmlns:p14="http://schemas.microsoft.com/office/powerpoint/2010/main" val="4040736812"/>
+                <p14:modId xmlns:p14="http://schemas.microsoft.com/office/powerpoint/2010/main" val="1569327676"/>
               </p:ext>
             </p:extLst>
           </p:nvPr>
@@ -6294,6 +6742,1835 @@
           </a:graphicData>
         </a:graphic>
       </p:graphicFrame>
+      <p:pic>
+        <p:nvPicPr>
+          <p:cNvPr id="9" name="Picture 8">
+            <a:extLst>
+              <a:ext uri="{FF2B5EF4-FFF2-40B4-BE49-F238E27FC236}">
+                <a16:creationId xmlns:a16="http://schemas.microsoft.com/office/drawing/2014/main" id="{D01851A2-DAB3-47F5-7EC8-1125649036E5}"/>
+              </a:ext>
+            </a:extLst>
+          </p:cNvPr>
+          <p:cNvPicPr>
+            <a:picLocks noChangeAspect="1"/>
+          </p:cNvPicPr>
+          <p:nvPr/>
+        </p:nvPicPr>
+        <p:blipFill>
+          <a:blip r:embed="rId2">
+            <a:extLst>
+              <a:ext uri="{28A0092B-C50C-407E-A947-70E740481C1C}">
+                <a14:useLocalDpi xmlns:a14="http://schemas.microsoft.com/office/drawing/2010/main" val="0"/>
+              </a:ext>
+            </a:extLst>
+          </a:blip>
+          <a:srcRect/>
+          <a:stretch/>
+        </p:blipFill>
+        <p:spPr>
+          <a:xfrm>
+            <a:off x="5425365" y="278908"/>
+            <a:ext cx="6417437" cy="3831305"/>
+          </a:xfrm>
+          <a:prstGeom prst="rect">
+            <a:avLst/>
+          </a:prstGeom>
+        </p:spPr>
+      </p:pic>
+      <p:sp>
+        <p:nvSpPr>
+          <p:cNvPr id="11" name="Content Placeholder 13">
+            <a:extLst>
+              <a:ext uri="{FF2B5EF4-FFF2-40B4-BE49-F238E27FC236}">
+                <a16:creationId xmlns:a16="http://schemas.microsoft.com/office/drawing/2014/main" id="{4883E34E-59E8-A4CF-06E6-2D626E61B473}"/>
+              </a:ext>
+            </a:extLst>
+          </p:cNvPr>
+          <p:cNvSpPr>
+            <a:spLocks noGrp="1"/>
+          </p:cNvSpPr>
+          <p:nvPr>
+            <p:ph idx="1"/>
+          </p:nvPr>
+        </p:nvSpPr>
+        <p:spPr>
+          <a:xfrm>
+            <a:off x="502234" y="1895474"/>
+            <a:ext cx="4370425" cy="4533055"/>
+          </a:xfrm>
+        </p:spPr>
+        <p:txBody>
+          <a:bodyPr>
+            <a:normAutofit fontScale="85000" lnSpcReduction="10000"/>
+          </a:bodyPr>
+          <a:lstStyle/>
+          <a:p>
+            <a:r>
+              <a:rPr lang="en-GB" noProof="0" dirty="0"/>
+              <a:t>Model rankings change noticeably as ε increases</a:t>
+            </a:r>
+          </a:p>
+          <a:p>
+            <a:r>
+              <a:rPr lang="en-GB" b="1" noProof="0" dirty="0"/>
+              <a:t>Wang2023Better_WRN-28-10</a:t>
+            </a:r>
+            <a:r>
+              <a:rPr lang="en-GB" noProof="0" dirty="0"/>
+              <a:t> and </a:t>
+            </a:r>
+            <a:r>
+              <a:rPr lang="en-GB" b="1" noProof="0" dirty="0"/>
+              <a:t>Cui2023Decoupled_WRN-28-10 </a:t>
+            </a:r>
+            <a:r>
+              <a:rPr lang="en-GB" noProof="0" dirty="0"/>
+              <a:t>show the most stable behaviour, staying within the top-2 and top-3 ranks, respectively, across all ε values;</a:t>
+            </a:r>
+          </a:p>
+          <a:p>
+            <a:r>
+              <a:rPr lang="en-GB" noProof="0" dirty="0"/>
+              <a:t>Indeed, they rank 1</a:t>
+            </a:r>
+            <a:r>
+              <a:rPr lang="en-GB" baseline="30000" noProof="0" dirty="0"/>
+              <a:t>st</a:t>
+            </a:r>
+            <a:r>
+              <a:rPr lang="en-GB" noProof="0" dirty="0"/>
+              <a:t> and 2</a:t>
+            </a:r>
+            <a:r>
+              <a:rPr lang="en-GB" baseline="30000" noProof="0" dirty="0"/>
+              <a:t>nd</a:t>
+            </a:r>
+            <a:r>
+              <a:rPr lang="en-GB" noProof="0" dirty="0"/>
+              <a:t> at 8/255 (benchmark);</a:t>
+            </a:r>
+          </a:p>
+          <a:p>
+            <a:r>
+              <a:rPr lang="en-GB" noProof="0" dirty="0"/>
+              <a:t>In contrast, </a:t>
+            </a:r>
+            <a:r>
+              <a:rPr lang="en-GB" b="1" noProof="0" dirty="0"/>
+              <a:t>Rebuffi2021Fixing_R18_ddpm </a:t>
+            </a:r>
+            <a:r>
+              <a:rPr lang="en-GB" noProof="0" dirty="0"/>
+              <a:t>is the most instable model, moving from last place at small ε to first place at large ε;</a:t>
+            </a:r>
+          </a:p>
+          <a:p>
+            <a:r>
+              <a:rPr lang="en-GB" noProof="0" dirty="0"/>
+              <a:t>Overall, the results indicate that single-ε leaderboards mask important ranking shifts and that robustness should be evaluated across multiple ε values.</a:t>
+            </a:r>
+          </a:p>
+        </p:txBody>
+      </p:sp>
+    </p:spTree>
+    <p:extLst>
+      <p:ext uri="{BB962C8B-B14F-4D97-AF65-F5344CB8AC3E}">
+        <p14:creationId xmlns:p14="http://schemas.microsoft.com/office/powerpoint/2010/main" val="3950709421"/>
+      </p:ext>
+    </p:extLst>
+  </p:cSld>
+  <p:clrMapOvr>
+    <a:masterClrMapping/>
+  </p:clrMapOvr>
+</p:sld>
+</file>
+
+<file path=ppt/slides/slide11.xml><?xml version="1.0" encoding="utf-8"?>
+<p:sld xmlns:a="http://schemas.openxmlformats.org/drawingml/2006/main" xmlns:r="http://schemas.openxmlformats.org/officeDocument/2006/relationships" xmlns:p="http://schemas.openxmlformats.org/presentationml/2006/main">
+  <p:cSld>
+    <p:spTree>
+      <p:nvGrpSpPr>
+        <p:cNvPr id="1" name="">
+          <a:extLst>
+            <a:ext uri="{FF2B5EF4-FFF2-40B4-BE49-F238E27FC236}">
+              <a16:creationId xmlns:a16="http://schemas.microsoft.com/office/drawing/2014/main" id="{D86F98B1-4FCF-C266-E642-129900113FA5}"/>
+            </a:ext>
+          </a:extLst>
+        </p:cNvPr>
+        <p:cNvGrpSpPr/>
+        <p:nvPr/>
+      </p:nvGrpSpPr>
+      <p:grpSpPr>
+        <a:xfrm>
+          <a:off x="0" y="0"/>
+          <a:ext cx="0" cy="0"/>
+          <a:chOff x="0" y="0"/>
+          <a:chExt cx="0" cy="0"/>
+        </a:xfrm>
+      </p:grpSpPr>
+      <p:sp>
+        <p:nvSpPr>
+          <p:cNvPr id="2" name="Title 1">
+            <a:extLst>
+              <a:ext uri="{FF2B5EF4-FFF2-40B4-BE49-F238E27FC236}">
+                <a16:creationId xmlns:a16="http://schemas.microsoft.com/office/drawing/2014/main" id="{EE608F59-35F5-F83A-4703-C37C43D5C8AF}"/>
+              </a:ext>
+            </a:extLst>
+          </p:cNvPr>
+          <p:cNvSpPr>
+            <a:spLocks noGrp="1"/>
+          </p:cNvSpPr>
+          <p:nvPr>
+            <p:ph type="title"/>
+          </p:nvPr>
+        </p:nvSpPr>
+        <p:spPr>
+          <a:xfrm>
+            <a:off x="502233" y="429470"/>
+            <a:ext cx="4923131" cy="1286618"/>
+          </a:xfrm>
+        </p:spPr>
+        <p:txBody>
+          <a:bodyPr/>
+          <a:lstStyle/>
+          <a:p>
+            <a:r>
+              <a:rPr lang="en-GB" noProof="0" dirty="0"/>
+              <a:t>Results:</a:t>
+            </a:r>
+            <a:br>
+              <a:rPr lang="en-GB" noProof="0" dirty="0"/>
+            </a:br>
+            <a:r>
+              <a:rPr lang="en-GB" noProof="0" dirty="0"/>
+              <a:t>ranking stability</a:t>
+            </a:r>
+          </a:p>
+        </p:txBody>
+      </p:sp>
+      <p:sp>
+        <p:nvSpPr>
+          <p:cNvPr id="7" name="Slide Number Placeholder 6">
+            <a:extLst>
+              <a:ext uri="{FF2B5EF4-FFF2-40B4-BE49-F238E27FC236}">
+                <a16:creationId xmlns:a16="http://schemas.microsoft.com/office/drawing/2014/main" id="{DF61CD8F-F6C3-307F-E528-07911631E174}"/>
+              </a:ext>
+            </a:extLst>
+          </p:cNvPr>
+          <p:cNvSpPr>
+            <a:spLocks noGrp="1"/>
+          </p:cNvSpPr>
+          <p:nvPr>
+            <p:ph type="sldNum" sz="quarter" idx="12"/>
+          </p:nvPr>
+        </p:nvSpPr>
+        <p:spPr/>
+        <p:txBody>
+          <a:bodyPr/>
+          <a:lstStyle/>
+          <a:p>
+            <a:pPr algn="ctr"/>
+            <a:fld id="{78E97BA1-C745-4510-B7AA-416690FFF5BB}" type="slidenum">
+              <a:rPr lang="en-GB" noProof="0" smtClean="0"/>
+              <a:pPr algn="ctr"/>
+              <a:t>11</a:t>
+            </a:fld>
+            <a:endParaRPr lang="en-GB" sz="1100" noProof="0" dirty="0">
+              <a:solidFill>
+                <a:schemeClr val="tx1">
+                  <a:tint val="82000"/>
+                </a:schemeClr>
+              </a:solidFill>
+            </a:endParaRPr>
+          </a:p>
+        </p:txBody>
+      </p:sp>
+      <p:pic>
+        <p:nvPicPr>
+          <p:cNvPr id="9" name="Picture 8">
+            <a:extLst>
+              <a:ext uri="{FF2B5EF4-FFF2-40B4-BE49-F238E27FC236}">
+                <a16:creationId xmlns:a16="http://schemas.microsoft.com/office/drawing/2014/main" id="{C65C1C82-60CF-B43C-0E3D-4821A575F148}"/>
+              </a:ext>
+            </a:extLst>
+          </p:cNvPr>
+          <p:cNvPicPr>
+            <a:picLocks noChangeAspect="1"/>
+          </p:cNvPicPr>
+          <p:nvPr/>
+        </p:nvPicPr>
+        <p:blipFill>
+          <a:blip r:embed="rId2">
+            <a:extLst>
+              <a:ext uri="{28A0092B-C50C-407E-A947-70E740481C1C}">
+                <a14:useLocalDpi xmlns:a14="http://schemas.microsoft.com/office/drawing/2010/main" val="0"/>
+              </a:ext>
+            </a:extLst>
+          </a:blip>
+          <a:srcRect/>
+          <a:stretch/>
+        </p:blipFill>
+        <p:spPr>
+          <a:xfrm>
+            <a:off x="5948079" y="278908"/>
+            <a:ext cx="5372009" cy="3831306"/>
+          </a:xfrm>
+          <a:prstGeom prst="rect">
+            <a:avLst/>
+          </a:prstGeom>
+        </p:spPr>
+      </p:pic>
+      <p:sp>
+        <p:nvSpPr>
+          <p:cNvPr id="11" name="Content Placeholder 13">
+            <a:extLst>
+              <a:ext uri="{FF2B5EF4-FFF2-40B4-BE49-F238E27FC236}">
+                <a16:creationId xmlns:a16="http://schemas.microsoft.com/office/drawing/2014/main" id="{9A50B207-E614-9782-B156-814A316F8516}"/>
+              </a:ext>
+            </a:extLst>
+          </p:cNvPr>
+          <p:cNvSpPr>
+            <a:spLocks noGrp="1"/>
+          </p:cNvSpPr>
+          <p:nvPr>
+            <p:ph idx="1"/>
+          </p:nvPr>
+        </p:nvSpPr>
+        <p:spPr>
+          <a:xfrm>
+            <a:off x="502234" y="1895474"/>
+            <a:ext cx="4370425" cy="4533055"/>
+          </a:xfrm>
+        </p:spPr>
+        <p:txBody>
+          <a:bodyPr>
+            <a:normAutofit fontScale="92500" lnSpcReduction="20000"/>
+          </a:bodyPr>
+          <a:lstStyle/>
+          <a:p>
+            <a:r>
+              <a:rPr lang="en-GB" noProof="0" dirty="0"/>
+              <a:t>Ranking stability can also be seen as rank variance: as a matter of fact, </a:t>
+            </a:r>
+            <a:r>
+              <a:rPr lang="en-GB" b="1" noProof="0" dirty="0"/>
+              <a:t>Wang2023Better_WRN-28-10</a:t>
+            </a:r>
+            <a:r>
+              <a:rPr lang="en-GB" noProof="0" dirty="0"/>
+              <a:t> and </a:t>
+            </a:r>
+            <a:r>
+              <a:rPr lang="en-GB" b="1" noProof="0" dirty="0"/>
+              <a:t>Cui2023Decoupled_WRN-28-10 </a:t>
+            </a:r>
+            <a:r>
+              <a:rPr lang="en-GB" noProof="0" dirty="0"/>
+              <a:t>low variance hence more stability, with low rank variance and no large rank jumps across ε;</a:t>
+            </a:r>
+          </a:p>
+          <a:p>
+            <a:r>
+              <a:rPr lang="en-GB" b="1" noProof="0" dirty="0"/>
+              <a:t>Rebuffi2021Fixing_R18_ddpm</a:t>
+            </a:r>
+            <a:r>
+              <a:rPr lang="en-GB" noProof="0" dirty="0"/>
+              <a:t>, with passed from 5 to 1, is the least stable model, showing both the highest rank variance and the largest rank jump;</a:t>
+            </a:r>
+          </a:p>
+          <a:p>
+            <a:r>
+              <a:rPr lang="en-GB" b="1" noProof="0" dirty="0"/>
+              <a:t>Sehwag2021Proxy_R18</a:t>
+            </a:r>
+            <a:r>
+              <a:rPr lang="en-GB" noProof="0" dirty="0"/>
+              <a:t> remains consistently in the lower ranks, showing moderate stability.</a:t>
+            </a:r>
+          </a:p>
+          <a:p>
+            <a:r>
+              <a:rPr lang="en-GB" b="1" noProof="0" dirty="0"/>
+              <a:t>Carmon2019Unlabeled</a:t>
+            </a:r>
+            <a:r>
+              <a:rPr lang="en-GB" noProof="0" dirty="0"/>
+              <a:t> exhibits noticeable instability, with a larger rank variance and a two-position drop at higher ε.</a:t>
+            </a:r>
+          </a:p>
+        </p:txBody>
+      </p:sp>
+      <p:graphicFrame>
+        <p:nvGraphicFramePr>
+          <p:cNvPr id="3" name="Table 2">
+            <a:extLst>
+              <a:ext uri="{FF2B5EF4-FFF2-40B4-BE49-F238E27FC236}">
+                <a16:creationId xmlns:a16="http://schemas.microsoft.com/office/drawing/2014/main" id="{8E6CE1F0-E3A1-E9E4-B3AC-665DB98C057A}"/>
+              </a:ext>
+            </a:extLst>
+          </p:cNvPr>
+          <p:cNvGraphicFramePr>
+            <a:graphicFrameLocks noGrp="1"/>
+          </p:cNvGraphicFramePr>
+          <p:nvPr>
+            <p:extLst>
+              <p:ext uri="{D42A27DB-BD31-4B8C-83A1-F6EECF244321}">
+                <p14:modId xmlns:p14="http://schemas.microsoft.com/office/powerpoint/2010/main" val="2364793830"/>
+              </p:ext>
+            </p:extLst>
+          </p:nvPr>
+        </p:nvGraphicFramePr>
+        <p:xfrm>
+          <a:off x="4872659" y="4227513"/>
+          <a:ext cx="6970143" cy="1828800"/>
+        </p:xfrm>
+        <a:graphic>
+          <a:graphicData uri="http://schemas.openxmlformats.org/drawingml/2006/table">
+            <a:tbl>
+              <a:tblPr firstRow="1" bandRow="1">
+                <a:tableStyleId>{00A15C55-8517-42AA-B614-E9B94910E393}</a:tableStyleId>
+              </a:tblPr>
+              <a:tblGrid>
+                <a:gridCol w="2316163">
+                  <a:extLst>
+                    <a:ext uri="{9D8B030D-6E8A-4147-A177-3AD203B41FA5}">
+                      <a16:colId xmlns:a16="http://schemas.microsoft.com/office/drawing/2014/main" val="20000"/>
+                    </a:ext>
+                  </a:extLst>
+                </a:gridCol>
+                <a:gridCol w="858016">
+                  <a:extLst>
+                    <a:ext uri="{9D8B030D-6E8A-4147-A177-3AD203B41FA5}">
+                      <a16:colId xmlns:a16="http://schemas.microsoft.com/office/drawing/2014/main" val="648132555"/>
+                    </a:ext>
+                  </a:extLst>
+                </a:gridCol>
+                <a:gridCol w="647953">
+                  <a:extLst>
+                    <a:ext uri="{9D8B030D-6E8A-4147-A177-3AD203B41FA5}">
+                      <a16:colId xmlns:a16="http://schemas.microsoft.com/office/drawing/2014/main" val="1739031649"/>
+                    </a:ext>
+                  </a:extLst>
+                </a:gridCol>
+                <a:gridCol w="597217">
+                  <a:extLst>
+                    <a:ext uri="{9D8B030D-6E8A-4147-A177-3AD203B41FA5}">
+                      <a16:colId xmlns:a16="http://schemas.microsoft.com/office/drawing/2014/main" val="20001"/>
+                    </a:ext>
+                  </a:extLst>
+                </a:gridCol>
+                <a:gridCol w="597217">
+                  <a:extLst>
+                    <a:ext uri="{9D8B030D-6E8A-4147-A177-3AD203B41FA5}">
+                      <a16:colId xmlns:a16="http://schemas.microsoft.com/office/drawing/2014/main" val="20002"/>
+                    </a:ext>
+                  </a:extLst>
+                </a:gridCol>
+                <a:gridCol w="597217">
+                  <a:extLst>
+                    <a:ext uri="{9D8B030D-6E8A-4147-A177-3AD203B41FA5}">
+                      <a16:colId xmlns:a16="http://schemas.microsoft.com/office/drawing/2014/main" val="20003"/>
+                    </a:ext>
+                  </a:extLst>
+                </a:gridCol>
+                <a:gridCol w="678180">
+                  <a:extLst>
+                    <a:ext uri="{9D8B030D-6E8A-4147-A177-3AD203B41FA5}">
+                      <a16:colId xmlns:a16="http://schemas.microsoft.com/office/drawing/2014/main" val="20004"/>
+                    </a:ext>
+                  </a:extLst>
+                </a:gridCol>
+                <a:gridCol w="678180">
+                  <a:extLst>
+                    <a:ext uri="{9D8B030D-6E8A-4147-A177-3AD203B41FA5}">
+                      <a16:colId xmlns:a16="http://schemas.microsoft.com/office/drawing/2014/main" val="20005"/>
+                    </a:ext>
+                  </a:extLst>
+                </a:gridCol>
+              </a:tblGrid>
+              <a:tr h="191755">
+                <a:tc>
+                  <a:txBody>
+                    <a:bodyPr/>
+                    <a:lstStyle/>
+                    <a:p>
+                      <a:pPr marL="0" algn="ctr" defTabSz="914400" rtl="0" eaLnBrk="1" latinLnBrk="0" hangingPunct="1">
+                        <a:defRPr sz="1100"/>
+                      </a:pPr>
+                      <a:r>
+                        <a:rPr lang="en-GB" sz="1200" b="1" kern="1200" noProof="0" dirty="0">
+                          <a:solidFill>
+                            <a:schemeClr val="lt1"/>
+                          </a:solidFill>
+                        </a:rPr>
+                        <a:t>Model ID</a:t>
+                      </a:r>
+                      <a:endParaRPr lang="en-GB" sz="1200" b="1" kern="1200" noProof="0" dirty="0">
+                        <a:solidFill>
+                          <a:schemeClr val="lt1"/>
+                        </a:solidFill>
+                        <a:latin typeface="+mn-lt"/>
+                        <a:ea typeface="+mn-ea"/>
+                        <a:cs typeface="+mn-cs"/>
+                      </a:endParaRPr>
+                    </a:p>
+                  </a:txBody>
+                  <a:tcPr anchor="ctr"/>
+                </a:tc>
+                <a:tc>
+                  <a:txBody>
+                    <a:bodyPr/>
+                    <a:lstStyle/>
+                    <a:p>
+                      <a:pPr algn="ctr"/>
+                      <a:r>
+                        <a:rPr lang="en-GB" sz="1200" noProof="0" dirty="0"/>
+                        <a:t>Clean accuracy</a:t>
+                      </a:r>
+                    </a:p>
+                  </a:txBody>
+                  <a:tcPr anchor="ctr"/>
+                </a:tc>
+                <a:tc>
+                  <a:txBody>
+                    <a:bodyPr/>
+                    <a:lstStyle/>
+                    <a:p>
+                      <a:pPr algn="ctr"/>
+                      <a:r>
+                        <a:rPr lang="en-GB" sz="1200" noProof="0" dirty="0"/>
+                        <a:t>Clean rank</a:t>
+                      </a:r>
+                    </a:p>
+                  </a:txBody>
+                  <a:tcPr anchor="ctr"/>
+                </a:tc>
+                <a:tc>
+                  <a:txBody>
+                    <a:bodyPr/>
+                    <a:lstStyle/>
+                    <a:p>
+                      <a:pPr marL="0" algn="ctr" defTabSz="914400" rtl="0" eaLnBrk="1" latinLnBrk="0" hangingPunct="1">
+                        <a:defRPr sz="1100"/>
+                      </a:pPr>
+                      <a:r>
+                        <a:rPr lang="en-GB" sz="1200" b="1" kern="1200" noProof="0" dirty="0">
+                          <a:solidFill>
+                            <a:schemeClr val="lt1"/>
+                          </a:solidFill>
+                        </a:rPr>
+                        <a:t>1/255</a:t>
+                      </a:r>
+                      <a:endParaRPr lang="en-GB" sz="1200" b="1" kern="1200" noProof="0" dirty="0">
+                        <a:solidFill>
+                          <a:schemeClr val="lt1"/>
+                        </a:solidFill>
+                        <a:latin typeface="+mn-lt"/>
+                        <a:ea typeface="+mn-ea"/>
+                        <a:cs typeface="+mn-cs"/>
+                      </a:endParaRPr>
+                    </a:p>
+                  </a:txBody>
+                  <a:tcPr anchor="ctr"/>
+                </a:tc>
+                <a:tc>
+                  <a:txBody>
+                    <a:bodyPr/>
+                    <a:lstStyle/>
+                    <a:p>
+                      <a:pPr marL="0" algn="ctr" defTabSz="914400" rtl="0" eaLnBrk="1" latinLnBrk="0" hangingPunct="1">
+                        <a:defRPr sz="1100"/>
+                      </a:pPr>
+                      <a:r>
+                        <a:rPr lang="en-GB" sz="1200" b="1" kern="1200" noProof="0" dirty="0">
+                          <a:solidFill>
+                            <a:schemeClr val="lt1"/>
+                          </a:solidFill>
+                        </a:rPr>
+                        <a:t>4/255</a:t>
+                      </a:r>
+                      <a:endParaRPr lang="en-GB" sz="1200" b="1" kern="1200" noProof="0" dirty="0">
+                        <a:solidFill>
+                          <a:schemeClr val="lt1"/>
+                        </a:solidFill>
+                        <a:latin typeface="+mn-lt"/>
+                        <a:ea typeface="+mn-ea"/>
+                        <a:cs typeface="+mn-cs"/>
+                      </a:endParaRPr>
+                    </a:p>
+                  </a:txBody>
+                  <a:tcPr anchor="ctr"/>
+                </a:tc>
+                <a:tc>
+                  <a:txBody>
+                    <a:bodyPr/>
+                    <a:lstStyle/>
+                    <a:p>
+                      <a:pPr marL="0" algn="ctr" defTabSz="914400" rtl="0" eaLnBrk="1" latinLnBrk="0" hangingPunct="1">
+                        <a:defRPr sz="1100"/>
+                      </a:pPr>
+                      <a:r>
+                        <a:rPr lang="en-GB" sz="1200" b="1" kern="1200" noProof="0" dirty="0">
+                          <a:solidFill>
+                            <a:schemeClr val="lt1"/>
+                          </a:solidFill>
+                        </a:rPr>
+                        <a:t>8/255</a:t>
+                      </a:r>
+                      <a:endParaRPr lang="en-GB" sz="1200" b="1" kern="1200" noProof="0" dirty="0">
+                        <a:solidFill>
+                          <a:schemeClr val="lt1"/>
+                        </a:solidFill>
+                        <a:latin typeface="+mn-lt"/>
+                        <a:ea typeface="+mn-ea"/>
+                        <a:cs typeface="+mn-cs"/>
+                      </a:endParaRPr>
+                    </a:p>
+                  </a:txBody>
+                  <a:tcPr anchor="ctr"/>
+                </a:tc>
+                <a:tc>
+                  <a:txBody>
+                    <a:bodyPr/>
+                    <a:lstStyle/>
+                    <a:p>
+                      <a:pPr marL="0" algn="ctr" defTabSz="914400" rtl="0" eaLnBrk="1" latinLnBrk="0" hangingPunct="1">
+                        <a:defRPr sz="1100"/>
+                      </a:pPr>
+                      <a:r>
+                        <a:rPr lang="en-GB" sz="1200" b="1" kern="1200" noProof="0" dirty="0">
+                          <a:solidFill>
+                            <a:schemeClr val="lt1"/>
+                          </a:solidFill>
+                        </a:rPr>
+                        <a:t>12/255</a:t>
+                      </a:r>
+                      <a:endParaRPr lang="en-GB" sz="1200" b="1" kern="1200" noProof="0" dirty="0">
+                        <a:solidFill>
+                          <a:schemeClr val="lt1"/>
+                        </a:solidFill>
+                        <a:latin typeface="+mn-lt"/>
+                        <a:ea typeface="+mn-ea"/>
+                        <a:cs typeface="+mn-cs"/>
+                      </a:endParaRPr>
+                    </a:p>
+                  </a:txBody>
+                  <a:tcPr anchor="ctr"/>
+                </a:tc>
+                <a:tc>
+                  <a:txBody>
+                    <a:bodyPr/>
+                    <a:lstStyle/>
+                    <a:p>
+                      <a:pPr marL="0" algn="ctr" defTabSz="914400" rtl="0" eaLnBrk="1" latinLnBrk="0" hangingPunct="1">
+                        <a:defRPr sz="1100"/>
+                      </a:pPr>
+                      <a:r>
+                        <a:rPr lang="en-GB" sz="1200" b="1" kern="1200" noProof="0" dirty="0">
+                          <a:solidFill>
+                            <a:schemeClr val="lt1"/>
+                          </a:solidFill>
+                        </a:rPr>
+                        <a:t>16/255</a:t>
+                      </a:r>
+                      <a:endParaRPr lang="en-GB" sz="1200" b="1" kern="1200" noProof="0" dirty="0">
+                        <a:solidFill>
+                          <a:schemeClr val="lt1"/>
+                        </a:solidFill>
+                        <a:latin typeface="+mn-lt"/>
+                        <a:ea typeface="+mn-ea"/>
+                        <a:cs typeface="+mn-cs"/>
+                      </a:endParaRPr>
+                    </a:p>
+                  </a:txBody>
+                  <a:tcPr anchor="ctr"/>
+                </a:tc>
+                <a:extLst>
+                  <a:ext uri="{0D108BD9-81ED-4DB2-BD59-A6C34878D82A}">
+                    <a16:rowId xmlns:a16="http://schemas.microsoft.com/office/drawing/2014/main" val="10000"/>
+                  </a:ext>
+                </a:extLst>
+              </a:tr>
+              <a:tr h="252000">
+                <a:tc>
+                  <a:txBody>
+                    <a:bodyPr/>
+                    <a:lstStyle/>
+                    <a:p>
+                      <a:pPr algn="ctr">
+                        <a:defRPr sz="1100"/>
+                      </a:pPr>
+                      <a:r>
+                        <a:rPr kumimoji="0" lang="en-GB" sz="1200" b="0" u="none" strike="noStrike" kern="1200" cap="none" spc="0" normalizeH="0" baseline="0" noProof="0" dirty="0">
+                          <a:ln>
+                            <a:noFill/>
+                          </a:ln>
+                          <a:solidFill>
+                            <a:prstClr val="black">
+                              <a:lumMod val="65000"/>
+                              <a:lumOff val="35000"/>
+                            </a:prstClr>
+                          </a:solidFill>
+                          <a:effectLst/>
+                          <a:uLnTx/>
+                          <a:uFillTx/>
+                        </a:rPr>
+                        <a:t>Carmon2019Unlabeled</a:t>
+                      </a:r>
+                      <a:endParaRPr kumimoji="0" lang="en-GB" sz="1200" b="0" i="0" u="none" strike="noStrike" kern="1200" cap="none" spc="0" normalizeH="0" baseline="0" noProof="0" dirty="0">
+                        <a:ln>
+                          <a:noFill/>
+                        </a:ln>
+                        <a:solidFill>
+                          <a:prstClr val="black">
+                            <a:lumMod val="65000"/>
+                            <a:lumOff val="35000"/>
+                          </a:prstClr>
+                        </a:solidFill>
+                        <a:effectLst/>
+                        <a:uLnTx/>
+                        <a:uFillTx/>
+                        <a:latin typeface="Aptos" panose="02110004020202020204"/>
+                        <a:ea typeface="+mn-ea"/>
+                        <a:cs typeface="+mn-cs"/>
+                      </a:endParaRPr>
+                    </a:p>
+                  </a:txBody>
+                  <a:tcPr anchor="ctr"/>
+                </a:tc>
+                <a:tc>
+                  <a:txBody>
+                    <a:bodyPr/>
+                    <a:lstStyle/>
+                    <a:p>
+                      <a:pPr algn="ctr"/>
+                      <a:r>
+                        <a:rPr lang="en-GB" sz="1200" noProof="0" dirty="0"/>
+                        <a:t>90.50%</a:t>
+                      </a:r>
+                    </a:p>
+                  </a:txBody>
+                  <a:tcPr anchor="ctr"/>
+                </a:tc>
+                <a:tc>
+                  <a:txBody>
+                    <a:bodyPr/>
+                    <a:lstStyle/>
+                    <a:p>
+                      <a:pPr algn="ctr"/>
+                      <a:r>
+                        <a:rPr lang="en-GB" sz="1200" noProof="0" dirty="0"/>
+                        <a:t>36 </a:t>
+                      </a:r>
+                      <a:r>
+                        <a:rPr lang="en-GB" sz="1200" noProof="0" dirty="0">
+                          <a:sym typeface="Wingdings" panose="05000000000000000000" pitchFamily="2" charset="2"/>
+                        </a:rPr>
+                        <a:t> 3</a:t>
+                      </a:r>
+                      <a:endParaRPr lang="en-GB" sz="1200" noProof="0" dirty="0"/>
+                    </a:p>
+                  </a:txBody>
+                  <a:tcPr anchor="ctr"/>
+                </a:tc>
+                <a:tc>
+                  <a:txBody>
+                    <a:bodyPr/>
+                    <a:lstStyle/>
+                    <a:p>
+                      <a:pPr algn="ctr">
+                        <a:defRPr sz="1100"/>
+                      </a:pPr>
+                      <a:r>
+                        <a:rPr lang="en-GB" sz="1200" kern="1200" noProof="0" dirty="0">
+                          <a:solidFill>
+                            <a:schemeClr val="dk1"/>
+                          </a:solidFill>
+                        </a:rPr>
+                        <a:t>3</a:t>
+                      </a:r>
+                      <a:endParaRPr lang="en-GB" sz="1200" kern="1200" noProof="0" dirty="0">
+                        <a:solidFill>
+                          <a:schemeClr val="dk1"/>
+                        </a:solidFill>
+                        <a:latin typeface="+mn-lt"/>
+                        <a:ea typeface="+mn-ea"/>
+                        <a:cs typeface="+mn-cs"/>
+                      </a:endParaRPr>
+                    </a:p>
+                  </a:txBody>
+                  <a:tcPr anchor="ctr"/>
+                </a:tc>
+                <a:tc>
+                  <a:txBody>
+                    <a:bodyPr/>
+                    <a:lstStyle/>
+                    <a:p>
+                      <a:pPr algn="ctr">
+                        <a:defRPr sz="1100"/>
+                      </a:pPr>
+                      <a:r>
+                        <a:rPr lang="en-GB" sz="1200" kern="1200" noProof="0" dirty="0">
+                          <a:solidFill>
+                            <a:schemeClr val="dk1"/>
+                          </a:solidFill>
+                        </a:rPr>
+                        <a:t>3</a:t>
+                      </a:r>
+                      <a:endParaRPr lang="en-GB" sz="1200" kern="1200" noProof="0" dirty="0">
+                        <a:solidFill>
+                          <a:schemeClr val="dk1"/>
+                        </a:solidFill>
+                        <a:latin typeface="+mn-lt"/>
+                        <a:ea typeface="+mn-ea"/>
+                        <a:cs typeface="+mn-cs"/>
+                      </a:endParaRPr>
+                    </a:p>
+                  </a:txBody>
+                  <a:tcPr anchor="ctr"/>
+                </a:tc>
+                <a:tc>
+                  <a:txBody>
+                    <a:bodyPr/>
+                    <a:lstStyle/>
+                    <a:p>
+                      <a:pPr algn="ctr">
+                        <a:defRPr sz="1100"/>
+                      </a:pPr>
+                      <a:r>
+                        <a:rPr lang="en-GB" sz="1200" kern="1200" noProof="0" dirty="0">
+                          <a:solidFill>
+                            <a:schemeClr val="dk1"/>
+                          </a:solidFill>
+                        </a:rPr>
+                        <a:t>3</a:t>
+                      </a:r>
+                      <a:endParaRPr lang="en-GB" sz="1200" kern="1200" noProof="0" dirty="0">
+                        <a:solidFill>
+                          <a:schemeClr val="dk1"/>
+                        </a:solidFill>
+                        <a:latin typeface="+mn-lt"/>
+                        <a:ea typeface="+mn-ea"/>
+                        <a:cs typeface="+mn-cs"/>
+                      </a:endParaRPr>
+                    </a:p>
+                  </a:txBody>
+                  <a:tcPr anchor="ctr">
+                    <a:solidFill>
+                      <a:schemeClr val="accent1">
+                        <a:lumMod val="40000"/>
+                        <a:lumOff val="60000"/>
+                      </a:schemeClr>
+                    </a:solidFill>
+                  </a:tcPr>
+                </a:tc>
+                <a:tc>
+                  <a:txBody>
+                    <a:bodyPr/>
+                    <a:lstStyle/>
+                    <a:p>
+                      <a:pPr algn="ctr">
+                        <a:defRPr sz="1100"/>
+                      </a:pPr>
+                      <a:r>
+                        <a:rPr lang="en-GB" sz="1200" kern="1200" noProof="0" dirty="0">
+                          <a:solidFill>
+                            <a:schemeClr val="dk1"/>
+                          </a:solidFill>
+                        </a:rPr>
+                        <a:t>5</a:t>
+                      </a:r>
+                      <a:endParaRPr lang="en-GB" sz="1200" kern="1200" noProof="0" dirty="0">
+                        <a:solidFill>
+                          <a:schemeClr val="dk1"/>
+                        </a:solidFill>
+                        <a:latin typeface="+mn-lt"/>
+                        <a:ea typeface="+mn-ea"/>
+                        <a:cs typeface="+mn-cs"/>
+                      </a:endParaRPr>
+                    </a:p>
+                  </a:txBody>
+                  <a:tcPr anchor="ctr"/>
+                </a:tc>
+                <a:tc>
+                  <a:txBody>
+                    <a:bodyPr/>
+                    <a:lstStyle/>
+                    <a:p>
+                      <a:pPr algn="ctr">
+                        <a:defRPr sz="1100"/>
+                      </a:pPr>
+                      <a:r>
+                        <a:rPr lang="en-GB" sz="1200" kern="1200" noProof="0" dirty="0">
+                          <a:solidFill>
+                            <a:schemeClr val="dk1"/>
+                          </a:solidFill>
+                        </a:rPr>
+                        <a:t>4</a:t>
+                      </a:r>
+                      <a:endParaRPr lang="en-GB" sz="1200" kern="1200" noProof="0" dirty="0">
+                        <a:solidFill>
+                          <a:schemeClr val="dk1"/>
+                        </a:solidFill>
+                        <a:latin typeface="+mn-lt"/>
+                        <a:ea typeface="+mn-ea"/>
+                        <a:cs typeface="+mn-cs"/>
+                      </a:endParaRPr>
+                    </a:p>
+                  </a:txBody>
+                  <a:tcPr anchor="ctr"/>
+                </a:tc>
+                <a:extLst>
+                  <a:ext uri="{0D108BD9-81ED-4DB2-BD59-A6C34878D82A}">
+                    <a16:rowId xmlns:a16="http://schemas.microsoft.com/office/drawing/2014/main" val="10001"/>
+                  </a:ext>
+                </a:extLst>
+              </a:tr>
+              <a:tr h="252000">
+                <a:tc>
+                  <a:txBody>
+                    <a:bodyPr/>
+                    <a:lstStyle/>
+                    <a:p>
+                      <a:pPr algn="ctr">
+                        <a:defRPr sz="1100"/>
+                      </a:pPr>
+                      <a:r>
+                        <a:rPr kumimoji="0" lang="en-GB" sz="1200" b="0" u="none" strike="noStrike" kern="1200" cap="none" spc="0" normalizeH="0" baseline="0" noProof="0" dirty="0">
+                          <a:ln>
+                            <a:noFill/>
+                          </a:ln>
+                          <a:solidFill>
+                            <a:prstClr val="black">
+                              <a:lumMod val="65000"/>
+                              <a:lumOff val="35000"/>
+                            </a:prstClr>
+                          </a:solidFill>
+                          <a:effectLst/>
+                          <a:uLnTx/>
+                          <a:uFillTx/>
+                        </a:rPr>
+                        <a:t>Cui2023Decoupled_WRN-28-10</a:t>
+                      </a:r>
+                      <a:endParaRPr kumimoji="0" lang="en-GB" sz="1200" b="0" i="0" u="none" strike="noStrike" kern="1200" cap="none" spc="0" normalizeH="0" baseline="0" noProof="0" dirty="0">
+                        <a:ln>
+                          <a:noFill/>
+                        </a:ln>
+                        <a:solidFill>
+                          <a:prstClr val="black">
+                            <a:lumMod val="65000"/>
+                            <a:lumOff val="35000"/>
+                          </a:prstClr>
+                        </a:solidFill>
+                        <a:effectLst/>
+                        <a:uLnTx/>
+                        <a:uFillTx/>
+                        <a:latin typeface="Aptos" panose="02110004020202020204"/>
+                        <a:ea typeface="+mn-ea"/>
+                        <a:cs typeface="+mn-cs"/>
+                      </a:endParaRPr>
+                    </a:p>
+                  </a:txBody>
+                  <a:tcPr anchor="ctr"/>
+                </a:tc>
+                <a:tc>
+                  <a:txBody>
+                    <a:bodyPr/>
+                    <a:lstStyle/>
+                    <a:p>
+                      <a:pPr algn="ctr"/>
+                      <a:r>
+                        <a:rPr lang="en-GB" sz="1200" noProof="0" dirty="0"/>
+                        <a:t>87.00%</a:t>
+                      </a:r>
+                    </a:p>
+                  </a:txBody>
+                  <a:tcPr anchor="ctr"/>
+                </a:tc>
+                <a:tc>
+                  <a:txBody>
+                    <a:bodyPr/>
+                    <a:lstStyle/>
+                    <a:p>
+                      <a:pPr algn="ctr"/>
+                      <a:r>
+                        <a:rPr lang="en-GB" sz="1200" noProof="0" dirty="0"/>
+                        <a:t>59 </a:t>
+                      </a:r>
+                      <a:r>
+                        <a:rPr lang="en-GB" sz="1200" noProof="0" dirty="0">
+                          <a:sym typeface="Wingdings" panose="05000000000000000000" pitchFamily="2" charset="2"/>
+                        </a:rPr>
+                        <a:t> 5</a:t>
+                      </a:r>
+                      <a:endParaRPr lang="en-GB" sz="1200" noProof="0" dirty="0"/>
+                    </a:p>
+                  </a:txBody>
+                  <a:tcPr anchor="ctr"/>
+                </a:tc>
+                <a:tc>
+                  <a:txBody>
+                    <a:bodyPr/>
+                    <a:lstStyle/>
+                    <a:p>
+                      <a:pPr algn="ctr">
+                        <a:defRPr sz="1100"/>
+                      </a:pPr>
+                      <a:r>
+                        <a:rPr lang="en-GB" sz="1200" kern="1200" noProof="0" dirty="0">
+                          <a:solidFill>
+                            <a:schemeClr val="dk1"/>
+                          </a:solidFill>
+                        </a:rPr>
+                        <a:t>1</a:t>
+                      </a:r>
+                      <a:endParaRPr lang="en-GB" sz="1200" kern="1200" noProof="0" dirty="0">
+                        <a:solidFill>
+                          <a:schemeClr val="dk1"/>
+                        </a:solidFill>
+                        <a:latin typeface="+mn-lt"/>
+                        <a:ea typeface="+mn-ea"/>
+                        <a:cs typeface="+mn-cs"/>
+                      </a:endParaRPr>
+                    </a:p>
+                  </a:txBody>
+                  <a:tcPr anchor="ctr"/>
+                </a:tc>
+                <a:tc>
+                  <a:txBody>
+                    <a:bodyPr/>
+                    <a:lstStyle/>
+                    <a:p>
+                      <a:pPr algn="ctr">
+                        <a:defRPr sz="1100"/>
+                      </a:pPr>
+                      <a:r>
+                        <a:rPr lang="en-GB" sz="1200" kern="1200" noProof="0" dirty="0">
+                          <a:solidFill>
+                            <a:schemeClr val="dk1"/>
+                          </a:solidFill>
+                        </a:rPr>
+                        <a:t>2</a:t>
+                      </a:r>
+                      <a:endParaRPr lang="en-GB" sz="1200" kern="1200" noProof="0" dirty="0">
+                        <a:solidFill>
+                          <a:schemeClr val="dk1"/>
+                        </a:solidFill>
+                        <a:latin typeface="+mn-lt"/>
+                        <a:ea typeface="+mn-ea"/>
+                        <a:cs typeface="+mn-cs"/>
+                      </a:endParaRPr>
+                    </a:p>
+                  </a:txBody>
+                  <a:tcPr anchor="ctr"/>
+                </a:tc>
+                <a:tc>
+                  <a:txBody>
+                    <a:bodyPr/>
+                    <a:lstStyle/>
+                    <a:p>
+                      <a:pPr algn="ctr">
+                        <a:defRPr sz="1100"/>
+                      </a:pPr>
+                      <a:r>
+                        <a:rPr lang="en-GB" sz="1200" kern="1200" noProof="0" dirty="0">
+                          <a:solidFill>
+                            <a:schemeClr val="dk1"/>
+                          </a:solidFill>
+                        </a:rPr>
+                        <a:t>2</a:t>
+                      </a:r>
+                      <a:endParaRPr lang="en-GB" sz="1200" kern="1200" noProof="0" dirty="0">
+                        <a:solidFill>
+                          <a:schemeClr val="dk1"/>
+                        </a:solidFill>
+                        <a:latin typeface="+mn-lt"/>
+                        <a:ea typeface="+mn-ea"/>
+                        <a:cs typeface="+mn-cs"/>
+                      </a:endParaRPr>
+                    </a:p>
+                  </a:txBody>
+                  <a:tcPr anchor="ctr">
+                    <a:solidFill>
+                      <a:schemeClr val="accent1">
+                        <a:lumMod val="40000"/>
+                        <a:lumOff val="60000"/>
+                      </a:schemeClr>
+                    </a:solidFill>
+                  </a:tcPr>
+                </a:tc>
+                <a:tc>
+                  <a:txBody>
+                    <a:bodyPr/>
+                    <a:lstStyle/>
+                    <a:p>
+                      <a:pPr algn="ctr">
+                        <a:defRPr sz="1100"/>
+                      </a:pPr>
+                      <a:r>
+                        <a:rPr lang="en-GB" sz="1200" kern="1200" noProof="0" dirty="0">
+                          <a:solidFill>
+                            <a:schemeClr val="dk1"/>
+                          </a:solidFill>
+                        </a:rPr>
+                        <a:t>2</a:t>
+                      </a:r>
+                      <a:endParaRPr lang="en-GB" sz="1200" kern="1200" noProof="0" dirty="0">
+                        <a:solidFill>
+                          <a:schemeClr val="dk1"/>
+                        </a:solidFill>
+                        <a:latin typeface="+mn-lt"/>
+                        <a:ea typeface="+mn-ea"/>
+                        <a:cs typeface="+mn-cs"/>
+                      </a:endParaRPr>
+                    </a:p>
+                  </a:txBody>
+                  <a:tcPr anchor="ctr"/>
+                </a:tc>
+                <a:tc>
+                  <a:txBody>
+                    <a:bodyPr/>
+                    <a:lstStyle/>
+                    <a:p>
+                      <a:pPr algn="ctr">
+                        <a:defRPr sz="1100"/>
+                      </a:pPr>
+                      <a:r>
+                        <a:rPr lang="en-GB" sz="1200" kern="1200" noProof="0" dirty="0">
+                          <a:solidFill>
+                            <a:schemeClr val="dk1"/>
+                          </a:solidFill>
+                        </a:rPr>
+                        <a:t>3</a:t>
+                      </a:r>
+                      <a:endParaRPr lang="en-GB" sz="1200" kern="1200" noProof="0" dirty="0">
+                        <a:solidFill>
+                          <a:schemeClr val="dk1"/>
+                        </a:solidFill>
+                        <a:latin typeface="+mn-lt"/>
+                        <a:ea typeface="+mn-ea"/>
+                        <a:cs typeface="+mn-cs"/>
+                      </a:endParaRPr>
+                    </a:p>
+                  </a:txBody>
+                  <a:tcPr anchor="ctr"/>
+                </a:tc>
+                <a:extLst>
+                  <a:ext uri="{0D108BD9-81ED-4DB2-BD59-A6C34878D82A}">
+                    <a16:rowId xmlns:a16="http://schemas.microsoft.com/office/drawing/2014/main" val="10002"/>
+                  </a:ext>
+                </a:extLst>
+              </a:tr>
+              <a:tr h="252000">
+                <a:tc>
+                  <a:txBody>
+                    <a:bodyPr/>
+                    <a:lstStyle/>
+                    <a:p>
+                      <a:pPr algn="ctr">
+                        <a:defRPr sz="1100"/>
+                      </a:pPr>
+                      <a:r>
+                        <a:rPr kumimoji="0" lang="en-GB" sz="1200" b="0" u="none" strike="noStrike" kern="1200" cap="none" spc="0" normalizeH="0" baseline="0" noProof="0" dirty="0">
+                          <a:ln>
+                            <a:noFill/>
+                          </a:ln>
+                          <a:solidFill>
+                            <a:prstClr val="black">
+                              <a:lumMod val="65000"/>
+                              <a:lumOff val="35000"/>
+                            </a:prstClr>
+                          </a:solidFill>
+                          <a:effectLst/>
+                          <a:uLnTx/>
+                          <a:uFillTx/>
+                        </a:rPr>
+                        <a:t>Rebuffi2021Fixing_R18_ddpm</a:t>
+                      </a:r>
+                      <a:endParaRPr kumimoji="0" lang="en-GB" sz="1200" b="0" i="0" u="none" strike="noStrike" kern="1200" cap="none" spc="0" normalizeH="0" baseline="0" noProof="0" dirty="0">
+                        <a:ln>
+                          <a:noFill/>
+                        </a:ln>
+                        <a:solidFill>
+                          <a:prstClr val="black">
+                            <a:lumMod val="65000"/>
+                            <a:lumOff val="35000"/>
+                          </a:prstClr>
+                        </a:solidFill>
+                        <a:effectLst/>
+                        <a:uLnTx/>
+                        <a:uFillTx/>
+                        <a:latin typeface="Aptos" panose="02110004020202020204"/>
+                        <a:ea typeface="+mn-ea"/>
+                        <a:cs typeface="+mn-cs"/>
+                      </a:endParaRPr>
+                    </a:p>
+                  </a:txBody>
+                  <a:tcPr anchor="ctr"/>
+                </a:tc>
+                <a:tc>
+                  <a:txBody>
+                    <a:bodyPr/>
+                    <a:lstStyle/>
+                    <a:p>
+                      <a:pPr algn="ctr"/>
+                      <a:r>
+                        <a:rPr lang="en-GB" sz="1200" noProof="0" dirty="0"/>
+                        <a:t>85.50%</a:t>
+                      </a:r>
+                    </a:p>
+                  </a:txBody>
+                  <a:tcPr anchor="ctr"/>
+                </a:tc>
+                <a:tc>
+                  <a:txBody>
+                    <a:bodyPr/>
+                    <a:lstStyle/>
+                    <a:p>
+                      <a:pPr algn="ctr"/>
+                      <a:r>
+                        <a:rPr lang="en-GB" sz="1200" noProof="0" dirty="0"/>
+                        <a:t>53 </a:t>
+                      </a:r>
+                      <a:r>
+                        <a:rPr lang="en-GB" sz="1200" noProof="0" dirty="0">
+                          <a:sym typeface="Wingdings" panose="05000000000000000000" pitchFamily="2" charset="2"/>
+                        </a:rPr>
+                        <a:t> 4</a:t>
+                      </a:r>
+                      <a:endParaRPr lang="en-GB" sz="1200" noProof="0" dirty="0"/>
+                    </a:p>
+                  </a:txBody>
+                  <a:tcPr anchor="ctr"/>
+                </a:tc>
+                <a:tc>
+                  <a:txBody>
+                    <a:bodyPr/>
+                    <a:lstStyle/>
+                    <a:p>
+                      <a:pPr algn="ctr">
+                        <a:defRPr sz="1100"/>
+                      </a:pPr>
+                      <a:r>
+                        <a:rPr lang="en-GB" sz="1200" kern="1200" noProof="0" dirty="0">
+                          <a:solidFill>
+                            <a:schemeClr val="dk1"/>
+                          </a:solidFill>
+                        </a:rPr>
+                        <a:t>5</a:t>
+                      </a:r>
+                      <a:endParaRPr lang="en-GB" sz="1200" kern="1200" noProof="0" dirty="0">
+                        <a:solidFill>
+                          <a:schemeClr val="dk1"/>
+                        </a:solidFill>
+                        <a:latin typeface="+mn-lt"/>
+                        <a:ea typeface="+mn-ea"/>
+                        <a:cs typeface="+mn-cs"/>
+                      </a:endParaRPr>
+                    </a:p>
+                  </a:txBody>
+                  <a:tcPr anchor="ctr"/>
+                </a:tc>
+                <a:tc>
+                  <a:txBody>
+                    <a:bodyPr/>
+                    <a:lstStyle/>
+                    <a:p>
+                      <a:pPr algn="ctr">
+                        <a:defRPr sz="1100"/>
+                      </a:pPr>
+                      <a:r>
+                        <a:rPr lang="en-GB" sz="1200" kern="1200" noProof="0" dirty="0">
+                          <a:solidFill>
+                            <a:schemeClr val="dk1"/>
+                          </a:solidFill>
+                        </a:rPr>
+                        <a:t>5</a:t>
+                      </a:r>
+                      <a:endParaRPr lang="en-GB" sz="1200" kern="1200" noProof="0" dirty="0">
+                        <a:solidFill>
+                          <a:schemeClr val="dk1"/>
+                        </a:solidFill>
+                        <a:latin typeface="+mn-lt"/>
+                        <a:ea typeface="+mn-ea"/>
+                        <a:cs typeface="+mn-cs"/>
+                      </a:endParaRPr>
+                    </a:p>
+                  </a:txBody>
+                  <a:tcPr anchor="ctr"/>
+                </a:tc>
+                <a:tc>
+                  <a:txBody>
+                    <a:bodyPr/>
+                    <a:lstStyle/>
+                    <a:p>
+                      <a:pPr algn="ctr">
+                        <a:defRPr sz="1100"/>
+                      </a:pPr>
+                      <a:r>
+                        <a:rPr lang="en-GB" sz="1200" kern="1200" noProof="0" dirty="0">
+                          <a:solidFill>
+                            <a:schemeClr val="dk1"/>
+                          </a:solidFill>
+                        </a:rPr>
+                        <a:t>4</a:t>
+                      </a:r>
+                      <a:endParaRPr lang="en-GB" sz="1200" kern="1200" noProof="0" dirty="0">
+                        <a:solidFill>
+                          <a:schemeClr val="dk1"/>
+                        </a:solidFill>
+                        <a:latin typeface="+mn-lt"/>
+                        <a:ea typeface="+mn-ea"/>
+                        <a:cs typeface="+mn-cs"/>
+                      </a:endParaRPr>
+                    </a:p>
+                  </a:txBody>
+                  <a:tcPr anchor="ctr">
+                    <a:solidFill>
+                      <a:schemeClr val="accent1">
+                        <a:lumMod val="40000"/>
+                        <a:lumOff val="60000"/>
+                      </a:schemeClr>
+                    </a:solidFill>
+                  </a:tcPr>
+                </a:tc>
+                <a:tc>
+                  <a:txBody>
+                    <a:bodyPr/>
+                    <a:lstStyle/>
+                    <a:p>
+                      <a:pPr algn="ctr">
+                        <a:defRPr sz="1100"/>
+                      </a:pPr>
+                      <a:r>
+                        <a:rPr lang="en-GB" sz="1200" kern="1200" noProof="0" dirty="0">
+                          <a:solidFill>
+                            <a:schemeClr val="dk1"/>
+                          </a:solidFill>
+                        </a:rPr>
+                        <a:t>3</a:t>
+                      </a:r>
+                      <a:endParaRPr lang="en-GB" sz="1200" kern="1200" noProof="0" dirty="0">
+                        <a:solidFill>
+                          <a:schemeClr val="dk1"/>
+                        </a:solidFill>
+                        <a:latin typeface="+mn-lt"/>
+                        <a:ea typeface="+mn-ea"/>
+                        <a:cs typeface="+mn-cs"/>
+                      </a:endParaRPr>
+                    </a:p>
+                  </a:txBody>
+                  <a:tcPr anchor="ctr"/>
+                </a:tc>
+                <a:tc>
+                  <a:txBody>
+                    <a:bodyPr/>
+                    <a:lstStyle/>
+                    <a:p>
+                      <a:pPr algn="ctr">
+                        <a:defRPr sz="1100"/>
+                      </a:pPr>
+                      <a:r>
+                        <a:rPr lang="en-GB" sz="1200" kern="1200" noProof="0" dirty="0">
+                          <a:solidFill>
+                            <a:schemeClr val="dk1"/>
+                          </a:solidFill>
+                        </a:rPr>
+                        <a:t>1</a:t>
+                      </a:r>
+                      <a:endParaRPr lang="en-GB" sz="1200" kern="1200" noProof="0" dirty="0">
+                        <a:solidFill>
+                          <a:schemeClr val="dk1"/>
+                        </a:solidFill>
+                        <a:latin typeface="+mn-lt"/>
+                        <a:ea typeface="+mn-ea"/>
+                        <a:cs typeface="+mn-cs"/>
+                      </a:endParaRPr>
+                    </a:p>
+                  </a:txBody>
+                  <a:tcPr anchor="ctr"/>
+                </a:tc>
+                <a:extLst>
+                  <a:ext uri="{0D108BD9-81ED-4DB2-BD59-A6C34878D82A}">
+                    <a16:rowId xmlns:a16="http://schemas.microsoft.com/office/drawing/2014/main" val="10003"/>
+                  </a:ext>
+                </a:extLst>
+              </a:tr>
+              <a:tr h="252000">
+                <a:tc>
+                  <a:txBody>
+                    <a:bodyPr/>
+                    <a:lstStyle/>
+                    <a:p>
+                      <a:pPr algn="ctr">
+                        <a:defRPr sz="1100"/>
+                      </a:pPr>
+                      <a:r>
+                        <a:rPr kumimoji="0" lang="en-GB" sz="1200" b="0" u="none" strike="noStrike" kern="1200" cap="none" spc="0" normalizeH="0" baseline="0" noProof="0" dirty="0">
+                          <a:ln>
+                            <a:noFill/>
+                          </a:ln>
+                          <a:solidFill>
+                            <a:prstClr val="black">
+                              <a:lumMod val="65000"/>
+                              <a:lumOff val="35000"/>
+                            </a:prstClr>
+                          </a:solidFill>
+                          <a:effectLst/>
+                          <a:uLnTx/>
+                          <a:uFillTx/>
+                        </a:rPr>
+                        <a:t>Sehwag2021Proxy_R18</a:t>
+                      </a:r>
+                      <a:endParaRPr kumimoji="0" lang="en-GB" sz="1200" b="0" i="0" u="none" strike="noStrike" kern="1200" cap="none" spc="0" normalizeH="0" baseline="0" noProof="0" dirty="0">
+                        <a:ln>
+                          <a:noFill/>
+                        </a:ln>
+                        <a:solidFill>
+                          <a:prstClr val="black">
+                            <a:lumMod val="65000"/>
+                            <a:lumOff val="35000"/>
+                          </a:prstClr>
+                        </a:solidFill>
+                        <a:effectLst/>
+                        <a:uLnTx/>
+                        <a:uFillTx/>
+                        <a:latin typeface="Aptos" panose="02110004020202020204"/>
+                        <a:ea typeface="+mn-ea"/>
+                        <a:cs typeface="+mn-cs"/>
+                      </a:endParaRPr>
+                    </a:p>
+                  </a:txBody>
+                  <a:tcPr anchor="ctr"/>
+                </a:tc>
+                <a:tc>
+                  <a:txBody>
+                    <a:bodyPr/>
+                    <a:lstStyle/>
+                    <a:p>
+                      <a:pPr algn="ctr"/>
+                      <a:r>
+                        <a:rPr lang="en-GB" sz="1200" noProof="0" dirty="0"/>
+                        <a:t>92.50%</a:t>
+                      </a:r>
+                    </a:p>
+                  </a:txBody>
+                  <a:tcPr anchor="ctr"/>
+                </a:tc>
+                <a:tc>
+                  <a:txBody>
+                    <a:bodyPr/>
+                    <a:lstStyle/>
+                    <a:p>
+                      <a:pPr algn="ctr"/>
+                      <a:r>
+                        <a:rPr lang="en-GB" sz="1200" noProof="0" dirty="0"/>
+                        <a:t>10 </a:t>
+                      </a:r>
+                      <a:r>
+                        <a:rPr lang="en-GB" sz="1200" noProof="0" dirty="0">
+                          <a:sym typeface="Wingdings" panose="05000000000000000000" pitchFamily="2" charset="2"/>
+                        </a:rPr>
+                        <a:t> 2</a:t>
+                      </a:r>
+                      <a:endParaRPr lang="en-GB" sz="1200" noProof="0" dirty="0"/>
+                    </a:p>
+                  </a:txBody>
+                  <a:tcPr anchor="ctr"/>
+                </a:tc>
+                <a:tc>
+                  <a:txBody>
+                    <a:bodyPr/>
+                    <a:lstStyle/>
+                    <a:p>
+                      <a:pPr algn="ctr">
+                        <a:defRPr sz="1100"/>
+                      </a:pPr>
+                      <a:r>
+                        <a:rPr lang="en-GB" sz="1200" kern="1200" noProof="0" dirty="0">
+                          <a:solidFill>
+                            <a:schemeClr val="dk1"/>
+                          </a:solidFill>
+                        </a:rPr>
+                        <a:t>4</a:t>
+                      </a:r>
+                      <a:endParaRPr lang="en-GB" sz="1200" kern="1200" noProof="0" dirty="0">
+                        <a:solidFill>
+                          <a:schemeClr val="dk1"/>
+                        </a:solidFill>
+                        <a:latin typeface="+mn-lt"/>
+                        <a:ea typeface="+mn-ea"/>
+                        <a:cs typeface="+mn-cs"/>
+                      </a:endParaRPr>
+                    </a:p>
+                  </a:txBody>
+                  <a:tcPr anchor="ctr"/>
+                </a:tc>
+                <a:tc>
+                  <a:txBody>
+                    <a:bodyPr/>
+                    <a:lstStyle/>
+                    <a:p>
+                      <a:pPr algn="ctr">
+                        <a:defRPr sz="1100"/>
+                      </a:pPr>
+                      <a:r>
+                        <a:rPr lang="en-GB" sz="1200" kern="1200" noProof="0" dirty="0">
+                          <a:solidFill>
+                            <a:schemeClr val="dk1"/>
+                          </a:solidFill>
+                        </a:rPr>
+                        <a:t>4</a:t>
+                      </a:r>
+                      <a:endParaRPr lang="en-GB" sz="1200" kern="1200" noProof="0" dirty="0">
+                        <a:solidFill>
+                          <a:schemeClr val="dk1"/>
+                        </a:solidFill>
+                        <a:latin typeface="+mn-lt"/>
+                        <a:ea typeface="+mn-ea"/>
+                        <a:cs typeface="+mn-cs"/>
+                      </a:endParaRPr>
+                    </a:p>
+                  </a:txBody>
+                  <a:tcPr anchor="ctr"/>
+                </a:tc>
+                <a:tc>
+                  <a:txBody>
+                    <a:bodyPr/>
+                    <a:lstStyle/>
+                    <a:p>
+                      <a:pPr algn="ctr">
+                        <a:defRPr sz="1100"/>
+                      </a:pPr>
+                      <a:r>
+                        <a:rPr lang="en-GB" sz="1200" kern="1200" noProof="0" dirty="0">
+                          <a:solidFill>
+                            <a:schemeClr val="dk1"/>
+                          </a:solidFill>
+                        </a:rPr>
+                        <a:t>5</a:t>
+                      </a:r>
+                      <a:endParaRPr lang="en-GB" sz="1200" kern="1200" noProof="0" dirty="0">
+                        <a:solidFill>
+                          <a:schemeClr val="dk1"/>
+                        </a:solidFill>
+                        <a:latin typeface="+mn-lt"/>
+                        <a:ea typeface="+mn-ea"/>
+                        <a:cs typeface="+mn-cs"/>
+                      </a:endParaRPr>
+                    </a:p>
+                  </a:txBody>
+                  <a:tcPr anchor="ctr">
+                    <a:solidFill>
+                      <a:schemeClr val="accent1">
+                        <a:lumMod val="40000"/>
+                        <a:lumOff val="60000"/>
+                      </a:schemeClr>
+                    </a:solidFill>
+                  </a:tcPr>
+                </a:tc>
+                <a:tc>
+                  <a:txBody>
+                    <a:bodyPr/>
+                    <a:lstStyle/>
+                    <a:p>
+                      <a:pPr algn="ctr">
+                        <a:defRPr sz="1100"/>
+                      </a:pPr>
+                      <a:r>
+                        <a:rPr lang="en-GB" sz="1200" kern="1200" noProof="0" dirty="0">
+                          <a:solidFill>
+                            <a:schemeClr val="dk1"/>
+                          </a:solidFill>
+                        </a:rPr>
+                        <a:t>4</a:t>
+                      </a:r>
+                      <a:endParaRPr lang="en-GB" sz="1200" kern="1200" noProof="0" dirty="0">
+                        <a:solidFill>
+                          <a:schemeClr val="dk1"/>
+                        </a:solidFill>
+                        <a:latin typeface="+mn-lt"/>
+                        <a:ea typeface="+mn-ea"/>
+                        <a:cs typeface="+mn-cs"/>
+                      </a:endParaRPr>
+                    </a:p>
+                  </a:txBody>
+                  <a:tcPr anchor="ctr"/>
+                </a:tc>
+                <a:tc>
+                  <a:txBody>
+                    <a:bodyPr/>
+                    <a:lstStyle/>
+                    <a:p>
+                      <a:pPr algn="ctr">
+                        <a:defRPr sz="1100"/>
+                      </a:pPr>
+                      <a:r>
+                        <a:rPr lang="en-GB" sz="1200" kern="1200" noProof="0" dirty="0">
+                          <a:solidFill>
+                            <a:schemeClr val="dk1"/>
+                          </a:solidFill>
+                        </a:rPr>
+                        <a:t>5</a:t>
+                      </a:r>
+                      <a:endParaRPr lang="en-GB" sz="1200" kern="1200" noProof="0" dirty="0">
+                        <a:solidFill>
+                          <a:schemeClr val="dk1"/>
+                        </a:solidFill>
+                        <a:latin typeface="+mn-lt"/>
+                        <a:ea typeface="+mn-ea"/>
+                        <a:cs typeface="+mn-cs"/>
+                      </a:endParaRPr>
+                    </a:p>
+                  </a:txBody>
+                  <a:tcPr anchor="ctr"/>
+                </a:tc>
+                <a:extLst>
+                  <a:ext uri="{0D108BD9-81ED-4DB2-BD59-A6C34878D82A}">
+                    <a16:rowId xmlns:a16="http://schemas.microsoft.com/office/drawing/2014/main" val="10004"/>
+                  </a:ext>
+                </a:extLst>
+              </a:tr>
+              <a:tr h="252000">
+                <a:tc>
+                  <a:txBody>
+                    <a:bodyPr/>
+                    <a:lstStyle/>
+                    <a:p>
+                      <a:pPr algn="ctr">
+                        <a:defRPr sz="1100"/>
+                      </a:pPr>
+                      <a:r>
+                        <a:rPr kumimoji="0" lang="en-GB" sz="1200" b="0" u="none" strike="noStrike" kern="1200" cap="none" spc="0" normalizeH="0" baseline="0" noProof="0" dirty="0">
+                          <a:ln>
+                            <a:noFill/>
+                          </a:ln>
+                          <a:solidFill>
+                            <a:prstClr val="black">
+                              <a:lumMod val="65000"/>
+                              <a:lumOff val="35000"/>
+                            </a:prstClr>
+                          </a:solidFill>
+                          <a:effectLst/>
+                          <a:uLnTx/>
+                          <a:uFillTx/>
+                        </a:rPr>
+                        <a:t>Wang2023Better_WRN-28-10</a:t>
+                      </a:r>
+                      <a:endParaRPr kumimoji="0" lang="en-GB" sz="1200" b="0" i="0" u="none" strike="noStrike" kern="1200" cap="none" spc="0" normalizeH="0" baseline="0" noProof="0" dirty="0">
+                        <a:ln>
+                          <a:noFill/>
+                        </a:ln>
+                        <a:solidFill>
+                          <a:prstClr val="black">
+                            <a:lumMod val="65000"/>
+                            <a:lumOff val="35000"/>
+                          </a:prstClr>
+                        </a:solidFill>
+                        <a:effectLst/>
+                        <a:uLnTx/>
+                        <a:uFillTx/>
+                        <a:latin typeface="Aptos" panose="02110004020202020204"/>
+                        <a:ea typeface="+mn-ea"/>
+                        <a:cs typeface="+mn-cs"/>
+                      </a:endParaRPr>
+                    </a:p>
+                  </a:txBody>
+                  <a:tcPr anchor="ctr"/>
+                </a:tc>
+                <a:tc>
+                  <a:txBody>
+                    <a:bodyPr/>
+                    <a:lstStyle/>
+                    <a:p>
+                      <a:pPr algn="ctr"/>
+                      <a:r>
+                        <a:rPr lang="en-GB" sz="1200" noProof="0" dirty="0"/>
+                        <a:t>93.50%</a:t>
+                      </a:r>
+                    </a:p>
+                  </a:txBody>
+                  <a:tcPr anchor="ctr"/>
+                </a:tc>
+                <a:tc>
+                  <a:txBody>
+                    <a:bodyPr/>
+                    <a:lstStyle/>
+                    <a:p>
+                      <a:pPr algn="ctr"/>
+                      <a:r>
+                        <a:rPr lang="en-GB" sz="1200" noProof="0" dirty="0"/>
+                        <a:t>9 </a:t>
+                      </a:r>
+                      <a:r>
+                        <a:rPr lang="en-GB" sz="1200" noProof="0" dirty="0">
+                          <a:sym typeface="Wingdings" panose="05000000000000000000" pitchFamily="2" charset="2"/>
+                        </a:rPr>
+                        <a:t> 1</a:t>
+                      </a:r>
+                      <a:endParaRPr lang="en-GB" sz="1200" noProof="0" dirty="0"/>
+                    </a:p>
+                  </a:txBody>
+                  <a:tcPr anchor="ctr"/>
+                </a:tc>
+                <a:tc>
+                  <a:txBody>
+                    <a:bodyPr/>
+                    <a:lstStyle/>
+                    <a:p>
+                      <a:pPr algn="ctr">
+                        <a:defRPr sz="1100"/>
+                      </a:pPr>
+                      <a:r>
+                        <a:rPr lang="en-GB" sz="1200" kern="1200" noProof="0" dirty="0">
+                          <a:solidFill>
+                            <a:schemeClr val="dk1"/>
+                          </a:solidFill>
+                        </a:rPr>
+                        <a:t>2</a:t>
+                      </a:r>
+                      <a:endParaRPr lang="en-GB" sz="1200" kern="1200" noProof="0" dirty="0">
+                        <a:solidFill>
+                          <a:schemeClr val="dk1"/>
+                        </a:solidFill>
+                        <a:latin typeface="+mn-lt"/>
+                        <a:ea typeface="+mn-ea"/>
+                        <a:cs typeface="+mn-cs"/>
+                      </a:endParaRPr>
+                    </a:p>
+                  </a:txBody>
+                  <a:tcPr anchor="ctr"/>
+                </a:tc>
+                <a:tc>
+                  <a:txBody>
+                    <a:bodyPr/>
+                    <a:lstStyle/>
+                    <a:p>
+                      <a:pPr algn="ctr">
+                        <a:defRPr sz="1100"/>
+                      </a:pPr>
+                      <a:r>
+                        <a:rPr lang="en-GB" sz="1200" kern="1200" noProof="0" dirty="0">
+                          <a:solidFill>
+                            <a:schemeClr val="dk1"/>
+                          </a:solidFill>
+                        </a:rPr>
+                        <a:t>1</a:t>
+                      </a:r>
+                      <a:endParaRPr lang="en-GB" sz="1200" kern="1200" noProof="0" dirty="0">
+                        <a:solidFill>
+                          <a:schemeClr val="dk1"/>
+                        </a:solidFill>
+                        <a:latin typeface="+mn-lt"/>
+                        <a:ea typeface="+mn-ea"/>
+                        <a:cs typeface="+mn-cs"/>
+                      </a:endParaRPr>
+                    </a:p>
+                  </a:txBody>
+                  <a:tcPr anchor="ctr"/>
+                </a:tc>
+                <a:tc>
+                  <a:txBody>
+                    <a:bodyPr/>
+                    <a:lstStyle/>
+                    <a:p>
+                      <a:pPr algn="ctr">
+                        <a:defRPr sz="1100"/>
+                      </a:pPr>
+                      <a:r>
+                        <a:rPr lang="en-GB" sz="1200" kern="1200" noProof="0" dirty="0">
+                          <a:solidFill>
+                            <a:schemeClr val="dk1"/>
+                          </a:solidFill>
+                        </a:rPr>
+                        <a:t>1</a:t>
+                      </a:r>
+                      <a:endParaRPr lang="en-GB" sz="1200" kern="1200" noProof="0" dirty="0">
+                        <a:solidFill>
+                          <a:schemeClr val="dk1"/>
+                        </a:solidFill>
+                        <a:latin typeface="+mn-lt"/>
+                        <a:ea typeface="+mn-ea"/>
+                        <a:cs typeface="+mn-cs"/>
+                      </a:endParaRPr>
+                    </a:p>
+                  </a:txBody>
+                  <a:tcPr anchor="ctr">
+                    <a:solidFill>
+                      <a:schemeClr val="accent1">
+                        <a:lumMod val="40000"/>
+                        <a:lumOff val="60000"/>
+                      </a:schemeClr>
+                    </a:solidFill>
+                  </a:tcPr>
+                </a:tc>
+                <a:tc>
+                  <a:txBody>
+                    <a:bodyPr/>
+                    <a:lstStyle/>
+                    <a:p>
+                      <a:pPr algn="ctr">
+                        <a:defRPr sz="1100"/>
+                      </a:pPr>
+                      <a:r>
+                        <a:rPr lang="en-GB" sz="1200" kern="1200" noProof="0" dirty="0">
+                          <a:solidFill>
+                            <a:schemeClr val="dk1"/>
+                          </a:solidFill>
+                        </a:rPr>
+                        <a:t>1</a:t>
+                      </a:r>
+                      <a:endParaRPr lang="en-GB" sz="1200" kern="1200" noProof="0" dirty="0">
+                        <a:solidFill>
+                          <a:schemeClr val="dk1"/>
+                        </a:solidFill>
+                        <a:latin typeface="+mn-lt"/>
+                        <a:ea typeface="+mn-ea"/>
+                        <a:cs typeface="+mn-cs"/>
+                      </a:endParaRPr>
+                    </a:p>
+                  </a:txBody>
+                  <a:tcPr anchor="ctr"/>
+                </a:tc>
+                <a:tc>
+                  <a:txBody>
+                    <a:bodyPr/>
+                    <a:lstStyle/>
+                    <a:p>
+                      <a:pPr algn="ctr">
+                        <a:defRPr sz="1100"/>
+                      </a:pPr>
+                      <a:r>
+                        <a:rPr lang="en-GB" sz="1200" kern="1200" noProof="0" dirty="0">
+                          <a:solidFill>
+                            <a:schemeClr val="dk1"/>
+                          </a:solidFill>
+                        </a:rPr>
+                        <a:t>2</a:t>
+                      </a:r>
+                      <a:endParaRPr lang="en-GB" sz="1200" kern="1200" noProof="0" dirty="0">
+                        <a:solidFill>
+                          <a:schemeClr val="dk1"/>
+                        </a:solidFill>
+                        <a:latin typeface="+mn-lt"/>
+                        <a:ea typeface="+mn-ea"/>
+                        <a:cs typeface="+mn-cs"/>
+                      </a:endParaRPr>
+                    </a:p>
+                  </a:txBody>
+                  <a:tcPr anchor="ctr"/>
+                </a:tc>
+                <a:extLst>
+                  <a:ext uri="{0D108BD9-81ED-4DB2-BD59-A6C34878D82A}">
+                    <a16:rowId xmlns:a16="http://schemas.microsoft.com/office/drawing/2014/main" val="10005"/>
+                  </a:ext>
+                </a:extLst>
+              </a:tr>
+            </a:tbl>
+          </a:graphicData>
+        </a:graphic>
+      </p:graphicFrame>
     </p:spTree>
     <p:extLst>
       <p:ext uri="{BB962C8B-B14F-4D97-AF65-F5344CB8AC3E}">
@@ -6307,7 +8584,7 @@
 </p:sld>
 </file>
 
-<file path=ppt/slides/slide11.xml><?xml version="1.0" encoding="utf-8"?>
+<file path=ppt/slides/slide12.xml><?xml version="1.0" encoding="utf-8"?>
 <p:sld xmlns:a="http://schemas.openxmlformats.org/drawingml/2006/main" xmlns:r="http://schemas.openxmlformats.org/officeDocument/2006/relationships" xmlns:p="http://schemas.openxmlformats.org/presentationml/2006/main">
   <p:cSld>
     <p:spTree>
@@ -6487,7 +8764,7 @@
             <a:fld id="{78E97BA1-C745-4510-B7AA-416690FFF5BB}" type="slidenum">
               <a:rPr lang="en-GB" noProof="0" smtClean="0"/>
               <a:pPr algn="ctr"/>
-              <a:t>11</a:t>
+              <a:t>12</a:t>
             </a:fld>
             <a:endParaRPr lang="en-GB" sz="1100" noProof="0" dirty="0">
               <a:solidFill>
@@ -6512,7 +8789,7 @@
 </p:sld>
 </file>
 
-<file path=ppt/slides/slide12.xml><?xml version="1.0" encoding="utf-8"?>
+<file path=ppt/slides/slide13.xml><?xml version="1.0" encoding="utf-8"?>
 <p:sld xmlns:a="http://schemas.openxmlformats.org/drawingml/2006/main" xmlns:r="http://schemas.openxmlformats.org/officeDocument/2006/relationships" xmlns:p="http://schemas.openxmlformats.org/presentationml/2006/main">
   <p:cSld>
     <p:spTree>
@@ -6886,7 +9163,7 @@
           <p:nvPr>
             <p:extLst>
               <p:ext uri="{D42A27DB-BD31-4B8C-83A1-F6EECF244321}">
-                <p14:modId xmlns:p14="http://schemas.microsoft.com/office/powerpoint/2010/main" val="1708289708"/>
+                <p14:modId xmlns:p14="http://schemas.microsoft.com/office/powerpoint/2010/main" val="1355821610"/>
               </p:ext>
             </p:extLst>
           </p:nvPr>
@@ -7600,6 +9877,41 @@
                 </a:schemeClr>
               </a:solidFill>
             </a:endParaRPr>
+          </a:p>
+        </p:txBody>
+      </p:sp>
+      <p:sp>
+        <p:nvSpPr>
+          <p:cNvPr id="3" name="TextBox 2">
+            <a:extLst>
+              <a:ext uri="{FF2B5EF4-FFF2-40B4-BE49-F238E27FC236}">
+                <a16:creationId xmlns:a16="http://schemas.microsoft.com/office/drawing/2014/main" id="{9E23E6D8-1B0D-7EA7-91C4-A2AB858C46E1}"/>
+              </a:ext>
+            </a:extLst>
+          </p:cNvPr>
+          <p:cNvSpPr txBox="1"/>
+          <p:nvPr/>
+        </p:nvSpPr>
+        <p:spPr>
+          <a:xfrm>
+            <a:off x="3460214" y="6178217"/>
+            <a:ext cx="5271571" cy="338554"/>
+          </a:xfrm>
+          <a:prstGeom prst="rect">
+            <a:avLst/>
+          </a:prstGeom>
+          <a:noFill/>
+        </p:spPr>
+        <p:txBody>
+          <a:bodyPr wrap="none" rtlCol="0">
+            <a:spAutoFit/>
+          </a:bodyPr>
+          <a:lstStyle/>
+          <a:p>
+            <a:r>
+              <a:rPr lang="en-GB" sz="1600" noProof="0" dirty="0"/>
+              <a:t>Compromise between lightness and architectural diversity</a:t>
+            </a:r>
           </a:p>
         </p:txBody>
       </p:sp>
@@ -7655,9 +9967,10 @@
           <a:lstStyle/>
           <a:p>
             <a:r>
-              <a:rPr lang="en-GB" noProof="0" dirty="0"/>
-              <a:t>Technical specifications</a:t>
-            </a:r>
+              <a:rPr lang="en-GB" dirty="0"/>
+              <a:t>Parameters</a:t>
+            </a:r>
+            <a:endParaRPr lang="en-GB" noProof="0" dirty="0"/>
           </a:p>
         </p:txBody>
       </p:sp>
@@ -7679,12 +9992,14 @@
         </p:nvSpPr>
         <p:spPr/>
         <p:txBody>
-          <a:bodyPr/>
+          <a:bodyPr>
+            <a:normAutofit/>
+          </a:bodyPr>
           <a:lstStyle/>
           <a:p>
             <a:r>
-              <a:rPr lang="en-GB" noProof="0" dirty="0"/>
-              <a:t>Parameters</a:t>
+              <a:rPr lang="en-GB" dirty="0"/>
+              <a:t>Technical specifications</a:t>
             </a:r>
           </a:p>
         </p:txBody>
@@ -7718,32 +10033,64 @@
           <a:lstStyle/>
           <a:p>
             <a:r>
-              <a:rPr lang="en-GB" b="1" noProof="0" dirty="0"/>
-              <a:t>Test subset size</a:t>
-            </a:r>
-            <a:r>
-              <a:rPr lang="en-GB" noProof="0" dirty="0"/>
-              <a:t>: 200</a:t>
-            </a:r>
-          </a:p>
-          <a:p>
-            <a:r>
-              <a:rPr lang="en-GB" b="1" noProof="0" dirty="0"/>
-              <a:t>Epsilon values</a:t>
-            </a:r>
-            <a:r>
-              <a:rPr lang="en-GB" noProof="0" dirty="0"/>
-              <a:t>: 1/255, 4/255, 8/255, 12/255, 16/255</a:t>
-            </a:r>
-          </a:p>
-          <a:p>
-            <a:r>
-              <a:rPr lang="en-GB" b="1" noProof="0" dirty="0"/>
-              <a:t>Batch size</a:t>
-            </a:r>
-            <a:r>
-              <a:rPr lang="en-GB" noProof="0" dirty="0"/>
-              <a:t>: 16</a:t>
+              <a:rPr lang="en-GB" b="1" dirty="0"/>
+              <a:t>CPU</a:t>
+            </a:r>
+            <a:r>
+              <a:rPr lang="en-GB" dirty="0"/>
+              <a:t>: 13th Gen Intel i9-13900HX</a:t>
+            </a:r>
+          </a:p>
+          <a:p>
+            <a:r>
+              <a:rPr lang="en-GB" b="1" dirty="0"/>
+              <a:t>GPU</a:t>
+            </a:r>
+            <a:r>
+              <a:rPr lang="en-GB" dirty="0"/>
+              <a:t>: NVIDIA GeForce RTX 4070 Laptop GPU</a:t>
+            </a:r>
+          </a:p>
+          <a:p>
+            <a:r>
+              <a:rPr lang="en-GB" b="1" dirty="0"/>
+              <a:t>Python 3.12.12</a:t>
+            </a:r>
+          </a:p>
+          <a:p>
+            <a:r>
+              <a:rPr lang="en-GB" b="1" dirty="0" err="1"/>
+              <a:t>PyTorch</a:t>
+            </a:r>
+            <a:r>
+              <a:rPr lang="en-GB" b="1" dirty="0"/>
+              <a:t> 2.5.1 + </a:t>
+            </a:r>
+            <a:r>
+              <a:rPr lang="en-GB" b="1" dirty="0" err="1"/>
+              <a:t>PyTorch</a:t>
+            </a:r>
+            <a:r>
+              <a:rPr lang="en-GB" b="1" dirty="0"/>
+              <a:t> CUDA</a:t>
+            </a:r>
+          </a:p>
+          <a:p>
+            <a:r>
+              <a:rPr lang="en-GB" b="1" dirty="0"/>
+              <a:t>Anaconda</a:t>
+            </a:r>
+            <a:r>
+              <a:rPr lang="en-GB" dirty="0"/>
+              <a:t> for virtual environment + </a:t>
+            </a:r>
+            <a:r>
+              <a:rPr lang="en-GB" b="1" dirty="0" err="1"/>
+              <a:t>Jupyter</a:t>
+            </a:r>
+            <a:r>
+              <a:rPr lang="en-GB" b="1" dirty="0"/>
+              <a:t> Notebook</a:t>
             </a:r>
           </a:p>
           <a:p>
@@ -7769,69 +10116,42 @@
         </p:nvSpPr>
         <p:spPr/>
         <p:txBody>
-          <a:bodyPr/>
+          <a:bodyPr>
+            <a:normAutofit/>
+          </a:bodyPr>
           <a:lstStyle/>
           <a:p>
             <a:r>
-              <a:rPr lang="en-GB" b="1" noProof="0" dirty="0"/>
-              <a:t>CPU</a:t>
-            </a:r>
-            <a:r>
-              <a:rPr lang="en-GB" noProof="0" dirty="0"/>
-              <a:t>: 13th Gen Intel i9-13900HX</a:t>
-            </a:r>
-          </a:p>
-          <a:p>
-            <a:r>
-              <a:rPr lang="en-GB" b="1" noProof="0" dirty="0"/>
-              <a:t>GPU</a:t>
-            </a:r>
-            <a:r>
-              <a:rPr lang="en-GB" noProof="0" dirty="0"/>
-              <a:t>: NVIDIA GeForce RTX 4070 Laptop GPU</a:t>
-            </a:r>
-          </a:p>
-          <a:p>
-            <a:r>
-              <a:rPr lang="en-GB" b="1" noProof="0" dirty="0"/>
-              <a:t>Python 3.12.12</a:t>
-            </a:r>
-          </a:p>
-          <a:p>
-            <a:r>
-              <a:rPr lang="en-GB" b="1" noProof="0" dirty="0" err="1"/>
-              <a:t>PyTorch</a:t>
-            </a:r>
-            <a:r>
-              <a:rPr lang="en-GB" b="1" noProof="0" dirty="0"/>
-              <a:t> 2.5.1 + </a:t>
-            </a:r>
-            <a:r>
-              <a:rPr lang="en-GB" b="1" noProof="0" dirty="0" err="1"/>
-              <a:t>PyTorch</a:t>
-            </a:r>
-            <a:r>
-              <a:rPr lang="en-GB" b="1" noProof="0" dirty="0"/>
-              <a:t> CUDA</a:t>
-            </a:r>
-          </a:p>
-          <a:p>
-            <a:r>
-              <a:rPr lang="en-GB" b="1" noProof="0" dirty="0"/>
-              <a:t>Anaconda</a:t>
-            </a:r>
-            <a:r>
-              <a:rPr lang="en-GB" noProof="0" dirty="0"/>
-              <a:t> for virtual environment + </a:t>
-            </a:r>
-            <a:r>
-              <a:rPr lang="en-GB" b="1" noProof="0" dirty="0" err="1"/>
-              <a:t>Jupyter</a:t>
-            </a:r>
-            <a:r>
-              <a:rPr lang="en-GB" b="1" noProof="0" dirty="0"/>
-              <a:t> Notebook</a:t>
-            </a:r>
+              <a:rPr lang="en-GB" b="1" dirty="0"/>
+              <a:t>Test subset size</a:t>
+            </a:r>
+            <a:r>
+              <a:rPr lang="en-GB" dirty="0"/>
+              <a:t>: 200</a:t>
+            </a:r>
+          </a:p>
+          <a:p>
+            <a:r>
+              <a:rPr lang="en-GB" b="1" dirty="0"/>
+              <a:t>Epsilon values</a:t>
+            </a:r>
+            <a:r>
+              <a:rPr lang="en-GB" dirty="0"/>
+              <a:t>: 1/255, 4/255, 8/255, 12/255, 16/255</a:t>
+            </a:r>
+          </a:p>
+          <a:p>
+            <a:r>
+              <a:rPr lang="en-GB" b="1" dirty="0"/>
+              <a:t>Batch size</a:t>
+            </a:r>
+            <a:r>
+              <a:rPr lang="en-GB" dirty="0"/>
+              <a:t>: 16</a:t>
+            </a:r>
+          </a:p>
+          <a:p>
+            <a:endParaRPr lang="en-GB" b="1" noProof="0" dirty="0"/>
           </a:p>
         </p:txBody>
       </p:sp>
@@ -7877,7 +10197,7 @@
         </p:nvSpPr>
         <p:spPr>
           <a:xfrm>
-            <a:off x="7154883" y="4230996"/>
+            <a:off x="1255540" y="4341646"/>
             <a:ext cx="3924795" cy="1813640"/>
           </a:xfrm>
           <a:prstGeom prst="roundRect">
@@ -8055,6 +10375,224 @@
 </file>
 
 <file path=ppt/slides/slide5.xml><?xml version="1.0" encoding="utf-8"?>
+<p:sld xmlns:a="http://schemas.openxmlformats.org/drawingml/2006/main" xmlns:r="http://schemas.openxmlformats.org/officeDocument/2006/relationships" xmlns:p="http://schemas.openxmlformats.org/presentationml/2006/main">
+  <p:cSld>
+    <p:spTree>
+      <p:nvGrpSpPr>
+        <p:cNvPr id="1" name=""/>
+        <p:cNvGrpSpPr/>
+        <p:nvPr/>
+      </p:nvGrpSpPr>
+      <p:grpSpPr>
+        <a:xfrm>
+          <a:off x="0" y="0"/>
+          <a:ext cx="0" cy="0"/>
+          <a:chOff x="0" y="0"/>
+          <a:chExt cx="0" cy="0"/>
+        </a:xfrm>
+      </p:grpSpPr>
+      <p:sp>
+        <p:nvSpPr>
+          <p:cNvPr id="7" name="Slide Number Placeholder 6">
+            <a:extLst>
+              <a:ext uri="{FF2B5EF4-FFF2-40B4-BE49-F238E27FC236}">
+                <a16:creationId xmlns:a16="http://schemas.microsoft.com/office/drawing/2014/main" id="{1DBDED23-08B8-2ADA-FE0B-308E43579CDF}"/>
+              </a:ext>
+            </a:extLst>
+          </p:cNvPr>
+          <p:cNvSpPr>
+            <a:spLocks noGrp="1"/>
+          </p:cNvSpPr>
+          <p:nvPr>
+            <p:ph type="sldNum" sz="quarter" idx="12"/>
+          </p:nvPr>
+        </p:nvSpPr>
+        <p:spPr/>
+        <p:txBody>
+          <a:bodyPr/>
+          <a:lstStyle/>
+          <a:p>
+            <a:pPr algn="ctr"/>
+            <a:fld id="{78E97BA1-C745-4510-B7AA-416690FFF5BB}" type="slidenum">
+              <a:rPr lang="en-GB" smtClean="0"/>
+              <a:pPr algn="ctr"/>
+              <a:t>5</a:t>
+            </a:fld>
+            <a:endParaRPr lang="it-IT" sz="1100" dirty="0">
+              <a:solidFill>
+                <a:schemeClr val="tx1">
+                  <a:tint val="82000"/>
+                </a:schemeClr>
+              </a:solidFill>
+            </a:endParaRPr>
+          </a:p>
+        </p:txBody>
+      </p:sp>
+      <p:pic>
+        <p:nvPicPr>
+          <p:cNvPr id="11" name="Content Placeholder 10">
+            <a:extLst>
+              <a:ext uri="{FF2B5EF4-FFF2-40B4-BE49-F238E27FC236}">
+                <a16:creationId xmlns:a16="http://schemas.microsoft.com/office/drawing/2014/main" id="{4A6E6233-C015-3DB5-91E1-1186E2E42749}"/>
+              </a:ext>
+            </a:extLst>
+          </p:cNvPr>
+          <p:cNvPicPr>
+            <a:picLocks noGrp="1" noChangeAspect="1"/>
+          </p:cNvPicPr>
+          <p:nvPr>
+            <p:ph idx="4294967295"/>
+          </p:nvPr>
+        </p:nvPicPr>
+        <p:blipFill>
+          <a:blip r:embed="rId2">
+            <a:extLst>
+              <a:ext uri="{28A0092B-C50C-407E-A947-70E740481C1C}">
+                <a14:useLocalDpi xmlns:a14="http://schemas.microsoft.com/office/drawing/2010/main" val="0"/>
+              </a:ext>
+            </a:extLst>
+          </a:blip>
+          <a:srcRect/>
+          <a:stretch/>
+        </p:blipFill>
+        <p:spPr>
+          <a:xfrm>
+            <a:off x="1741486" y="1923912"/>
+            <a:ext cx="8709025" cy="2247900"/>
+          </a:xfrm>
+          <a:prstGeom prst="rect">
+            <a:avLst/>
+          </a:prstGeom>
+        </p:spPr>
+      </p:pic>
+      <p:sp>
+        <p:nvSpPr>
+          <p:cNvPr id="15" name="TextBox 14">
+            <a:extLst>
+              <a:ext uri="{FF2B5EF4-FFF2-40B4-BE49-F238E27FC236}">
+                <a16:creationId xmlns:a16="http://schemas.microsoft.com/office/drawing/2014/main" id="{6B5B8320-D705-6CF9-247B-1161DB6890B2}"/>
+              </a:ext>
+            </a:extLst>
+          </p:cNvPr>
+          <p:cNvSpPr txBox="1"/>
+          <p:nvPr/>
+        </p:nvSpPr>
+        <p:spPr>
+          <a:xfrm>
+            <a:off x="3047998" y="4647764"/>
+            <a:ext cx="6096000" cy="646331"/>
+          </a:xfrm>
+          <a:prstGeom prst="rect">
+            <a:avLst/>
+          </a:prstGeom>
+          <a:noFill/>
+        </p:spPr>
+        <p:txBody>
+          <a:bodyPr wrap="square">
+            <a:spAutoFit/>
+          </a:bodyPr>
+          <a:lstStyle/>
+          <a:p>
+            <a:pPr algn="ctr"/>
+            <a:r>
+              <a:rPr lang="en-GB" dirty="0">
+                <a:solidFill>
+                  <a:schemeClr val="tx1">
+                    <a:lumMod val="65000"/>
+                    <a:lumOff val="35000"/>
+                  </a:schemeClr>
+                </a:solidFill>
+              </a:rPr>
+              <a:t>The </a:t>
+            </a:r>
+            <a:r>
+              <a:rPr lang="en-GB" dirty="0" err="1">
+                <a:solidFill>
+                  <a:schemeClr val="tx1">
+                    <a:lumMod val="65000"/>
+                    <a:lumOff val="35000"/>
+                  </a:schemeClr>
+                </a:solidFill>
+              </a:rPr>
+              <a:t>AutoAttack</a:t>
+            </a:r>
+            <a:r>
+              <a:rPr lang="en-GB" dirty="0">
+                <a:solidFill>
+                  <a:schemeClr val="tx1">
+                    <a:lumMod val="65000"/>
+                    <a:lumOff val="35000"/>
+                  </a:schemeClr>
+                </a:solidFill>
+              </a:rPr>
+              <a:t> is performed within a custom class, commented in </a:t>
+            </a:r>
+            <a:r>
+              <a:rPr lang="en-GB" i="1" dirty="0" err="1">
+                <a:solidFill>
+                  <a:schemeClr val="tx1">
+                    <a:lumMod val="65000"/>
+                    <a:lumOff val="35000"/>
+                  </a:schemeClr>
+                </a:solidFill>
+              </a:rPr>
+              <a:t>AutoAttack.ipynb</a:t>
+            </a:r>
+            <a:endParaRPr lang="en-GB" i="1" dirty="0">
+              <a:solidFill>
+                <a:schemeClr val="tx1">
+                  <a:lumMod val="65000"/>
+                  <a:lumOff val="35000"/>
+                </a:schemeClr>
+              </a:solidFill>
+            </a:endParaRPr>
+          </a:p>
+        </p:txBody>
+      </p:sp>
+      <p:pic>
+        <p:nvPicPr>
+          <p:cNvPr id="17" name="Picture 16">
+            <a:extLst>
+              <a:ext uri="{FF2B5EF4-FFF2-40B4-BE49-F238E27FC236}">
+                <a16:creationId xmlns:a16="http://schemas.microsoft.com/office/drawing/2014/main" id="{B4693325-AC54-B3FC-37CB-93722E5EF624}"/>
+              </a:ext>
+            </a:extLst>
+          </p:cNvPr>
+          <p:cNvPicPr>
+            <a:picLocks noChangeAspect="1"/>
+          </p:cNvPicPr>
+          <p:nvPr/>
+        </p:nvPicPr>
+        <p:blipFill>
+          <a:blip r:embed="rId3"/>
+          <a:stretch>
+            <a:fillRect/>
+          </a:stretch>
+        </p:blipFill>
+        <p:spPr>
+          <a:xfrm>
+            <a:off x="1741486" y="4278952"/>
+            <a:ext cx="2509676" cy="261672"/>
+          </a:xfrm>
+          <a:prstGeom prst="rect">
+            <a:avLst/>
+          </a:prstGeom>
+        </p:spPr>
+      </p:pic>
+    </p:spTree>
+    <p:extLst>
+      <p:ext uri="{BB962C8B-B14F-4D97-AF65-F5344CB8AC3E}">
+        <p14:creationId xmlns:p14="http://schemas.microsoft.com/office/powerpoint/2010/main" val="799350806"/>
+      </p:ext>
+    </p:extLst>
+  </p:cSld>
+  <p:clrMapOvr>
+    <a:masterClrMapping/>
+  </p:clrMapOvr>
+</p:sld>
+</file>
+
+<file path=ppt/slides/slide6.xml><?xml version="1.0" encoding="utf-8"?>
 <p:sld xmlns:a="http://schemas.openxmlformats.org/drawingml/2006/main" xmlns:r="http://schemas.openxmlformats.org/officeDocument/2006/relationships" xmlns:p="http://schemas.openxmlformats.org/presentationml/2006/main">
   <p:cSld>
     <p:spTree>
@@ -8115,7 +10653,7 @@
             <p:ph idx="1"/>
             <p:extLst>
               <p:ext uri="{D42A27DB-BD31-4B8C-83A1-F6EECF244321}">
-                <p14:modId xmlns:p14="http://schemas.microsoft.com/office/powerpoint/2010/main" val="4242335440"/>
+                <p14:modId xmlns:p14="http://schemas.microsoft.com/office/powerpoint/2010/main" val="1491856423"/>
               </p:ext>
             </p:extLst>
           </p:nvPr>
@@ -8740,7 +11278,7 @@
             <a:fld id="{78E97BA1-C745-4510-B7AA-416690FFF5BB}" type="slidenum">
               <a:rPr lang="en-GB" noProof="0" smtClean="0"/>
               <a:pPr algn="ctr"/>
-              <a:t>5</a:t>
+              <a:t>6</a:t>
             </a:fld>
             <a:endParaRPr lang="en-GB" sz="1100" noProof="0" dirty="0">
               <a:solidFill>
@@ -8765,7 +11303,7 @@
 </p:sld>
 </file>
 
-<file path=ppt/slides/slide6.xml><?xml version="1.0" encoding="utf-8"?>
+<file path=ppt/slides/slide7.xml><?xml version="1.0" encoding="utf-8"?>
 <p:sld xmlns:a="http://schemas.openxmlformats.org/drawingml/2006/main" xmlns:r="http://schemas.openxmlformats.org/officeDocument/2006/relationships" xmlns:p="http://schemas.openxmlformats.org/presentationml/2006/main">
   <p:cSld>
     <p:spTree>
@@ -8958,7 +11496,7 @@
             <a:fld id="{78E97BA1-C745-4510-B7AA-416690FFF5BB}" type="slidenum">
               <a:rPr lang="en-GB" noProof="0" smtClean="0"/>
               <a:pPr algn="ctr"/>
-              <a:t>6</a:t>
+              <a:t>7</a:t>
             </a:fld>
             <a:endParaRPr lang="en-GB" sz="1100" noProof="0" dirty="0">
               <a:solidFill>
@@ -8985,7 +11523,7 @@
           <p:nvPr>
             <p:extLst>
               <p:ext uri="{D42A27DB-BD31-4B8C-83A1-F6EECF244321}">
-                <p14:modId xmlns:p14="http://schemas.microsoft.com/office/powerpoint/2010/main" val="412124011"/>
+                <p14:modId xmlns:p14="http://schemas.microsoft.com/office/powerpoint/2010/main" val="2411745787"/>
               </p:ext>
             </p:extLst>
           </p:nvPr>
@@ -10132,7 +12670,7 @@
 </p:sld>
 </file>
 
-<file path=ppt/slides/slide7.xml><?xml version="1.0" encoding="utf-8"?>
+<file path=ppt/slides/slide8.xml><?xml version="1.0" encoding="utf-8"?>
 <p:sld xmlns:a="http://schemas.openxmlformats.org/drawingml/2006/main" xmlns:r="http://schemas.openxmlformats.org/officeDocument/2006/relationships" xmlns:p="http://schemas.openxmlformats.org/presentationml/2006/main">
   <p:cSld>
     <p:spTree>
@@ -10220,7 +12758,7 @@
             <a:fld id="{78E97BA1-C745-4510-B7AA-416690FFF5BB}" type="slidenum">
               <a:rPr lang="en-GB" noProof="0" smtClean="0"/>
               <a:pPr algn="ctr"/>
-              <a:t>7</a:t>
+              <a:t>8</a:t>
             </a:fld>
             <a:endParaRPr lang="en-GB" sz="1100" noProof="0" dirty="0">
               <a:solidFill>
@@ -10247,7 +12785,7 @@
           <p:nvPr>
             <p:extLst>
               <p:ext uri="{D42A27DB-BD31-4B8C-83A1-F6EECF244321}">
-                <p14:modId xmlns:p14="http://schemas.microsoft.com/office/powerpoint/2010/main" val="2908843868"/>
+                <p14:modId xmlns:p14="http://schemas.microsoft.com/office/powerpoint/2010/main" val="2073006623"/>
               </p:ext>
             </p:extLst>
           </p:nvPr>
@@ -11515,7 +14053,7 @@
 </p:sld>
 </file>
 
-<file path=ppt/slides/slide8.xml><?xml version="1.0" encoding="utf-8"?>
+<file path=ppt/slides/slide9.xml><?xml version="1.0" encoding="utf-8"?>
 <p:sld xmlns:a="http://schemas.openxmlformats.org/drawingml/2006/main" xmlns:r="http://schemas.openxmlformats.org/officeDocument/2006/relationships" xmlns:p="http://schemas.openxmlformats.org/presentationml/2006/main">
   <p:cSld>
     <p:spTree>
@@ -11598,7 +14136,7 @@
             <a:fld id="{78E97BA1-C745-4510-B7AA-416690FFF5BB}" type="slidenum">
               <a:rPr lang="en-GB" noProof="0" smtClean="0"/>
               <a:pPr algn="ctr"/>
-              <a:t>8</a:t>
+              <a:t>9</a:t>
             </a:fld>
             <a:endParaRPr lang="en-GB" sz="1100" noProof="0" dirty="0">
               <a:solidFill>
@@ -11625,7 +14163,7 @@
           <p:nvPr>
             <p:extLst>
               <p:ext uri="{D42A27DB-BD31-4B8C-83A1-F6EECF244321}">
-                <p14:modId xmlns:p14="http://schemas.microsoft.com/office/powerpoint/2010/main" val="222006960"/>
+                <p14:modId xmlns:p14="http://schemas.microsoft.com/office/powerpoint/2010/main" val="1214824519"/>
               </p:ext>
             </p:extLst>
           </p:nvPr>
@@ -12982,1713 +15520,6 @@
     <p:extLst>
       <p:ext uri="{BB962C8B-B14F-4D97-AF65-F5344CB8AC3E}">
         <p14:creationId xmlns:p14="http://schemas.microsoft.com/office/powerpoint/2010/main" val="2818969466"/>
-      </p:ext>
-    </p:extLst>
-  </p:cSld>
-  <p:clrMapOvr>
-    <a:masterClrMapping/>
-  </p:clrMapOvr>
-</p:sld>
-</file>
-
-<file path=ppt/slides/slide9.xml><?xml version="1.0" encoding="utf-8"?>
-<p:sld xmlns:a="http://schemas.openxmlformats.org/drawingml/2006/main" xmlns:r="http://schemas.openxmlformats.org/officeDocument/2006/relationships" xmlns:p="http://schemas.openxmlformats.org/presentationml/2006/main">
-  <p:cSld>
-    <p:spTree>
-      <p:nvGrpSpPr>
-        <p:cNvPr id="1" name=""/>
-        <p:cNvGrpSpPr/>
-        <p:nvPr/>
-      </p:nvGrpSpPr>
-      <p:grpSpPr>
-        <a:xfrm>
-          <a:off x="0" y="0"/>
-          <a:ext cx="0" cy="0"/>
-          <a:chOff x="0" y="0"/>
-          <a:chExt cx="0" cy="0"/>
-        </a:xfrm>
-      </p:grpSpPr>
-      <p:sp>
-        <p:nvSpPr>
-          <p:cNvPr id="2" name="Title 1">
-            <a:extLst>
-              <a:ext uri="{FF2B5EF4-FFF2-40B4-BE49-F238E27FC236}">
-                <a16:creationId xmlns:a16="http://schemas.microsoft.com/office/drawing/2014/main" id="{FDA45214-64A6-A7DB-14A2-5EF6E2FFD78E}"/>
-              </a:ext>
-            </a:extLst>
-          </p:cNvPr>
-          <p:cNvSpPr>
-            <a:spLocks noGrp="1"/>
-          </p:cNvSpPr>
-          <p:nvPr>
-            <p:ph type="title"/>
-          </p:nvPr>
-        </p:nvSpPr>
-        <p:spPr>
-          <a:xfrm>
-            <a:off x="502233" y="429470"/>
-            <a:ext cx="4923131" cy="1286618"/>
-          </a:xfrm>
-        </p:spPr>
-        <p:txBody>
-          <a:bodyPr/>
-          <a:lstStyle/>
-          <a:p>
-            <a:r>
-              <a:rPr lang="en-GB" noProof="0" dirty="0"/>
-              <a:t>Results:</a:t>
-            </a:r>
-            <a:br>
-              <a:rPr lang="en-GB" noProof="0" dirty="0"/>
-            </a:br>
-            <a:r>
-              <a:rPr lang="en-GB" noProof="0" dirty="0"/>
-              <a:t>ranking</a:t>
-            </a:r>
-          </a:p>
-        </p:txBody>
-      </p:sp>
-      <p:sp>
-        <p:nvSpPr>
-          <p:cNvPr id="7" name="Slide Number Placeholder 6">
-            <a:extLst>
-              <a:ext uri="{FF2B5EF4-FFF2-40B4-BE49-F238E27FC236}">
-                <a16:creationId xmlns:a16="http://schemas.microsoft.com/office/drawing/2014/main" id="{28E2F09F-68D8-8265-A086-706D86BECE82}"/>
-              </a:ext>
-            </a:extLst>
-          </p:cNvPr>
-          <p:cNvSpPr>
-            <a:spLocks noGrp="1"/>
-          </p:cNvSpPr>
-          <p:nvPr>
-            <p:ph type="sldNum" sz="quarter" idx="12"/>
-          </p:nvPr>
-        </p:nvSpPr>
-        <p:spPr/>
-        <p:txBody>
-          <a:bodyPr/>
-          <a:lstStyle/>
-          <a:p>
-            <a:pPr algn="ctr"/>
-            <a:fld id="{78E97BA1-C745-4510-B7AA-416690FFF5BB}" type="slidenum">
-              <a:rPr lang="en-GB" noProof="0" smtClean="0"/>
-              <a:pPr algn="ctr"/>
-              <a:t>9</a:t>
-            </a:fld>
-            <a:endParaRPr lang="en-GB" sz="1100" noProof="0" dirty="0">
-              <a:solidFill>
-                <a:schemeClr val="tx1">
-                  <a:tint val="82000"/>
-                </a:schemeClr>
-              </a:solidFill>
-            </a:endParaRPr>
-          </a:p>
-        </p:txBody>
-      </p:sp>
-      <p:graphicFrame>
-        <p:nvGraphicFramePr>
-          <p:cNvPr id="6" name="Table 5">
-            <a:extLst>
-              <a:ext uri="{FF2B5EF4-FFF2-40B4-BE49-F238E27FC236}">
-                <a16:creationId xmlns:a16="http://schemas.microsoft.com/office/drawing/2014/main" id="{00D737C5-0B2D-3DCA-8827-909763A06FB5}"/>
-              </a:ext>
-            </a:extLst>
-          </p:cNvPr>
-          <p:cNvGraphicFramePr>
-            <a:graphicFrameLocks noGrp="1"/>
-          </p:cNvGraphicFramePr>
-          <p:nvPr>
-            <p:extLst>
-              <p:ext uri="{D42A27DB-BD31-4B8C-83A1-F6EECF244321}">
-                <p14:modId xmlns:p14="http://schemas.microsoft.com/office/powerpoint/2010/main" val="2698496898"/>
-              </p:ext>
-            </p:extLst>
-          </p:nvPr>
-        </p:nvGraphicFramePr>
-        <p:xfrm>
-          <a:off x="4872659" y="4227513"/>
-          <a:ext cx="6970143" cy="1828800"/>
-        </p:xfrm>
-        <a:graphic>
-          <a:graphicData uri="http://schemas.openxmlformats.org/drawingml/2006/table">
-            <a:tbl>
-              <a:tblPr firstRow="1" bandRow="1">
-                <a:tableStyleId>{00A15C55-8517-42AA-B614-E9B94910E393}</a:tableStyleId>
-              </a:tblPr>
-              <a:tblGrid>
-                <a:gridCol w="2316163">
-                  <a:extLst>
-                    <a:ext uri="{9D8B030D-6E8A-4147-A177-3AD203B41FA5}">
-                      <a16:colId xmlns:a16="http://schemas.microsoft.com/office/drawing/2014/main" val="20000"/>
-                    </a:ext>
-                  </a:extLst>
-                </a:gridCol>
-                <a:gridCol w="858016">
-                  <a:extLst>
-                    <a:ext uri="{9D8B030D-6E8A-4147-A177-3AD203B41FA5}">
-                      <a16:colId xmlns:a16="http://schemas.microsoft.com/office/drawing/2014/main" val="648132555"/>
-                    </a:ext>
-                  </a:extLst>
-                </a:gridCol>
-                <a:gridCol w="647953">
-                  <a:extLst>
-                    <a:ext uri="{9D8B030D-6E8A-4147-A177-3AD203B41FA5}">
-                      <a16:colId xmlns:a16="http://schemas.microsoft.com/office/drawing/2014/main" val="1739031649"/>
-                    </a:ext>
-                  </a:extLst>
-                </a:gridCol>
-                <a:gridCol w="597217">
-                  <a:extLst>
-                    <a:ext uri="{9D8B030D-6E8A-4147-A177-3AD203B41FA5}">
-                      <a16:colId xmlns:a16="http://schemas.microsoft.com/office/drawing/2014/main" val="20001"/>
-                    </a:ext>
-                  </a:extLst>
-                </a:gridCol>
-                <a:gridCol w="597217">
-                  <a:extLst>
-                    <a:ext uri="{9D8B030D-6E8A-4147-A177-3AD203B41FA5}">
-                      <a16:colId xmlns:a16="http://schemas.microsoft.com/office/drawing/2014/main" val="20002"/>
-                    </a:ext>
-                  </a:extLst>
-                </a:gridCol>
-                <a:gridCol w="597217">
-                  <a:extLst>
-                    <a:ext uri="{9D8B030D-6E8A-4147-A177-3AD203B41FA5}">
-                      <a16:colId xmlns:a16="http://schemas.microsoft.com/office/drawing/2014/main" val="20003"/>
-                    </a:ext>
-                  </a:extLst>
-                </a:gridCol>
-                <a:gridCol w="678180">
-                  <a:extLst>
-                    <a:ext uri="{9D8B030D-6E8A-4147-A177-3AD203B41FA5}">
-                      <a16:colId xmlns:a16="http://schemas.microsoft.com/office/drawing/2014/main" val="20004"/>
-                    </a:ext>
-                  </a:extLst>
-                </a:gridCol>
-                <a:gridCol w="678180">
-                  <a:extLst>
-                    <a:ext uri="{9D8B030D-6E8A-4147-A177-3AD203B41FA5}">
-                      <a16:colId xmlns:a16="http://schemas.microsoft.com/office/drawing/2014/main" val="20005"/>
-                    </a:ext>
-                  </a:extLst>
-                </a:gridCol>
-              </a:tblGrid>
-              <a:tr h="191755">
-                <a:tc>
-                  <a:txBody>
-                    <a:bodyPr/>
-                    <a:lstStyle/>
-                    <a:p>
-                      <a:pPr marL="0" algn="ctr" defTabSz="914400" rtl="0" eaLnBrk="1" latinLnBrk="0" hangingPunct="1">
-                        <a:defRPr sz="1100"/>
-                      </a:pPr>
-                      <a:r>
-                        <a:rPr lang="en-GB" sz="1200" b="1" kern="1200" noProof="0" dirty="0">
-                          <a:solidFill>
-                            <a:schemeClr val="lt1"/>
-                          </a:solidFill>
-                        </a:rPr>
-                        <a:t>Model ID</a:t>
-                      </a:r>
-                      <a:endParaRPr lang="en-GB" sz="1200" b="1" kern="1200" noProof="0" dirty="0">
-                        <a:solidFill>
-                          <a:schemeClr val="lt1"/>
-                        </a:solidFill>
-                        <a:latin typeface="+mn-lt"/>
-                        <a:ea typeface="+mn-ea"/>
-                        <a:cs typeface="+mn-cs"/>
-                      </a:endParaRPr>
-                    </a:p>
-                  </a:txBody>
-                  <a:tcPr anchor="ctr"/>
-                </a:tc>
-                <a:tc>
-                  <a:txBody>
-                    <a:bodyPr/>
-                    <a:lstStyle/>
-                    <a:p>
-                      <a:pPr algn="ctr"/>
-                      <a:r>
-                        <a:rPr lang="en-GB" sz="1200" noProof="0" dirty="0"/>
-                        <a:t>Clean accuracy</a:t>
-                      </a:r>
-                    </a:p>
-                  </a:txBody>
-                  <a:tcPr anchor="ctr"/>
-                </a:tc>
-                <a:tc>
-                  <a:txBody>
-                    <a:bodyPr/>
-                    <a:lstStyle/>
-                    <a:p>
-                      <a:pPr algn="ctr"/>
-                      <a:r>
-                        <a:rPr lang="en-GB" sz="1200" noProof="0" dirty="0"/>
-                        <a:t>Clean rank</a:t>
-                      </a:r>
-                    </a:p>
-                  </a:txBody>
-                  <a:tcPr anchor="ctr"/>
-                </a:tc>
-                <a:tc>
-                  <a:txBody>
-                    <a:bodyPr/>
-                    <a:lstStyle/>
-                    <a:p>
-                      <a:pPr marL="0" algn="ctr" defTabSz="914400" rtl="0" eaLnBrk="1" latinLnBrk="0" hangingPunct="1">
-                        <a:defRPr sz="1100"/>
-                      </a:pPr>
-                      <a:r>
-                        <a:rPr lang="en-GB" sz="1200" b="1" kern="1200" noProof="0" dirty="0">
-                          <a:solidFill>
-                            <a:schemeClr val="lt1"/>
-                          </a:solidFill>
-                        </a:rPr>
-                        <a:t>1/255</a:t>
-                      </a:r>
-                      <a:endParaRPr lang="en-GB" sz="1200" b="1" kern="1200" noProof="0" dirty="0">
-                        <a:solidFill>
-                          <a:schemeClr val="lt1"/>
-                        </a:solidFill>
-                        <a:latin typeface="+mn-lt"/>
-                        <a:ea typeface="+mn-ea"/>
-                        <a:cs typeface="+mn-cs"/>
-                      </a:endParaRPr>
-                    </a:p>
-                  </a:txBody>
-                  <a:tcPr anchor="ctr"/>
-                </a:tc>
-                <a:tc>
-                  <a:txBody>
-                    <a:bodyPr/>
-                    <a:lstStyle/>
-                    <a:p>
-                      <a:pPr marL="0" algn="ctr" defTabSz="914400" rtl="0" eaLnBrk="1" latinLnBrk="0" hangingPunct="1">
-                        <a:defRPr sz="1100"/>
-                      </a:pPr>
-                      <a:r>
-                        <a:rPr lang="en-GB" sz="1200" b="1" kern="1200" noProof="0" dirty="0">
-                          <a:solidFill>
-                            <a:schemeClr val="lt1"/>
-                          </a:solidFill>
-                        </a:rPr>
-                        <a:t>4/255</a:t>
-                      </a:r>
-                      <a:endParaRPr lang="en-GB" sz="1200" b="1" kern="1200" noProof="0" dirty="0">
-                        <a:solidFill>
-                          <a:schemeClr val="lt1"/>
-                        </a:solidFill>
-                        <a:latin typeface="+mn-lt"/>
-                        <a:ea typeface="+mn-ea"/>
-                        <a:cs typeface="+mn-cs"/>
-                      </a:endParaRPr>
-                    </a:p>
-                  </a:txBody>
-                  <a:tcPr anchor="ctr"/>
-                </a:tc>
-                <a:tc>
-                  <a:txBody>
-                    <a:bodyPr/>
-                    <a:lstStyle/>
-                    <a:p>
-                      <a:pPr marL="0" algn="ctr" defTabSz="914400" rtl="0" eaLnBrk="1" latinLnBrk="0" hangingPunct="1">
-                        <a:defRPr sz="1100"/>
-                      </a:pPr>
-                      <a:r>
-                        <a:rPr lang="en-GB" sz="1200" b="1" kern="1200" noProof="0" dirty="0">
-                          <a:solidFill>
-                            <a:schemeClr val="lt1"/>
-                          </a:solidFill>
-                        </a:rPr>
-                        <a:t>8/255</a:t>
-                      </a:r>
-                      <a:endParaRPr lang="en-GB" sz="1200" b="1" kern="1200" noProof="0" dirty="0">
-                        <a:solidFill>
-                          <a:schemeClr val="lt1"/>
-                        </a:solidFill>
-                        <a:latin typeface="+mn-lt"/>
-                        <a:ea typeface="+mn-ea"/>
-                        <a:cs typeface="+mn-cs"/>
-                      </a:endParaRPr>
-                    </a:p>
-                  </a:txBody>
-                  <a:tcPr anchor="ctr"/>
-                </a:tc>
-                <a:tc>
-                  <a:txBody>
-                    <a:bodyPr/>
-                    <a:lstStyle/>
-                    <a:p>
-                      <a:pPr marL="0" algn="ctr" defTabSz="914400" rtl="0" eaLnBrk="1" latinLnBrk="0" hangingPunct="1">
-                        <a:defRPr sz="1100"/>
-                      </a:pPr>
-                      <a:r>
-                        <a:rPr lang="en-GB" sz="1200" b="1" kern="1200" noProof="0" dirty="0">
-                          <a:solidFill>
-                            <a:schemeClr val="lt1"/>
-                          </a:solidFill>
-                        </a:rPr>
-                        <a:t>12/255</a:t>
-                      </a:r>
-                      <a:endParaRPr lang="en-GB" sz="1200" b="1" kern="1200" noProof="0" dirty="0">
-                        <a:solidFill>
-                          <a:schemeClr val="lt1"/>
-                        </a:solidFill>
-                        <a:latin typeface="+mn-lt"/>
-                        <a:ea typeface="+mn-ea"/>
-                        <a:cs typeface="+mn-cs"/>
-                      </a:endParaRPr>
-                    </a:p>
-                  </a:txBody>
-                  <a:tcPr anchor="ctr"/>
-                </a:tc>
-                <a:tc>
-                  <a:txBody>
-                    <a:bodyPr/>
-                    <a:lstStyle/>
-                    <a:p>
-                      <a:pPr marL="0" algn="ctr" defTabSz="914400" rtl="0" eaLnBrk="1" latinLnBrk="0" hangingPunct="1">
-                        <a:defRPr sz="1100"/>
-                      </a:pPr>
-                      <a:r>
-                        <a:rPr lang="en-GB" sz="1200" b="1" kern="1200" noProof="0" dirty="0">
-                          <a:solidFill>
-                            <a:schemeClr val="lt1"/>
-                          </a:solidFill>
-                        </a:rPr>
-                        <a:t>16/255</a:t>
-                      </a:r>
-                      <a:endParaRPr lang="en-GB" sz="1200" b="1" kern="1200" noProof="0" dirty="0">
-                        <a:solidFill>
-                          <a:schemeClr val="lt1"/>
-                        </a:solidFill>
-                        <a:latin typeface="+mn-lt"/>
-                        <a:ea typeface="+mn-ea"/>
-                        <a:cs typeface="+mn-cs"/>
-                      </a:endParaRPr>
-                    </a:p>
-                  </a:txBody>
-                  <a:tcPr anchor="ctr"/>
-                </a:tc>
-                <a:extLst>
-                  <a:ext uri="{0D108BD9-81ED-4DB2-BD59-A6C34878D82A}">
-                    <a16:rowId xmlns:a16="http://schemas.microsoft.com/office/drawing/2014/main" val="10000"/>
-                  </a:ext>
-                </a:extLst>
-              </a:tr>
-              <a:tr h="252000">
-                <a:tc>
-                  <a:txBody>
-                    <a:bodyPr/>
-                    <a:lstStyle/>
-                    <a:p>
-                      <a:pPr algn="ctr">
-                        <a:defRPr sz="1100"/>
-                      </a:pPr>
-                      <a:r>
-                        <a:rPr kumimoji="0" lang="en-GB" sz="1200" b="0" u="none" strike="noStrike" kern="1200" cap="none" spc="0" normalizeH="0" baseline="0" noProof="0" dirty="0">
-                          <a:ln>
-                            <a:noFill/>
-                          </a:ln>
-                          <a:solidFill>
-                            <a:prstClr val="black">
-                              <a:lumMod val="65000"/>
-                              <a:lumOff val="35000"/>
-                            </a:prstClr>
-                          </a:solidFill>
-                          <a:effectLst/>
-                          <a:uLnTx/>
-                          <a:uFillTx/>
-                        </a:rPr>
-                        <a:t>Carmon2019Unlabeled</a:t>
-                      </a:r>
-                      <a:endParaRPr kumimoji="0" lang="en-GB" sz="1200" b="0" i="0" u="none" strike="noStrike" kern="1200" cap="none" spc="0" normalizeH="0" baseline="0" noProof="0" dirty="0">
-                        <a:ln>
-                          <a:noFill/>
-                        </a:ln>
-                        <a:solidFill>
-                          <a:prstClr val="black">
-                            <a:lumMod val="65000"/>
-                            <a:lumOff val="35000"/>
-                          </a:prstClr>
-                        </a:solidFill>
-                        <a:effectLst/>
-                        <a:uLnTx/>
-                        <a:uFillTx/>
-                        <a:latin typeface="Aptos" panose="02110004020202020204"/>
-                        <a:ea typeface="+mn-ea"/>
-                        <a:cs typeface="+mn-cs"/>
-                      </a:endParaRPr>
-                    </a:p>
-                  </a:txBody>
-                  <a:tcPr anchor="ctr"/>
-                </a:tc>
-                <a:tc>
-                  <a:txBody>
-                    <a:bodyPr/>
-                    <a:lstStyle/>
-                    <a:p>
-                      <a:pPr algn="ctr"/>
-                      <a:r>
-                        <a:rPr lang="en-GB" sz="1200" noProof="0" dirty="0"/>
-                        <a:t>90.50%</a:t>
-                      </a:r>
-                    </a:p>
-                  </a:txBody>
-                  <a:tcPr anchor="ctr"/>
-                </a:tc>
-                <a:tc>
-                  <a:txBody>
-                    <a:bodyPr/>
-                    <a:lstStyle/>
-                    <a:p>
-                      <a:pPr algn="ctr"/>
-                      <a:r>
-                        <a:rPr lang="en-GB" sz="1200" noProof="0" dirty="0"/>
-                        <a:t>36 </a:t>
-                      </a:r>
-                      <a:r>
-                        <a:rPr lang="en-GB" sz="1200" noProof="0" dirty="0">
-                          <a:sym typeface="Wingdings" panose="05000000000000000000" pitchFamily="2" charset="2"/>
-                        </a:rPr>
-                        <a:t> 3</a:t>
-                      </a:r>
-                      <a:endParaRPr lang="en-GB" sz="1200" noProof="0" dirty="0"/>
-                    </a:p>
-                  </a:txBody>
-                  <a:tcPr anchor="ctr"/>
-                </a:tc>
-                <a:tc>
-                  <a:txBody>
-                    <a:bodyPr/>
-                    <a:lstStyle/>
-                    <a:p>
-                      <a:pPr algn="ctr">
-                        <a:defRPr sz="1100"/>
-                      </a:pPr>
-                      <a:r>
-                        <a:rPr lang="en-GB" sz="1200" kern="1200" noProof="0" dirty="0">
-                          <a:solidFill>
-                            <a:schemeClr val="dk1"/>
-                          </a:solidFill>
-                        </a:rPr>
-                        <a:t>3</a:t>
-                      </a:r>
-                      <a:endParaRPr lang="en-GB" sz="1200" kern="1200" noProof="0" dirty="0">
-                        <a:solidFill>
-                          <a:schemeClr val="dk1"/>
-                        </a:solidFill>
-                        <a:latin typeface="+mn-lt"/>
-                        <a:ea typeface="+mn-ea"/>
-                        <a:cs typeface="+mn-cs"/>
-                      </a:endParaRPr>
-                    </a:p>
-                  </a:txBody>
-                  <a:tcPr anchor="ctr"/>
-                </a:tc>
-                <a:tc>
-                  <a:txBody>
-                    <a:bodyPr/>
-                    <a:lstStyle/>
-                    <a:p>
-                      <a:pPr algn="ctr">
-                        <a:defRPr sz="1100"/>
-                      </a:pPr>
-                      <a:r>
-                        <a:rPr lang="en-GB" sz="1200" kern="1200" noProof="0" dirty="0">
-                          <a:solidFill>
-                            <a:schemeClr val="dk1"/>
-                          </a:solidFill>
-                        </a:rPr>
-                        <a:t>3</a:t>
-                      </a:r>
-                      <a:endParaRPr lang="en-GB" sz="1200" kern="1200" noProof="0" dirty="0">
-                        <a:solidFill>
-                          <a:schemeClr val="dk1"/>
-                        </a:solidFill>
-                        <a:latin typeface="+mn-lt"/>
-                        <a:ea typeface="+mn-ea"/>
-                        <a:cs typeface="+mn-cs"/>
-                      </a:endParaRPr>
-                    </a:p>
-                  </a:txBody>
-                  <a:tcPr anchor="ctr"/>
-                </a:tc>
-                <a:tc>
-                  <a:txBody>
-                    <a:bodyPr/>
-                    <a:lstStyle/>
-                    <a:p>
-                      <a:pPr algn="ctr">
-                        <a:defRPr sz="1100"/>
-                      </a:pPr>
-                      <a:r>
-                        <a:rPr lang="en-GB" sz="1200" kern="1200" noProof="0" dirty="0">
-                          <a:solidFill>
-                            <a:schemeClr val="dk1"/>
-                          </a:solidFill>
-                        </a:rPr>
-                        <a:t>3</a:t>
-                      </a:r>
-                      <a:endParaRPr lang="en-GB" sz="1200" kern="1200" noProof="0" dirty="0">
-                        <a:solidFill>
-                          <a:schemeClr val="dk1"/>
-                        </a:solidFill>
-                        <a:latin typeface="+mn-lt"/>
-                        <a:ea typeface="+mn-ea"/>
-                        <a:cs typeface="+mn-cs"/>
-                      </a:endParaRPr>
-                    </a:p>
-                  </a:txBody>
-                  <a:tcPr anchor="ctr">
-                    <a:solidFill>
-                      <a:schemeClr val="accent1">
-                        <a:lumMod val="40000"/>
-                        <a:lumOff val="60000"/>
-                      </a:schemeClr>
-                    </a:solidFill>
-                  </a:tcPr>
-                </a:tc>
-                <a:tc>
-                  <a:txBody>
-                    <a:bodyPr/>
-                    <a:lstStyle/>
-                    <a:p>
-                      <a:pPr algn="ctr">
-                        <a:defRPr sz="1100"/>
-                      </a:pPr>
-                      <a:r>
-                        <a:rPr lang="en-GB" sz="1200" kern="1200" noProof="0" dirty="0">
-                          <a:solidFill>
-                            <a:schemeClr val="dk1"/>
-                          </a:solidFill>
-                        </a:rPr>
-                        <a:t>5</a:t>
-                      </a:r>
-                      <a:endParaRPr lang="en-GB" sz="1200" kern="1200" noProof="0" dirty="0">
-                        <a:solidFill>
-                          <a:schemeClr val="dk1"/>
-                        </a:solidFill>
-                        <a:latin typeface="+mn-lt"/>
-                        <a:ea typeface="+mn-ea"/>
-                        <a:cs typeface="+mn-cs"/>
-                      </a:endParaRPr>
-                    </a:p>
-                  </a:txBody>
-                  <a:tcPr anchor="ctr"/>
-                </a:tc>
-                <a:tc>
-                  <a:txBody>
-                    <a:bodyPr/>
-                    <a:lstStyle/>
-                    <a:p>
-                      <a:pPr algn="ctr">
-                        <a:defRPr sz="1100"/>
-                      </a:pPr>
-                      <a:r>
-                        <a:rPr lang="en-GB" sz="1200" kern="1200" noProof="0" dirty="0">
-                          <a:solidFill>
-                            <a:schemeClr val="dk1"/>
-                          </a:solidFill>
-                        </a:rPr>
-                        <a:t>4</a:t>
-                      </a:r>
-                      <a:endParaRPr lang="en-GB" sz="1200" kern="1200" noProof="0" dirty="0">
-                        <a:solidFill>
-                          <a:schemeClr val="dk1"/>
-                        </a:solidFill>
-                        <a:latin typeface="+mn-lt"/>
-                        <a:ea typeface="+mn-ea"/>
-                        <a:cs typeface="+mn-cs"/>
-                      </a:endParaRPr>
-                    </a:p>
-                  </a:txBody>
-                  <a:tcPr anchor="ctr"/>
-                </a:tc>
-                <a:extLst>
-                  <a:ext uri="{0D108BD9-81ED-4DB2-BD59-A6C34878D82A}">
-                    <a16:rowId xmlns:a16="http://schemas.microsoft.com/office/drawing/2014/main" val="10001"/>
-                  </a:ext>
-                </a:extLst>
-              </a:tr>
-              <a:tr h="252000">
-                <a:tc>
-                  <a:txBody>
-                    <a:bodyPr/>
-                    <a:lstStyle/>
-                    <a:p>
-                      <a:pPr algn="ctr">
-                        <a:defRPr sz="1100"/>
-                      </a:pPr>
-                      <a:r>
-                        <a:rPr kumimoji="0" lang="en-GB" sz="1200" b="0" u="none" strike="noStrike" kern="1200" cap="none" spc="0" normalizeH="0" baseline="0" noProof="0" dirty="0">
-                          <a:ln>
-                            <a:noFill/>
-                          </a:ln>
-                          <a:solidFill>
-                            <a:prstClr val="black">
-                              <a:lumMod val="65000"/>
-                              <a:lumOff val="35000"/>
-                            </a:prstClr>
-                          </a:solidFill>
-                          <a:effectLst/>
-                          <a:uLnTx/>
-                          <a:uFillTx/>
-                        </a:rPr>
-                        <a:t>Cui2023Decoupled_WRN-28-10</a:t>
-                      </a:r>
-                      <a:endParaRPr kumimoji="0" lang="en-GB" sz="1200" b="0" i="0" u="none" strike="noStrike" kern="1200" cap="none" spc="0" normalizeH="0" baseline="0" noProof="0" dirty="0">
-                        <a:ln>
-                          <a:noFill/>
-                        </a:ln>
-                        <a:solidFill>
-                          <a:prstClr val="black">
-                            <a:lumMod val="65000"/>
-                            <a:lumOff val="35000"/>
-                          </a:prstClr>
-                        </a:solidFill>
-                        <a:effectLst/>
-                        <a:uLnTx/>
-                        <a:uFillTx/>
-                        <a:latin typeface="Aptos" panose="02110004020202020204"/>
-                        <a:ea typeface="+mn-ea"/>
-                        <a:cs typeface="+mn-cs"/>
-                      </a:endParaRPr>
-                    </a:p>
-                  </a:txBody>
-                  <a:tcPr anchor="ctr"/>
-                </a:tc>
-                <a:tc>
-                  <a:txBody>
-                    <a:bodyPr/>
-                    <a:lstStyle/>
-                    <a:p>
-                      <a:pPr algn="ctr"/>
-                      <a:r>
-                        <a:rPr lang="en-GB" sz="1200" noProof="0" dirty="0"/>
-                        <a:t>87.00%</a:t>
-                      </a:r>
-                    </a:p>
-                  </a:txBody>
-                  <a:tcPr anchor="ctr"/>
-                </a:tc>
-                <a:tc>
-                  <a:txBody>
-                    <a:bodyPr/>
-                    <a:lstStyle/>
-                    <a:p>
-                      <a:pPr algn="ctr"/>
-                      <a:r>
-                        <a:rPr lang="en-GB" sz="1200" noProof="0" dirty="0"/>
-                        <a:t>59 </a:t>
-                      </a:r>
-                      <a:r>
-                        <a:rPr lang="en-GB" sz="1200" noProof="0" dirty="0">
-                          <a:sym typeface="Wingdings" panose="05000000000000000000" pitchFamily="2" charset="2"/>
-                        </a:rPr>
-                        <a:t> 5</a:t>
-                      </a:r>
-                      <a:endParaRPr lang="en-GB" sz="1200" noProof="0" dirty="0"/>
-                    </a:p>
-                  </a:txBody>
-                  <a:tcPr anchor="ctr"/>
-                </a:tc>
-                <a:tc>
-                  <a:txBody>
-                    <a:bodyPr/>
-                    <a:lstStyle/>
-                    <a:p>
-                      <a:pPr algn="ctr">
-                        <a:defRPr sz="1100"/>
-                      </a:pPr>
-                      <a:r>
-                        <a:rPr lang="en-GB" sz="1200" kern="1200" noProof="0" dirty="0">
-                          <a:solidFill>
-                            <a:schemeClr val="dk1"/>
-                          </a:solidFill>
-                        </a:rPr>
-                        <a:t>1</a:t>
-                      </a:r>
-                      <a:endParaRPr lang="en-GB" sz="1200" kern="1200" noProof="0" dirty="0">
-                        <a:solidFill>
-                          <a:schemeClr val="dk1"/>
-                        </a:solidFill>
-                        <a:latin typeface="+mn-lt"/>
-                        <a:ea typeface="+mn-ea"/>
-                        <a:cs typeface="+mn-cs"/>
-                      </a:endParaRPr>
-                    </a:p>
-                  </a:txBody>
-                  <a:tcPr anchor="ctr"/>
-                </a:tc>
-                <a:tc>
-                  <a:txBody>
-                    <a:bodyPr/>
-                    <a:lstStyle/>
-                    <a:p>
-                      <a:pPr algn="ctr">
-                        <a:defRPr sz="1100"/>
-                      </a:pPr>
-                      <a:r>
-                        <a:rPr lang="en-GB" sz="1200" kern="1200" noProof="0" dirty="0">
-                          <a:solidFill>
-                            <a:schemeClr val="dk1"/>
-                          </a:solidFill>
-                        </a:rPr>
-                        <a:t>2</a:t>
-                      </a:r>
-                      <a:endParaRPr lang="en-GB" sz="1200" kern="1200" noProof="0" dirty="0">
-                        <a:solidFill>
-                          <a:schemeClr val="dk1"/>
-                        </a:solidFill>
-                        <a:latin typeface="+mn-lt"/>
-                        <a:ea typeface="+mn-ea"/>
-                        <a:cs typeface="+mn-cs"/>
-                      </a:endParaRPr>
-                    </a:p>
-                  </a:txBody>
-                  <a:tcPr anchor="ctr"/>
-                </a:tc>
-                <a:tc>
-                  <a:txBody>
-                    <a:bodyPr/>
-                    <a:lstStyle/>
-                    <a:p>
-                      <a:pPr algn="ctr">
-                        <a:defRPr sz="1100"/>
-                      </a:pPr>
-                      <a:r>
-                        <a:rPr lang="en-GB" sz="1200" kern="1200" noProof="0" dirty="0">
-                          <a:solidFill>
-                            <a:schemeClr val="dk1"/>
-                          </a:solidFill>
-                        </a:rPr>
-                        <a:t>2</a:t>
-                      </a:r>
-                      <a:endParaRPr lang="en-GB" sz="1200" kern="1200" noProof="0" dirty="0">
-                        <a:solidFill>
-                          <a:schemeClr val="dk1"/>
-                        </a:solidFill>
-                        <a:latin typeface="+mn-lt"/>
-                        <a:ea typeface="+mn-ea"/>
-                        <a:cs typeface="+mn-cs"/>
-                      </a:endParaRPr>
-                    </a:p>
-                  </a:txBody>
-                  <a:tcPr anchor="ctr">
-                    <a:solidFill>
-                      <a:schemeClr val="accent1">
-                        <a:lumMod val="40000"/>
-                        <a:lumOff val="60000"/>
-                      </a:schemeClr>
-                    </a:solidFill>
-                  </a:tcPr>
-                </a:tc>
-                <a:tc>
-                  <a:txBody>
-                    <a:bodyPr/>
-                    <a:lstStyle/>
-                    <a:p>
-                      <a:pPr algn="ctr">
-                        <a:defRPr sz="1100"/>
-                      </a:pPr>
-                      <a:r>
-                        <a:rPr lang="en-GB" sz="1200" kern="1200" noProof="0" dirty="0">
-                          <a:solidFill>
-                            <a:schemeClr val="dk1"/>
-                          </a:solidFill>
-                        </a:rPr>
-                        <a:t>2</a:t>
-                      </a:r>
-                      <a:endParaRPr lang="en-GB" sz="1200" kern="1200" noProof="0" dirty="0">
-                        <a:solidFill>
-                          <a:schemeClr val="dk1"/>
-                        </a:solidFill>
-                        <a:latin typeface="+mn-lt"/>
-                        <a:ea typeface="+mn-ea"/>
-                        <a:cs typeface="+mn-cs"/>
-                      </a:endParaRPr>
-                    </a:p>
-                  </a:txBody>
-                  <a:tcPr anchor="ctr"/>
-                </a:tc>
-                <a:tc>
-                  <a:txBody>
-                    <a:bodyPr/>
-                    <a:lstStyle/>
-                    <a:p>
-                      <a:pPr algn="ctr">
-                        <a:defRPr sz="1100"/>
-                      </a:pPr>
-                      <a:r>
-                        <a:rPr lang="en-GB" sz="1200" kern="1200" noProof="0" dirty="0">
-                          <a:solidFill>
-                            <a:schemeClr val="dk1"/>
-                          </a:solidFill>
-                        </a:rPr>
-                        <a:t>3</a:t>
-                      </a:r>
-                      <a:endParaRPr lang="en-GB" sz="1200" kern="1200" noProof="0" dirty="0">
-                        <a:solidFill>
-                          <a:schemeClr val="dk1"/>
-                        </a:solidFill>
-                        <a:latin typeface="+mn-lt"/>
-                        <a:ea typeface="+mn-ea"/>
-                        <a:cs typeface="+mn-cs"/>
-                      </a:endParaRPr>
-                    </a:p>
-                  </a:txBody>
-                  <a:tcPr anchor="ctr"/>
-                </a:tc>
-                <a:extLst>
-                  <a:ext uri="{0D108BD9-81ED-4DB2-BD59-A6C34878D82A}">
-                    <a16:rowId xmlns:a16="http://schemas.microsoft.com/office/drawing/2014/main" val="10002"/>
-                  </a:ext>
-                </a:extLst>
-              </a:tr>
-              <a:tr h="252000">
-                <a:tc>
-                  <a:txBody>
-                    <a:bodyPr/>
-                    <a:lstStyle/>
-                    <a:p>
-                      <a:pPr algn="ctr">
-                        <a:defRPr sz="1100"/>
-                      </a:pPr>
-                      <a:r>
-                        <a:rPr kumimoji="0" lang="en-GB" sz="1200" b="0" u="none" strike="noStrike" kern="1200" cap="none" spc="0" normalizeH="0" baseline="0" noProof="0" dirty="0">
-                          <a:ln>
-                            <a:noFill/>
-                          </a:ln>
-                          <a:solidFill>
-                            <a:prstClr val="black">
-                              <a:lumMod val="65000"/>
-                              <a:lumOff val="35000"/>
-                            </a:prstClr>
-                          </a:solidFill>
-                          <a:effectLst/>
-                          <a:uLnTx/>
-                          <a:uFillTx/>
-                        </a:rPr>
-                        <a:t>Rebuffi2021Fixing_R18_ddpm</a:t>
-                      </a:r>
-                      <a:endParaRPr kumimoji="0" lang="en-GB" sz="1200" b="0" i="0" u="none" strike="noStrike" kern="1200" cap="none" spc="0" normalizeH="0" baseline="0" noProof="0" dirty="0">
-                        <a:ln>
-                          <a:noFill/>
-                        </a:ln>
-                        <a:solidFill>
-                          <a:prstClr val="black">
-                            <a:lumMod val="65000"/>
-                            <a:lumOff val="35000"/>
-                          </a:prstClr>
-                        </a:solidFill>
-                        <a:effectLst/>
-                        <a:uLnTx/>
-                        <a:uFillTx/>
-                        <a:latin typeface="Aptos" panose="02110004020202020204"/>
-                        <a:ea typeface="+mn-ea"/>
-                        <a:cs typeface="+mn-cs"/>
-                      </a:endParaRPr>
-                    </a:p>
-                  </a:txBody>
-                  <a:tcPr anchor="ctr"/>
-                </a:tc>
-                <a:tc>
-                  <a:txBody>
-                    <a:bodyPr/>
-                    <a:lstStyle/>
-                    <a:p>
-                      <a:pPr algn="ctr"/>
-                      <a:r>
-                        <a:rPr lang="en-GB" sz="1200" noProof="0" dirty="0"/>
-                        <a:t>85.50%</a:t>
-                      </a:r>
-                    </a:p>
-                  </a:txBody>
-                  <a:tcPr anchor="ctr"/>
-                </a:tc>
-                <a:tc>
-                  <a:txBody>
-                    <a:bodyPr/>
-                    <a:lstStyle/>
-                    <a:p>
-                      <a:pPr algn="ctr"/>
-                      <a:r>
-                        <a:rPr lang="en-GB" sz="1200" noProof="0" dirty="0"/>
-                        <a:t>53 </a:t>
-                      </a:r>
-                      <a:r>
-                        <a:rPr lang="en-GB" sz="1200" noProof="0" dirty="0">
-                          <a:sym typeface="Wingdings" panose="05000000000000000000" pitchFamily="2" charset="2"/>
-                        </a:rPr>
-                        <a:t> 4</a:t>
-                      </a:r>
-                      <a:endParaRPr lang="en-GB" sz="1200" noProof="0" dirty="0"/>
-                    </a:p>
-                  </a:txBody>
-                  <a:tcPr anchor="ctr"/>
-                </a:tc>
-                <a:tc>
-                  <a:txBody>
-                    <a:bodyPr/>
-                    <a:lstStyle/>
-                    <a:p>
-                      <a:pPr algn="ctr">
-                        <a:defRPr sz="1100"/>
-                      </a:pPr>
-                      <a:r>
-                        <a:rPr lang="en-GB" sz="1200" kern="1200" noProof="0" dirty="0">
-                          <a:solidFill>
-                            <a:schemeClr val="dk1"/>
-                          </a:solidFill>
-                        </a:rPr>
-                        <a:t>5</a:t>
-                      </a:r>
-                      <a:endParaRPr lang="en-GB" sz="1200" kern="1200" noProof="0" dirty="0">
-                        <a:solidFill>
-                          <a:schemeClr val="dk1"/>
-                        </a:solidFill>
-                        <a:latin typeface="+mn-lt"/>
-                        <a:ea typeface="+mn-ea"/>
-                        <a:cs typeface="+mn-cs"/>
-                      </a:endParaRPr>
-                    </a:p>
-                  </a:txBody>
-                  <a:tcPr anchor="ctr"/>
-                </a:tc>
-                <a:tc>
-                  <a:txBody>
-                    <a:bodyPr/>
-                    <a:lstStyle/>
-                    <a:p>
-                      <a:pPr algn="ctr">
-                        <a:defRPr sz="1100"/>
-                      </a:pPr>
-                      <a:r>
-                        <a:rPr lang="en-GB" sz="1200" kern="1200" noProof="0" dirty="0">
-                          <a:solidFill>
-                            <a:schemeClr val="dk1"/>
-                          </a:solidFill>
-                        </a:rPr>
-                        <a:t>5</a:t>
-                      </a:r>
-                      <a:endParaRPr lang="en-GB" sz="1200" kern="1200" noProof="0" dirty="0">
-                        <a:solidFill>
-                          <a:schemeClr val="dk1"/>
-                        </a:solidFill>
-                        <a:latin typeface="+mn-lt"/>
-                        <a:ea typeface="+mn-ea"/>
-                        <a:cs typeface="+mn-cs"/>
-                      </a:endParaRPr>
-                    </a:p>
-                  </a:txBody>
-                  <a:tcPr anchor="ctr"/>
-                </a:tc>
-                <a:tc>
-                  <a:txBody>
-                    <a:bodyPr/>
-                    <a:lstStyle/>
-                    <a:p>
-                      <a:pPr algn="ctr">
-                        <a:defRPr sz="1100"/>
-                      </a:pPr>
-                      <a:r>
-                        <a:rPr lang="en-GB" sz="1200" kern="1200" noProof="0" dirty="0">
-                          <a:solidFill>
-                            <a:schemeClr val="dk1"/>
-                          </a:solidFill>
-                        </a:rPr>
-                        <a:t>4</a:t>
-                      </a:r>
-                      <a:endParaRPr lang="en-GB" sz="1200" kern="1200" noProof="0" dirty="0">
-                        <a:solidFill>
-                          <a:schemeClr val="dk1"/>
-                        </a:solidFill>
-                        <a:latin typeface="+mn-lt"/>
-                        <a:ea typeface="+mn-ea"/>
-                        <a:cs typeface="+mn-cs"/>
-                      </a:endParaRPr>
-                    </a:p>
-                  </a:txBody>
-                  <a:tcPr anchor="ctr">
-                    <a:solidFill>
-                      <a:schemeClr val="accent1">
-                        <a:lumMod val="40000"/>
-                        <a:lumOff val="60000"/>
-                      </a:schemeClr>
-                    </a:solidFill>
-                  </a:tcPr>
-                </a:tc>
-                <a:tc>
-                  <a:txBody>
-                    <a:bodyPr/>
-                    <a:lstStyle/>
-                    <a:p>
-                      <a:pPr algn="ctr">
-                        <a:defRPr sz="1100"/>
-                      </a:pPr>
-                      <a:r>
-                        <a:rPr lang="en-GB" sz="1200" kern="1200" noProof="0" dirty="0">
-                          <a:solidFill>
-                            <a:schemeClr val="dk1"/>
-                          </a:solidFill>
-                        </a:rPr>
-                        <a:t>3</a:t>
-                      </a:r>
-                      <a:endParaRPr lang="en-GB" sz="1200" kern="1200" noProof="0" dirty="0">
-                        <a:solidFill>
-                          <a:schemeClr val="dk1"/>
-                        </a:solidFill>
-                        <a:latin typeface="+mn-lt"/>
-                        <a:ea typeface="+mn-ea"/>
-                        <a:cs typeface="+mn-cs"/>
-                      </a:endParaRPr>
-                    </a:p>
-                  </a:txBody>
-                  <a:tcPr anchor="ctr"/>
-                </a:tc>
-                <a:tc>
-                  <a:txBody>
-                    <a:bodyPr/>
-                    <a:lstStyle/>
-                    <a:p>
-                      <a:pPr algn="ctr">
-                        <a:defRPr sz="1100"/>
-                      </a:pPr>
-                      <a:r>
-                        <a:rPr lang="en-GB" sz="1200" kern="1200" noProof="0" dirty="0">
-                          <a:solidFill>
-                            <a:schemeClr val="dk1"/>
-                          </a:solidFill>
-                        </a:rPr>
-                        <a:t>1</a:t>
-                      </a:r>
-                      <a:endParaRPr lang="en-GB" sz="1200" kern="1200" noProof="0" dirty="0">
-                        <a:solidFill>
-                          <a:schemeClr val="dk1"/>
-                        </a:solidFill>
-                        <a:latin typeface="+mn-lt"/>
-                        <a:ea typeface="+mn-ea"/>
-                        <a:cs typeface="+mn-cs"/>
-                      </a:endParaRPr>
-                    </a:p>
-                  </a:txBody>
-                  <a:tcPr anchor="ctr"/>
-                </a:tc>
-                <a:extLst>
-                  <a:ext uri="{0D108BD9-81ED-4DB2-BD59-A6C34878D82A}">
-                    <a16:rowId xmlns:a16="http://schemas.microsoft.com/office/drawing/2014/main" val="10003"/>
-                  </a:ext>
-                </a:extLst>
-              </a:tr>
-              <a:tr h="252000">
-                <a:tc>
-                  <a:txBody>
-                    <a:bodyPr/>
-                    <a:lstStyle/>
-                    <a:p>
-                      <a:pPr algn="ctr">
-                        <a:defRPr sz="1100"/>
-                      </a:pPr>
-                      <a:r>
-                        <a:rPr kumimoji="0" lang="en-GB" sz="1200" b="0" u="none" strike="noStrike" kern="1200" cap="none" spc="0" normalizeH="0" baseline="0" noProof="0" dirty="0">
-                          <a:ln>
-                            <a:noFill/>
-                          </a:ln>
-                          <a:solidFill>
-                            <a:prstClr val="black">
-                              <a:lumMod val="65000"/>
-                              <a:lumOff val="35000"/>
-                            </a:prstClr>
-                          </a:solidFill>
-                          <a:effectLst/>
-                          <a:uLnTx/>
-                          <a:uFillTx/>
-                        </a:rPr>
-                        <a:t>Sehwag2021Proxy_R18</a:t>
-                      </a:r>
-                      <a:endParaRPr kumimoji="0" lang="en-GB" sz="1200" b="0" i="0" u="none" strike="noStrike" kern="1200" cap="none" spc="0" normalizeH="0" baseline="0" noProof="0" dirty="0">
-                        <a:ln>
-                          <a:noFill/>
-                        </a:ln>
-                        <a:solidFill>
-                          <a:prstClr val="black">
-                            <a:lumMod val="65000"/>
-                            <a:lumOff val="35000"/>
-                          </a:prstClr>
-                        </a:solidFill>
-                        <a:effectLst/>
-                        <a:uLnTx/>
-                        <a:uFillTx/>
-                        <a:latin typeface="Aptos" panose="02110004020202020204"/>
-                        <a:ea typeface="+mn-ea"/>
-                        <a:cs typeface="+mn-cs"/>
-                      </a:endParaRPr>
-                    </a:p>
-                  </a:txBody>
-                  <a:tcPr anchor="ctr"/>
-                </a:tc>
-                <a:tc>
-                  <a:txBody>
-                    <a:bodyPr/>
-                    <a:lstStyle/>
-                    <a:p>
-                      <a:pPr algn="ctr"/>
-                      <a:r>
-                        <a:rPr lang="en-GB" sz="1200" noProof="0" dirty="0"/>
-                        <a:t>92.50%</a:t>
-                      </a:r>
-                    </a:p>
-                  </a:txBody>
-                  <a:tcPr anchor="ctr"/>
-                </a:tc>
-                <a:tc>
-                  <a:txBody>
-                    <a:bodyPr/>
-                    <a:lstStyle/>
-                    <a:p>
-                      <a:pPr algn="ctr"/>
-                      <a:r>
-                        <a:rPr lang="en-GB" sz="1200" noProof="0" dirty="0"/>
-                        <a:t>10 </a:t>
-                      </a:r>
-                      <a:r>
-                        <a:rPr lang="en-GB" sz="1200" noProof="0" dirty="0">
-                          <a:sym typeface="Wingdings" panose="05000000000000000000" pitchFamily="2" charset="2"/>
-                        </a:rPr>
-                        <a:t> 2</a:t>
-                      </a:r>
-                      <a:endParaRPr lang="en-GB" sz="1200" noProof="0" dirty="0"/>
-                    </a:p>
-                  </a:txBody>
-                  <a:tcPr anchor="ctr"/>
-                </a:tc>
-                <a:tc>
-                  <a:txBody>
-                    <a:bodyPr/>
-                    <a:lstStyle/>
-                    <a:p>
-                      <a:pPr algn="ctr">
-                        <a:defRPr sz="1100"/>
-                      </a:pPr>
-                      <a:r>
-                        <a:rPr lang="en-GB" sz="1200" kern="1200" noProof="0" dirty="0">
-                          <a:solidFill>
-                            <a:schemeClr val="dk1"/>
-                          </a:solidFill>
-                        </a:rPr>
-                        <a:t>4</a:t>
-                      </a:r>
-                      <a:endParaRPr lang="en-GB" sz="1200" kern="1200" noProof="0" dirty="0">
-                        <a:solidFill>
-                          <a:schemeClr val="dk1"/>
-                        </a:solidFill>
-                        <a:latin typeface="+mn-lt"/>
-                        <a:ea typeface="+mn-ea"/>
-                        <a:cs typeface="+mn-cs"/>
-                      </a:endParaRPr>
-                    </a:p>
-                  </a:txBody>
-                  <a:tcPr anchor="ctr"/>
-                </a:tc>
-                <a:tc>
-                  <a:txBody>
-                    <a:bodyPr/>
-                    <a:lstStyle/>
-                    <a:p>
-                      <a:pPr algn="ctr">
-                        <a:defRPr sz="1100"/>
-                      </a:pPr>
-                      <a:r>
-                        <a:rPr lang="en-GB" sz="1200" kern="1200" noProof="0" dirty="0">
-                          <a:solidFill>
-                            <a:schemeClr val="dk1"/>
-                          </a:solidFill>
-                        </a:rPr>
-                        <a:t>4</a:t>
-                      </a:r>
-                      <a:endParaRPr lang="en-GB" sz="1200" kern="1200" noProof="0" dirty="0">
-                        <a:solidFill>
-                          <a:schemeClr val="dk1"/>
-                        </a:solidFill>
-                        <a:latin typeface="+mn-lt"/>
-                        <a:ea typeface="+mn-ea"/>
-                        <a:cs typeface="+mn-cs"/>
-                      </a:endParaRPr>
-                    </a:p>
-                  </a:txBody>
-                  <a:tcPr anchor="ctr"/>
-                </a:tc>
-                <a:tc>
-                  <a:txBody>
-                    <a:bodyPr/>
-                    <a:lstStyle/>
-                    <a:p>
-                      <a:pPr algn="ctr">
-                        <a:defRPr sz="1100"/>
-                      </a:pPr>
-                      <a:r>
-                        <a:rPr lang="en-GB" sz="1200" kern="1200" noProof="0" dirty="0">
-                          <a:solidFill>
-                            <a:schemeClr val="dk1"/>
-                          </a:solidFill>
-                        </a:rPr>
-                        <a:t>5</a:t>
-                      </a:r>
-                      <a:endParaRPr lang="en-GB" sz="1200" kern="1200" noProof="0" dirty="0">
-                        <a:solidFill>
-                          <a:schemeClr val="dk1"/>
-                        </a:solidFill>
-                        <a:latin typeface="+mn-lt"/>
-                        <a:ea typeface="+mn-ea"/>
-                        <a:cs typeface="+mn-cs"/>
-                      </a:endParaRPr>
-                    </a:p>
-                  </a:txBody>
-                  <a:tcPr anchor="ctr">
-                    <a:solidFill>
-                      <a:schemeClr val="accent1">
-                        <a:lumMod val="40000"/>
-                        <a:lumOff val="60000"/>
-                      </a:schemeClr>
-                    </a:solidFill>
-                  </a:tcPr>
-                </a:tc>
-                <a:tc>
-                  <a:txBody>
-                    <a:bodyPr/>
-                    <a:lstStyle/>
-                    <a:p>
-                      <a:pPr algn="ctr">
-                        <a:defRPr sz="1100"/>
-                      </a:pPr>
-                      <a:r>
-                        <a:rPr lang="en-GB" sz="1200" kern="1200" noProof="0" dirty="0">
-                          <a:solidFill>
-                            <a:schemeClr val="dk1"/>
-                          </a:solidFill>
-                        </a:rPr>
-                        <a:t>4</a:t>
-                      </a:r>
-                      <a:endParaRPr lang="en-GB" sz="1200" kern="1200" noProof="0" dirty="0">
-                        <a:solidFill>
-                          <a:schemeClr val="dk1"/>
-                        </a:solidFill>
-                        <a:latin typeface="+mn-lt"/>
-                        <a:ea typeface="+mn-ea"/>
-                        <a:cs typeface="+mn-cs"/>
-                      </a:endParaRPr>
-                    </a:p>
-                  </a:txBody>
-                  <a:tcPr anchor="ctr"/>
-                </a:tc>
-                <a:tc>
-                  <a:txBody>
-                    <a:bodyPr/>
-                    <a:lstStyle/>
-                    <a:p>
-                      <a:pPr algn="ctr">
-                        <a:defRPr sz="1100"/>
-                      </a:pPr>
-                      <a:r>
-                        <a:rPr lang="en-GB" sz="1200" kern="1200" noProof="0" dirty="0">
-                          <a:solidFill>
-                            <a:schemeClr val="dk1"/>
-                          </a:solidFill>
-                        </a:rPr>
-                        <a:t>5</a:t>
-                      </a:r>
-                      <a:endParaRPr lang="en-GB" sz="1200" kern="1200" noProof="0" dirty="0">
-                        <a:solidFill>
-                          <a:schemeClr val="dk1"/>
-                        </a:solidFill>
-                        <a:latin typeface="+mn-lt"/>
-                        <a:ea typeface="+mn-ea"/>
-                        <a:cs typeface="+mn-cs"/>
-                      </a:endParaRPr>
-                    </a:p>
-                  </a:txBody>
-                  <a:tcPr anchor="ctr"/>
-                </a:tc>
-                <a:extLst>
-                  <a:ext uri="{0D108BD9-81ED-4DB2-BD59-A6C34878D82A}">
-                    <a16:rowId xmlns:a16="http://schemas.microsoft.com/office/drawing/2014/main" val="10004"/>
-                  </a:ext>
-                </a:extLst>
-              </a:tr>
-              <a:tr h="252000">
-                <a:tc>
-                  <a:txBody>
-                    <a:bodyPr/>
-                    <a:lstStyle/>
-                    <a:p>
-                      <a:pPr algn="ctr">
-                        <a:defRPr sz="1100"/>
-                      </a:pPr>
-                      <a:r>
-                        <a:rPr kumimoji="0" lang="en-GB" sz="1200" b="0" u="none" strike="noStrike" kern="1200" cap="none" spc="0" normalizeH="0" baseline="0" noProof="0" dirty="0">
-                          <a:ln>
-                            <a:noFill/>
-                          </a:ln>
-                          <a:solidFill>
-                            <a:prstClr val="black">
-                              <a:lumMod val="65000"/>
-                              <a:lumOff val="35000"/>
-                            </a:prstClr>
-                          </a:solidFill>
-                          <a:effectLst/>
-                          <a:uLnTx/>
-                          <a:uFillTx/>
-                        </a:rPr>
-                        <a:t>Wang2023Better_WRN-28-10</a:t>
-                      </a:r>
-                      <a:endParaRPr kumimoji="0" lang="en-GB" sz="1200" b="0" i="0" u="none" strike="noStrike" kern="1200" cap="none" spc="0" normalizeH="0" baseline="0" noProof="0" dirty="0">
-                        <a:ln>
-                          <a:noFill/>
-                        </a:ln>
-                        <a:solidFill>
-                          <a:prstClr val="black">
-                            <a:lumMod val="65000"/>
-                            <a:lumOff val="35000"/>
-                          </a:prstClr>
-                        </a:solidFill>
-                        <a:effectLst/>
-                        <a:uLnTx/>
-                        <a:uFillTx/>
-                        <a:latin typeface="Aptos" panose="02110004020202020204"/>
-                        <a:ea typeface="+mn-ea"/>
-                        <a:cs typeface="+mn-cs"/>
-                      </a:endParaRPr>
-                    </a:p>
-                  </a:txBody>
-                  <a:tcPr anchor="ctr"/>
-                </a:tc>
-                <a:tc>
-                  <a:txBody>
-                    <a:bodyPr/>
-                    <a:lstStyle/>
-                    <a:p>
-                      <a:pPr algn="ctr"/>
-                      <a:r>
-                        <a:rPr lang="en-GB" sz="1200" noProof="0" dirty="0"/>
-                        <a:t>93.50%</a:t>
-                      </a:r>
-                    </a:p>
-                  </a:txBody>
-                  <a:tcPr anchor="ctr"/>
-                </a:tc>
-                <a:tc>
-                  <a:txBody>
-                    <a:bodyPr/>
-                    <a:lstStyle/>
-                    <a:p>
-                      <a:pPr algn="ctr"/>
-                      <a:r>
-                        <a:rPr lang="en-GB" sz="1200" noProof="0" dirty="0"/>
-                        <a:t>9 </a:t>
-                      </a:r>
-                      <a:r>
-                        <a:rPr lang="en-GB" sz="1200" noProof="0" dirty="0">
-                          <a:sym typeface="Wingdings" panose="05000000000000000000" pitchFamily="2" charset="2"/>
-                        </a:rPr>
-                        <a:t> 1</a:t>
-                      </a:r>
-                      <a:endParaRPr lang="en-GB" sz="1200" noProof="0" dirty="0"/>
-                    </a:p>
-                  </a:txBody>
-                  <a:tcPr anchor="ctr"/>
-                </a:tc>
-                <a:tc>
-                  <a:txBody>
-                    <a:bodyPr/>
-                    <a:lstStyle/>
-                    <a:p>
-                      <a:pPr algn="ctr">
-                        <a:defRPr sz="1100"/>
-                      </a:pPr>
-                      <a:r>
-                        <a:rPr lang="en-GB" sz="1200" kern="1200" noProof="0" dirty="0">
-                          <a:solidFill>
-                            <a:schemeClr val="dk1"/>
-                          </a:solidFill>
-                        </a:rPr>
-                        <a:t>2</a:t>
-                      </a:r>
-                      <a:endParaRPr lang="en-GB" sz="1200" kern="1200" noProof="0" dirty="0">
-                        <a:solidFill>
-                          <a:schemeClr val="dk1"/>
-                        </a:solidFill>
-                        <a:latin typeface="+mn-lt"/>
-                        <a:ea typeface="+mn-ea"/>
-                        <a:cs typeface="+mn-cs"/>
-                      </a:endParaRPr>
-                    </a:p>
-                  </a:txBody>
-                  <a:tcPr anchor="ctr"/>
-                </a:tc>
-                <a:tc>
-                  <a:txBody>
-                    <a:bodyPr/>
-                    <a:lstStyle/>
-                    <a:p>
-                      <a:pPr algn="ctr">
-                        <a:defRPr sz="1100"/>
-                      </a:pPr>
-                      <a:r>
-                        <a:rPr lang="en-GB" sz="1200" kern="1200" noProof="0" dirty="0">
-                          <a:solidFill>
-                            <a:schemeClr val="dk1"/>
-                          </a:solidFill>
-                        </a:rPr>
-                        <a:t>1</a:t>
-                      </a:r>
-                      <a:endParaRPr lang="en-GB" sz="1200" kern="1200" noProof="0" dirty="0">
-                        <a:solidFill>
-                          <a:schemeClr val="dk1"/>
-                        </a:solidFill>
-                        <a:latin typeface="+mn-lt"/>
-                        <a:ea typeface="+mn-ea"/>
-                        <a:cs typeface="+mn-cs"/>
-                      </a:endParaRPr>
-                    </a:p>
-                  </a:txBody>
-                  <a:tcPr anchor="ctr"/>
-                </a:tc>
-                <a:tc>
-                  <a:txBody>
-                    <a:bodyPr/>
-                    <a:lstStyle/>
-                    <a:p>
-                      <a:pPr algn="ctr">
-                        <a:defRPr sz="1100"/>
-                      </a:pPr>
-                      <a:r>
-                        <a:rPr lang="en-GB" sz="1200" kern="1200" noProof="0" dirty="0">
-                          <a:solidFill>
-                            <a:schemeClr val="dk1"/>
-                          </a:solidFill>
-                        </a:rPr>
-                        <a:t>1</a:t>
-                      </a:r>
-                      <a:endParaRPr lang="en-GB" sz="1200" kern="1200" noProof="0" dirty="0">
-                        <a:solidFill>
-                          <a:schemeClr val="dk1"/>
-                        </a:solidFill>
-                        <a:latin typeface="+mn-lt"/>
-                        <a:ea typeface="+mn-ea"/>
-                        <a:cs typeface="+mn-cs"/>
-                      </a:endParaRPr>
-                    </a:p>
-                  </a:txBody>
-                  <a:tcPr anchor="ctr">
-                    <a:solidFill>
-                      <a:schemeClr val="accent1">
-                        <a:lumMod val="40000"/>
-                        <a:lumOff val="60000"/>
-                      </a:schemeClr>
-                    </a:solidFill>
-                  </a:tcPr>
-                </a:tc>
-                <a:tc>
-                  <a:txBody>
-                    <a:bodyPr/>
-                    <a:lstStyle/>
-                    <a:p>
-                      <a:pPr algn="ctr">
-                        <a:defRPr sz="1100"/>
-                      </a:pPr>
-                      <a:r>
-                        <a:rPr lang="en-GB" sz="1200" kern="1200" noProof="0" dirty="0">
-                          <a:solidFill>
-                            <a:schemeClr val="dk1"/>
-                          </a:solidFill>
-                        </a:rPr>
-                        <a:t>1</a:t>
-                      </a:r>
-                      <a:endParaRPr lang="en-GB" sz="1200" kern="1200" noProof="0" dirty="0">
-                        <a:solidFill>
-                          <a:schemeClr val="dk1"/>
-                        </a:solidFill>
-                        <a:latin typeface="+mn-lt"/>
-                        <a:ea typeface="+mn-ea"/>
-                        <a:cs typeface="+mn-cs"/>
-                      </a:endParaRPr>
-                    </a:p>
-                  </a:txBody>
-                  <a:tcPr anchor="ctr"/>
-                </a:tc>
-                <a:tc>
-                  <a:txBody>
-                    <a:bodyPr/>
-                    <a:lstStyle/>
-                    <a:p>
-                      <a:pPr algn="ctr">
-                        <a:defRPr sz="1100"/>
-                      </a:pPr>
-                      <a:r>
-                        <a:rPr lang="en-GB" sz="1200" kern="1200" noProof="0" dirty="0">
-                          <a:solidFill>
-                            <a:schemeClr val="dk1"/>
-                          </a:solidFill>
-                        </a:rPr>
-                        <a:t>2</a:t>
-                      </a:r>
-                      <a:endParaRPr lang="en-GB" sz="1200" kern="1200" noProof="0" dirty="0">
-                        <a:solidFill>
-                          <a:schemeClr val="dk1"/>
-                        </a:solidFill>
-                        <a:latin typeface="+mn-lt"/>
-                        <a:ea typeface="+mn-ea"/>
-                        <a:cs typeface="+mn-cs"/>
-                      </a:endParaRPr>
-                    </a:p>
-                  </a:txBody>
-                  <a:tcPr anchor="ctr"/>
-                </a:tc>
-                <a:extLst>
-                  <a:ext uri="{0D108BD9-81ED-4DB2-BD59-A6C34878D82A}">
-                    <a16:rowId xmlns:a16="http://schemas.microsoft.com/office/drawing/2014/main" val="10005"/>
-                  </a:ext>
-                </a:extLst>
-              </a:tr>
-            </a:tbl>
-          </a:graphicData>
-        </a:graphic>
-      </p:graphicFrame>
-      <p:pic>
-        <p:nvPicPr>
-          <p:cNvPr id="9" name="Picture 8">
-            <a:extLst>
-              <a:ext uri="{FF2B5EF4-FFF2-40B4-BE49-F238E27FC236}">
-                <a16:creationId xmlns:a16="http://schemas.microsoft.com/office/drawing/2014/main" id="{D01851A2-DAB3-47F5-7EC8-1125649036E5}"/>
-              </a:ext>
-            </a:extLst>
-          </p:cNvPr>
-          <p:cNvPicPr>
-            <a:picLocks noChangeAspect="1"/>
-          </p:cNvPicPr>
-          <p:nvPr/>
-        </p:nvPicPr>
-        <p:blipFill>
-          <a:blip r:embed="rId2">
-            <a:extLst>
-              <a:ext uri="{28A0092B-C50C-407E-A947-70E740481C1C}">
-                <a14:useLocalDpi xmlns:a14="http://schemas.microsoft.com/office/drawing/2010/main" val="0"/>
-              </a:ext>
-            </a:extLst>
-          </a:blip>
-          <a:srcRect/>
-          <a:stretch/>
-        </p:blipFill>
-        <p:spPr>
-          <a:xfrm>
-            <a:off x="5425365" y="278908"/>
-            <a:ext cx="6417437" cy="3831305"/>
-          </a:xfrm>
-          <a:prstGeom prst="rect">
-            <a:avLst/>
-          </a:prstGeom>
-        </p:spPr>
-      </p:pic>
-      <p:sp>
-        <p:nvSpPr>
-          <p:cNvPr id="11" name="Content Placeholder 13">
-            <a:extLst>
-              <a:ext uri="{FF2B5EF4-FFF2-40B4-BE49-F238E27FC236}">
-                <a16:creationId xmlns:a16="http://schemas.microsoft.com/office/drawing/2014/main" id="{4883E34E-59E8-A4CF-06E6-2D626E61B473}"/>
-              </a:ext>
-            </a:extLst>
-          </p:cNvPr>
-          <p:cNvSpPr>
-            <a:spLocks noGrp="1"/>
-          </p:cNvSpPr>
-          <p:nvPr>
-            <p:ph idx="1"/>
-          </p:nvPr>
-        </p:nvSpPr>
-        <p:spPr>
-          <a:xfrm>
-            <a:off x="502234" y="1895474"/>
-            <a:ext cx="4370425" cy="4533055"/>
-          </a:xfrm>
-        </p:spPr>
-        <p:txBody>
-          <a:bodyPr>
-            <a:normAutofit fontScale="85000" lnSpcReduction="10000"/>
-          </a:bodyPr>
-          <a:lstStyle/>
-          <a:p>
-            <a:r>
-              <a:rPr lang="en-GB" noProof="0" dirty="0"/>
-              <a:t>Model rankings change noticeably as ε increases</a:t>
-            </a:r>
-          </a:p>
-          <a:p>
-            <a:r>
-              <a:rPr lang="en-GB" b="1" noProof="0" dirty="0"/>
-              <a:t>Wang2023Better_WRN-28-10</a:t>
-            </a:r>
-            <a:r>
-              <a:rPr lang="en-GB" noProof="0" dirty="0"/>
-              <a:t> and </a:t>
-            </a:r>
-            <a:r>
-              <a:rPr lang="en-GB" b="1" noProof="0" dirty="0"/>
-              <a:t>Cui2023Decoupled_WRN-28-10 </a:t>
-            </a:r>
-            <a:r>
-              <a:rPr lang="en-GB" noProof="0" dirty="0"/>
-              <a:t>show the most stable behaviour, staying within the top-2 and top-3 ranks, respectively, across all ε values;</a:t>
-            </a:r>
-          </a:p>
-          <a:p>
-            <a:r>
-              <a:rPr lang="en-GB" noProof="0" dirty="0"/>
-              <a:t>Indeed, they rank 1</a:t>
-            </a:r>
-            <a:r>
-              <a:rPr lang="en-GB" baseline="30000" noProof="0" dirty="0"/>
-              <a:t>st</a:t>
-            </a:r>
-            <a:r>
-              <a:rPr lang="en-GB" noProof="0" dirty="0"/>
-              <a:t> and 2</a:t>
-            </a:r>
-            <a:r>
-              <a:rPr lang="en-GB" baseline="30000" noProof="0" dirty="0"/>
-              <a:t>nd</a:t>
-            </a:r>
-            <a:r>
-              <a:rPr lang="en-GB" noProof="0" dirty="0"/>
-              <a:t> at 8/255 (benchmark);</a:t>
-            </a:r>
-          </a:p>
-          <a:p>
-            <a:r>
-              <a:rPr lang="en-GB" noProof="0" dirty="0"/>
-              <a:t>In contrast, </a:t>
-            </a:r>
-            <a:r>
-              <a:rPr lang="en-GB" b="1" noProof="0" dirty="0"/>
-              <a:t>Rebuffi2021Fixing_R18_ddpm </a:t>
-            </a:r>
-            <a:r>
-              <a:rPr lang="en-GB" noProof="0" dirty="0"/>
-              <a:t>is the most instable model, moving from last place at small ε to first place at large ε;</a:t>
-            </a:r>
-          </a:p>
-          <a:p>
-            <a:r>
-              <a:rPr lang="en-GB" noProof="0" dirty="0"/>
-              <a:t>Overall, the results indicate that single-ε leaderboards mask important ranking shifts and that robustness should be evaluated across multiple ε values.</a:t>
-            </a:r>
-          </a:p>
-        </p:txBody>
-      </p:sp>
-    </p:spTree>
-    <p:extLst>
-      <p:ext uri="{BB962C8B-B14F-4D97-AF65-F5344CB8AC3E}">
-        <p14:creationId xmlns:p14="http://schemas.microsoft.com/office/powerpoint/2010/main" val="3950709421"/>
       </p:ext>
     </p:extLst>
   </p:cSld>
